--- a/Projectpp.pptx
+++ b/Projectpp.pptx
@@ -125,7 +125,7 @@
   </p:defaultTextStyle>
   <p:extLst>
     <p:ext uri="{EFAFB233-063F-42B5-8137-9DF3F51BA10A}">
-      <p15:sldGuideLst xmlns:p15="http://schemas.microsoft.com/office/powerpoint/2012/main" xmlns="">
+      <p15:sldGuideLst xmlns="" xmlns:p15="http://schemas.microsoft.com/office/powerpoint/2012/main">
         <p15:guide id="1" orient="horz" pos="2160" userDrawn="1">
           <p15:clr>
             <a:srgbClr val="A4A3A4"/>
@@ -164,7 +164,7 @@
           <p:cNvPr id="2" name="제목 1">
             <a:extLst>
               <a:ext uri="{FF2B5EF4-FFF2-40B4-BE49-F238E27FC236}">
-                <a16:creationId xmlns:a16="http://schemas.microsoft.com/office/drawing/2014/main" xmlns="" id="{A58116CC-20FF-457A-B0DD-F02EE2901914}"/>
+                <a16:creationId xmlns="" xmlns:a16="http://schemas.microsoft.com/office/drawing/2014/main" id="{A58116CC-20FF-457A-B0DD-F02EE2901914}"/>
               </a:ext>
             </a:extLst>
           </p:cNvPr>
@@ -201,7 +201,7 @@
           <p:cNvPr id="3" name="부제목 2">
             <a:extLst>
               <a:ext uri="{FF2B5EF4-FFF2-40B4-BE49-F238E27FC236}">
-                <a16:creationId xmlns:a16="http://schemas.microsoft.com/office/drawing/2014/main" xmlns="" id="{8CA0D387-B42B-4157-90E6-FCD3174B403F}"/>
+                <a16:creationId xmlns="" xmlns:a16="http://schemas.microsoft.com/office/drawing/2014/main" id="{8CA0D387-B42B-4157-90E6-FCD3174B403F}"/>
               </a:ext>
             </a:extLst>
           </p:cNvPr>
@@ -271,7 +271,7 @@
           <p:cNvPr id="4" name="날짜 개체 틀 3">
             <a:extLst>
               <a:ext uri="{FF2B5EF4-FFF2-40B4-BE49-F238E27FC236}">
-                <a16:creationId xmlns:a16="http://schemas.microsoft.com/office/drawing/2014/main" xmlns="" id="{7FA7E609-556E-4234-8CFC-AE6C70233C6B}"/>
+                <a16:creationId xmlns="" xmlns:a16="http://schemas.microsoft.com/office/drawing/2014/main" id="{7FA7E609-556E-4234-8CFC-AE6C70233C6B}"/>
               </a:ext>
             </a:extLst>
           </p:cNvPr>
@@ -300,7 +300,7 @@
           <p:cNvPr id="5" name="바닥글 개체 틀 4">
             <a:extLst>
               <a:ext uri="{FF2B5EF4-FFF2-40B4-BE49-F238E27FC236}">
-                <a16:creationId xmlns:a16="http://schemas.microsoft.com/office/drawing/2014/main" xmlns="" id="{533F3B6F-BEB4-4451-A4BA-A0659F2AC609}"/>
+                <a16:creationId xmlns="" xmlns:a16="http://schemas.microsoft.com/office/drawing/2014/main" id="{533F3B6F-BEB4-4451-A4BA-A0659F2AC609}"/>
               </a:ext>
             </a:extLst>
           </p:cNvPr>
@@ -325,7 +325,7 @@
           <p:cNvPr id="6" name="슬라이드 번호 개체 틀 5">
             <a:extLst>
               <a:ext uri="{FF2B5EF4-FFF2-40B4-BE49-F238E27FC236}">
-                <a16:creationId xmlns:a16="http://schemas.microsoft.com/office/drawing/2014/main" xmlns="" id="{A83703B4-E0EB-4B00-9BF7-03ABD79FAD9D}"/>
+                <a16:creationId xmlns="" xmlns:a16="http://schemas.microsoft.com/office/drawing/2014/main" id="{A83703B4-E0EB-4B00-9BF7-03ABD79FAD9D}"/>
               </a:ext>
             </a:extLst>
           </p:cNvPr>
@@ -396,7 +396,7 @@
           <p:cNvPr id="2" name="제목 1">
             <a:extLst>
               <a:ext uri="{FF2B5EF4-FFF2-40B4-BE49-F238E27FC236}">
-                <a16:creationId xmlns:a16="http://schemas.microsoft.com/office/drawing/2014/main" xmlns="" id="{C14538A9-CADF-4633-A090-47B42B856C8D}"/>
+                <a16:creationId xmlns="" xmlns:a16="http://schemas.microsoft.com/office/drawing/2014/main" id="{C14538A9-CADF-4633-A090-47B42B856C8D}"/>
               </a:ext>
             </a:extLst>
           </p:cNvPr>
@@ -433,7 +433,7 @@
           <p:cNvPr id="3" name="그림 개체 틀 2">
             <a:extLst>
               <a:ext uri="{FF2B5EF4-FFF2-40B4-BE49-F238E27FC236}">
-                <a16:creationId xmlns:a16="http://schemas.microsoft.com/office/drawing/2014/main" xmlns="" id="{79BC4E6F-A0DE-4AE3-90F2-1C03418ACCDE}"/>
+                <a16:creationId xmlns="" xmlns:a16="http://schemas.microsoft.com/office/drawing/2014/main" id="{79BC4E6F-A0DE-4AE3-90F2-1C03418ACCDE}"/>
               </a:ext>
             </a:extLst>
           </p:cNvPr>
@@ -500,7 +500,7 @@
           <p:cNvPr id="4" name="텍스트 개체 틀 3">
             <a:extLst>
               <a:ext uri="{FF2B5EF4-FFF2-40B4-BE49-F238E27FC236}">
-                <a16:creationId xmlns:a16="http://schemas.microsoft.com/office/drawing/2014/main" xmlns="" id="{2704145D-ADF1-4464-BC28-593BAE74605A}"/>
+                <a16:creationId xmlns="" xmlns:a16="http://schemas.microsoft.com/office/drawing/2014/main" id="{2704145D-ADF1-4464-BC28-593BAE74605A}"/>
               </a:ext>
             </a:extLst>
           </p:cNvPr>
@@ -571,7 +571,7 @@
           <p:cNvPr id="5" name="날짜 개체 틀 4">
             <a:extLst>
               <a:ext uri="{FF2B5EF4-FFF2-40B4-BE49-F238E27FC236}">
-                <a16:creationId xmlns:a16="http://schemas.microsoft.com/office/drawing/2014/main" xmlns="" id="{1DFD674B-36F7-4FB8-8FD7-4A82F0782A8D}"/>
+                <a16:creationId xmlns="" xmlns:a16="http://schemas.microsoft.com/office/drawing/2014/main" id="{1DFD674B-36F7-4FB8-8FD7-4A82F0782A8D}"/>
               </a:ext>
             </a:extLst>
           </p:cNvPr>
@@ -600,7 +600,7 @@
           <p:cNvPr id="6" name="바닥글 개체 틀 5">
             <a:extLst>
               <a:ext uri="{FF2B5EF4-FFF2-40B4-BE49-F238E27FC236}">
-                <a16:creationId xmlns:a16="http://schemas.microsoft.com/office/drawing/2014/main" xmlns="" id="{736B7B17-18E4-4B63-A6C1-BC60814AAFCE}"/>
+                <a16:creationId xmlns="" xmlns:a16="http://schemas.microsoft.com/office/drawing/2014/main" id="{736B7B17-18E4-4B63-A6C1-BC60814AAFCE}"/>
               </a:ext>
             </a:extLst>
           </p:cNvPr>
@@ -625,7 +625,7 @@
           <p:cNvPr id="7" name="슬라이드 번호 개체 틀 6">
             <a:extLst>
               <a:ext uri="{FF2B5EF4-FFF2-40B4-BE49-F238E27FC236}">
-                <a16:creationId xmlns:a16="http://schemas.microsoft.com/office/drawing/2014/main" xmlns="" id="{6671BA4A-3D6F-4036-B650-4BE22EBF2BAF}"/>
+                <a16:creationId xmlns="" xmlns:a16="http://schemas.microsoft.com/office/drawing/2014/main" id="{6671BA4A-3D6F-4036-B650-4BE22EBF2BAF}"/>
               </a:ext>
             </a:extLst>
           </p:cNvPr>
@@ -696,7 +696,7 @@
           <p:cNvPr id="2" name="제목 1">
             <a:extLst>
               <a:ext uri="{FF2B5EF4-FFF2-40B4-BE49-F238E27FC236}">
-                <a16:creationId xmlns:a16="http://schemas.microsoft.com/office/drawing/2014/main" xmlns="" id="{377B3392-1D66-4FC7-9B67-9373E3302658}"/>
+                <a16:creationId xmlns="" xmlns:a16="http://schemas.microsoft.com/office/drawing/2014/main" id="{377B3392-1D66-4FC7-9B67-9373E3302658}"/>
               </a:ext>
             </a:extLst>
           </p:cNvPr>
@@ -724,7 +724,7 @@
           <p:cNvPr id="3" name="세로 텍스트 개체 틀 2">
             <a:extLst>
               <a:ext uri="{FF2B5EF4-FFF2-40B4-BE49-F238E27FC236}">
-                <a16:creationId xmlns:a16="http://schemas.microsoft.com/office/drawing/2014/main" xmlns="" id="{E23E0133-FB9E-4A82-B101-5823D201B8B6}"/>
+                <a16:creationId xmlns="" xmlns:a16="http://schemas.microsoft.com/office/drawing/2014/main" id="{E23E0133-FB9E-4A82-B101-5823D201B8B6}"/>
               </a:ext>
             </a:extLst>
           </p:cNvPr>
@@ -781,7 +781,7 @@
           <p:cNvPr id="4" name="날짜 개체 틀 3">
             <a:extLst>
               <a:ext uri="{FF2B5EF4-FFF2-40B4-BE49-F238E27FC236}">
-                <a16:creationId xmlns:a16="http://schemas.microsoft.com/office/drawing/2014/main" xmlns="" id="{E496BE29-E9E7-4C46-9EA7-89CB1D54856D}"/>
+                <a16:creationId xmlns="" xmlns:a16="http://schemas.microsoft.com/office/drawing/2014/main" id="{E496BE29-E9E7-4C46-9EA7-89CB1D54856D}"/>
               </a:ext>
             </a:extLst>
           </p:cNvPr>
@@ -810,7 +810,7 @@
           <p:cNvPr id="5" name="바닥글 개체 틀 4">
             <a:extLst>
               <a:ext uri="{FF2B5EF4-FFF2-40B4-BE49-F238E27FC236}">
-                <a16:creationId xmlns:a16="http://schemas.microsoft.com/office/drawing/2014/main" xmlns="" id="{BB7CF291-3561-4887-8CBA-2D73801AEDD1}"/>
+                <a16:creationId xmlns="" xmlns:a16="http://schemas.microsoft.com/office/drawing/2014/main" id="{BB7CF291-3561-4887-8CBA-2D73801AEDD1}"/>
               </a:ext>
             </a:extLst>
           </p:cNvPr>
@@ -835,7 +835,7 @@
           <p:cNvPr id="6" name="슬라이드 번호 개체 틀 5">
             <a:extLst>
               <a:ext uri="{FF2B5EF4-FFF2-40B4-BE49-F238E27FC236}">
-                <a16:creationId xmlns:a16="http://schemas.microsoft.com/office/drawing/2014/main" xmlns="" id="{DBA223DB-3883-49FB-AC9D-6E713866EE81}"/>
+                <a16:creationId xmlns="" xmlns:a16="http://schemas.microsoft.com/office/drawing/2014/main" id="{DBA223DB-3883-49FB-AC9D-6E713866EE81}"/>
               </a:ext>
             </a:extLst>
           </p:cNvPr>
@@ -906,7 +906,7 @@
           <p:cNvPr id="2" name="세로 제목 1">
             <a:extLst>
               <a:ext uri="{FF2B5EF4-FFF2-40B4-BE49-F238E27FC236}">
-                <a16:creationId xmlns:a16="http://schemas.microsoft.com/office/drawing/2014/main" xmlns="" id="{E9D0D848-B156-4FC0-9045-C4FA3355A8FE}"/>
+                <a16:creationId xmlns="" xmlns:a16="http://schemas.microsoft.com/office/drawing/2014/main" id="{E9D0D848-B156-4FC0-9045-C4FA3355A8FE}"/>
               </a:ext>
             </a:extLst>
           </p:cNvPr>
@@ -939,7 +939,7 @@
           <p:cNvPr id="3" name="세로 텍스트 개체 틀 2">
             <a:extLst>
               <a:ext uri="{FF2B5EF4-FFF2-40B4-BE49-F238E27FC236}">
-                <a16:creationId xmlns:a16="http://schemas.microsoft.com/office/drawing/2014/main" xmlns="" id="{6ABE1A0F-E622-4956-B3AE-75C0FFAC3595}"/>
+                <a16:creationId xmlns="" xmlns:a16="http://schemas.microsoft.com/office/drawing/2014/main" id="{6ABE1A0F-E622-4956-B3AE-75C0FFAC3595}"/>
               </a:ext>
             </a:extLst>
           </p:cNvPr>
@@ -1001,7 +1001,7 @@
           <p:cNvPr id="4" name="날짜 개체 틀 3">
             <a:extLst>
               <a:ext uri="{FF2B5EF4-FFF2-40B4-BE49-F238E27FC236}">
-                <a16:creationId xmlns:a16="http://schemas.microsoft.com/office/drawing/2014/main" xmlns="" id="{B983557E-01F2-4719-81E9-5B6B18E38C1C}"/>
+                <a16:creationId xmlns="" xmlns:a16="http://schemas.microsoft.com/office/drawing/2014/main" id="{B983557E-01F2-4719-81E9-5B6B18E38C1C}"/>
               </a:ext>
             </a:extLst>
           </p:cNvPr>
@@ -1030,7 +1030,7 @@
           <p:cNvPr id="5" name="바닥글 개체 틀 4">
             <a:extLst>
               <a:ext uri="{FF2B5EF4-FFF2-40B4-BE49-F238E27FC236}">
-                <a16:creationId xmlns:a16="http://schemas.microsoft.com/office/drawing/2014/main" xmlns="" id="{91B3DD90-F3E1-4BF3-9279-442F300C954F}"/>
+                <a16:creationId xmlns="" xmlns:a16="http://schemas.microsoft.com/office/drawing/2014/main" id="{91B3DD90-F3E1-4BF3-9279-442F300C954F}"/>
               </a:ext>
             </a:extLst>
           </p:cNvPr>
@@ -1055,7 +1055,7 @@
           <p:cNvPr id="6" name="슬라이드 번호 개체 틀 5">
             <a:extLst>
               <a:ext uri="{FF2B5EF4-FFF2-40B4-BE49-F238E27FC236}">
-                <a16:creationId xmlns:a16="http://schemas.microsoft.com/office/drawing/2014/main" xmlns="" id="{4E703D7F-961F-467A-AB56-CD0F56F5A5E6}"/>
+                <a16:creationId xmlns="" xmlns:a16="http://schemas.microsoft.com/office/drawing/2014/main" id="{4E703D7F-961F-467A-AB56-CD0F56F5A5E6}"/>
               </a:ext>
             </a:extLst>
           </p:cNvPr>
@@ -1126,7 +1126,7 @@
           <p:cNvPr id="2" name="제목 1">
             <a:extLst>
               <a:ext uri="{FF2B5EF4-FFF2-40B4-BE49-F238E27FC236}">
-                <a16:creationId xmlns:a16="http://schemas.microsoft.com/office/drawing/2014/main" xmlns="" id="{185F7C35-D8F4-4D64-91F6-455403D3F7BA}"/>
+                <a16:creationId xmlns="" xmlns:a16="http://schemas.microsoft.com/office/drawing/2014/main" id="{185F7C35-D8F4-4D64-91F6-455403D3F7BA}"/>
               </a:ext>
             </a:extLst>
           </p:cNvPr>
@@ -1154,7 +1154,7 @@
           <p:cNvPr id="3" name="내용 개체 틀 2">
             <a:extLst>
               <a:ext uri="{FF2B5EF4-FFF2-40B4-BE49-F238E27FC236}">
-                <a16:creationId xmlns:a16="http://schemas.microsoft.com/office/drawing/2014/main" xmlns="" id="{F888CDA9-0970-49A3-82F4-FCFFA63B94F0}"/>
+                <a16:creationId xmlns="" xmlns:a16="http://schemas.microsoft.com/office/drawing/2014/main" id="{F888CDA9-0970-49A3-82F4-FCFFA63B94F0}"/>
               </a:ext>
             </a:extLst>
           </p:cNvPr>
@@ -1211,7 +1211,7 @@
           <p:cNvPr id="4" name="날짜 개체 틀 3">
             <a:extLst>
               <a:ext uri="{FF2B5EF4-FFF2-40B4-BE49-F238E27FC236}">
-                <a16:creationId xmlns:a16="http://schemas.microsoft.com/office/drawing/2014/main" xmlns="" id="{2950BDF5-6D16-4A9A-893B-53B11095071E}"/>
+                <a16:creationId xmlns="" xmlns:a16="http://schemas.microsoft.com/office/drawing/2014/main" id="{2950BDF5-6D16-4A9A-893B-53B11095071E}"/>
               </a:ext>
             </a:extLst>
           </p:cNvPr>
@@ -1240,7 +1240,7 @@
           <p:cNvPr id="5" name="바닥글 개체 틀 4">
             <a:extLst>
               <a:ext uri="{FF2B5EF4-FFF2-40B4-BE49-F238E27FC236}">
-                <a16:creationId xmlns:a16="http://schemas.microsoft.com/office/drawing/2014/main" xmlns="" id="{DF3635E5-1D8E-4820-93F8-0955606D4C8C}"/>
+                <a16:creationId xmlns="" xmlns:a16="http://schemas.microsoft.com/office/drawing/2014/main" id="{DF3635E5-1D8E-4820-93F8-0955606D4C8C}"/>
               </a:ext>
             </a:extLst>
           </p:cNvPr>
@@ -1265,7 +1265,7 @@
           <p:cNvPr id="6" name="슬라이드 번호 개체 틀 5">
             <a:extLst>
               <a:ext uri="{FF2B5EF4-FFF2-40B4-BE49-F238E27FC236}">
-                <a16:creationId xmlns:a16="http://schemas.microsoft.com/office/drawing/2014/main" xmlns="" id="{2C11AF3B-8956-4150-8701-B7C6F2B24763}"/>
+                <a16:creationId xmlns="" xmlns:a16="http://schemas.microsoft.com/office/drawing/2014/main" id="{2C11AF3B-8956-4150-8701-B7C6F2B24763}"/>
               </a:ext>
             </a:extLst>
           </p:cNvPr>
@@ -1336,7 +1336,7 @@
           <p:cNvPr id="2" name="제목 1">
             <a:extLst>
               <a:ext uri="{FF2B5EF4-FFF2-40B4-BE49-F238E27FC236}">
-                <a16:creationId xmlns:a16="http://schemas.microsoft.com/office/drawing/2014/main" xmlns="" id="{2161787C-EA13-4181-B0B0-B98FD1587D86}"/>
+                <a16:creationId xmlns="" xmlns:a16="http://schemas.microsoft.com/office/drawing/2014/main" id="{2161787C-EA13-4181-B0B0-B98FD1587D86}"/>
               </a:ext>
             </a:extLst>
           </p:cNvPr>
@@ -1373,7 +1373,7 @@
           <p:cNvPr id="3" name="텍스트 개체 틀 2">
             <a:extLst>
               <a:ext uri="{FF2B5EF4-FFF2-40B4-BE49-F238E27FC236}">
-                <a16:creationId xmlns:a16="http://schemas.microsoft.com/office/drawing/2014/main" xmlns="" id="{FBE5F5F3-03E8-4DE0-BFC5-1307CAE6E6F1}"/>
+                <a16:creationId xmlns="" xmlns:a16="http://schemas.microsoft.com/office/drawing/2014/main" id="{FBE5F5F3-03E8-4DE0-BFC5-1307CAE6E6F1}"/>
               </a:ext>
             </a:extLst>
           </p:cNvPr>
@@ -1498,7 +1498,7 @@
           <p:cNvPr id="4" name="날짜 개체 틀 3">
             <a:extLst>
               <a:ext uri="{FF2B5EF4-FFF2-40B4-BE49-F238E27FC236}">
-                <a16:creationId xmlns:a16="http://schemas.microsoft.com/office/drawing/2014/main" xmlns="" id="{F47CEA32-CCEE-47B8-A526-80A2933D1BEC}"/>
+                <a16:creationId xmlns="" xmlns:a16="http://schemas.microsoft.com/office/drawing/2014/main" id="{F47CEA32-CCEE-47B8-A526-80A2933D1BEC}"/>
               </a:ext>
             </a:extLst>
           </p:cNvPr>
@@ -1527,7 +1527,7 @@
           <p:cNvPr id="5" name="바닥글 개체 틀 4">
             <a:extLst>
               <a:ext uri="{FF2B5EF4-FFF2-40B4-BE49-F238E27FC236}">
-                <a16:creationId xmlns:a16="http://schemas.microsoft.com/office/drawing/2014/main" xmlns="" id="{D9964C28-B02D-443E-89E1-FB3F125485E1}"/>
+                <a16:creationId xmlns="" xmlns:a16="http://schemas.microsoft.com/office/drawing/2014/main" id="{D9964C28-B02D-443E-89E1-FB3F125485E1}"/>
               </a:ext>
             </a:extLst>
           </p:cNvPr>
@@ -1552,7 +1552,7 @@
           <p:cNvPr id="6" name="슬라이드 번호 개체 틀 5">
             <a:extLst>
               <a:ext uri="{FF2B5EF4-FFF2-40B4-BE49-F238E27FC236}">
-                <a16:creationId xmlns:a16="http://schemas.microsoft.com/office/drawing/2014/main" xmlns="" id="{692FB7F4-ECD7-4A68-980A-73D9C752AAAB}"/>
+                <a16:creationId xmlns="" xmlns:a16="http://schemas.microsoft.com/office/drawing/2014/main" id="{692FB7F4-ECD7-4A68-980A-73D9C752AAAB}"/>
               </a:ext>
             </a:extLst>
           </p:cNvPr>
@@ -1623,7 +1623,7 @@
           <p:cNvPr id="2" name="제목 1">
             <a:extLst>
               <a:ext uri="{FF2B5EF4-FFF2-40B4-BE49-F238E27FC236}">
-                <a16:creationId xmlns:a16="http://schemas.microsoft.com/office/drawing/2014/main" xmlns="" id="{341298D1-822F-4AE9-BE1F-7EF054CE2FF8}"/>
+                <a16:creationId xmlns="" xmlns:a16="http://schemas.microsoft.com/office/drawing/2014/main" id="{341298D1-822F-4AE9-BE1F-7EF054CE2FF8}"/>
               </a:ext>
             </a:extLst>
           </p:cNvPr>
@@ -1651,7 +1651,7 @@
           <p:cNvPr id="3" name="내용 개체 틀 2">
             <a:extLst>
               <a:ext uri="{FF2B5EF4-FFF2-40B4-BE49-F238E27FC236}">
-                <a16:creationId xmlns:a16="http://schemas.microsoft.com/office/drawing/2014/main" xmlns="" id="{D28596DE-FD94-42CD-A453-C87AAFCB7EDD}"/>
+                <a16:creationId xmlns="" xmlns:a16="http://schemas.microsoft.com/office/drawing/2014/main" id="{D28596DE-FD94-42CD-A453-C87AAFCB7EDD}"/>
               </a:ext>
             </a:extLst>
           </p:cNvPr>
@@ -1713,7 +1713,7 @@
           <p:cNvPr id="4" name="내용 개체 틀 3">
             <a:extLst>
               <a:ext uri="{FF2B5EF4-FFF2-40B4-BE49-F238E27FC236}">
-                <a16:creationId xmlns:a16="http://schemas.microsoft.com/office/drawing/2014/main" xmlns="" id="{CD5D48B6-4014-4E1E-AD68-C67E693F64F8}"/>
+                <a16:creationId xmlns="" xmlns:a16="http://schemas.microsoft.com/office/drawing/2014/main" id="{CD5D48B6-4014-4E1E-AD68-C67E693F64F8}"/>
               </a:ext>
             </a:extLst>
           </p:cNvPr>
@@ -1775,7 +1775,7 @@
           <p:cNvPr id="5" name="날짜 개체 틀 4">
             <a:extLst>
               <a:ext uri="{FF2B5EF4-FFF2-40B4-BE49-F238E27FC236}">
-                <a16:creationId xmlns:a16="http://schemas.microsoft.com/office/drawing/2014/main" xmlns="" id="{B3A6CCBA-5D70-4B89-BACA-6C91A0FF75EF}"/>
+                <a16:creationId xmlns="" xmlns:a16="http://schemas.microsoft.com/office/drawing/2014/main" id="{B3A6CCBA-5D70-4B89-BACA-6C91A0FF75EF}"/>
               </a:ext>
             </a:extLst>
           </p:cNvPr>
@@ -1804,7 +1804,7 @@
           <p:cNvPr id="6" name="바닥글 개체 틀 5">
             <a:extLst>
               <a:ext uri="{FF2B5EF4-FFF2-40B4-BE49-F238E27FC236}">
-                <a16:creationId xmlns:a16="http://schemas.microsoft.com/office/drawing/2014/main" xmlns="" id="{ADE4A065-E00B-4A73-9BB7-B46AC396A16C}"/>
+                <a16:creationId xmlns="" xmlns:a16="http://schemas.microsoft.com/office/drawing/2014/main" id="{ADE4A065-E00B-4A73-9BB7-B46AC396A16C}"/>
               </a:ext>
             </a:extLst>
           </p:cNvPr>
@@ -1829,7 +1829,7 @@
           <p:cNvPr id="7" name="슬라이드 번호 개체 틀 6">
             <a:extLst>
               <a:ext uri="{FF2B5EF4-FFF2-40B4-BE49-F238E27FC236}">
-                <a16:creationId xmlns:a16="http://schemas.microsoft.com/office/drawing/2014/main" xmlns="" id="{976E1E2D-C422-4C81-9EA7-ABA7416D01F8}"/>
+                <a16:creationId xmlns="" xmlns:a16="http://schemas.microsoft.com/office/drawing/2014/main" id="{976E1E2D-C422-4C81-9EA7-ABA7416D01F8}"/>
               </a:ext>
             </a:extLst>
           </p:cNvPr>
@@ -1900,7 +1900,7 @@
           <p:cNvPr id="2" name="제목 1">
             <a:extLst>
               <a:ext uri="{FF2B5EF4-FFF2-40B4-BE49-F238E27FC236}">
-                <a16:creationId xmlns:a16="http://schemas.microsoft.com/office/drawing/2014/main" xmlns="" id="{A7A5702F-9D39-4A23-8B2B-227C8FB4FDC8}"/>
+                <a16:creationId xmlns="" xmlns:a16="http://schemas.microsoft.com/office/drawing/2014/main" id="{A7A5702F-9D39-4A23-8B2B-227C8FB4FDC8}"/>
               </a:ext>
             </a:extLst>
           </p:cNvPr>
@@ -1933,7 +1933,7 @@
           <p:cNvPr id="3" name="텍스트 개체 틀 2">
             <a:extLst>
               <a:ext uri="{FF2B5EF4-FFF2-40B4-BE49-F238E27FC236}">
-                <a16:creationId xmlns:a16="http://schemas.microsoft.com/office/drawing/2014/main" xmlns="" id="{C5B61F52-FB13-4AA5-8614-96CB85DAE581}"/>
+                <a16:creationId xmlns="" xmlns:a16="http://schemas.microsoft.com/office/drawing/2014/main" id="{C5B61F52-FB13-4AA5-8614-96CB85DAE581}"/>
               </a:ext>
             </a:extLst>
           </p:cNvPr>
@@ -2004,7 +2004,7 @@
           <p:cNvPr id="4" name="내용 개체 틀 3">
             <a:extLst>
               <a:ext uri="{FF2B5EF4-FFF2-40B4-BE49-F238E27FC236}">
-                <a16:creationId xmlns:a16="http://schemas.microsoft.com/office/drawing/2014/main" xmlns="" id="{3C87BAFA-DA5C-41E6-89B9-049ECF13E7ED}"/>
+                <a16:creationId xmlns="" xmlns:a16="http://schemas.microsoft.com/office/drawing/2014/main" id="{3C87BAFA-DA5C-41E6-89B9-049ECF13E7ED}"/>
               </a:ext>
             </a:extLst>
           </p:cNvPr>
@@ -2066,7 +2066,7 @@
           <p:cNvPr id="5" name="텍스트 개체 틀 4">
             <a:extLst>
               <a:ext uri="{FF2B5EF4-FFF2-40B4-BE49-F238E27FC236}">
-                <a16:creationId xmlns:a16="http://schemas.microsoft.com/office/drawing/2014/main" xmlns="" id="{F58F1D0D-16C1-4524-9BFD-F88D9AADB2A1}"/>
+                <a16:creationId xmlns="" xmlns:a16="http://schemas.microsoft.com/office/drawing/2014/main" id="{F58F1D0D-16C1-4524-9BFD-F88D9AADB2A1}"/>
               </a:ext>
             </a:extLst>
           </p:cNvPr>
@@ -2137,7 +2137,7 @@
           <p:cNvPr id="6" name="내용 개체 틀 5">
             <a:extLst>
               <a:ext uri="{FF2B5EF4-FFF2-40B4-BE49-F238E27FC236}">
-                <a16:creationId xmlns:a16="http://schemas.microsoft.com/office/drawing/2014/main" xmlns="" id="{16C66BD1-687F-4EBD-B80D-A9CE917A7CCE}"/>
+                <a16:creationId xmlns="" xmlns:a16="http://schemas.microsoft.com/office/drawing/2014/main" id="{16C66BD1-687F-4EBD-B80D-A9CE917A7CCE}"/>
               </a:ext>
             </a:extLst>
           </p:cNvPr>
@@ -2199,7 +2199,7 @@
           <p:cNvPr id="7" name="날짜 개체 틀 6">
             <a:extLst>
               <a:ext uri="{FF2B5EF4-FFF2-40B4-BE49-F238E27FC236}">
-                <a16:creationId xmlns:a16="http://schemas.microsoft.com/office/drawing/2014/main" xmlns="" id="{779544E4-0FB8-47A2-9B6E-896DFDF651AA}"/>
+                <a16:creationId xmlns="" xmlns:a16="http://schemas.microsoft.com/office/drawing/2014/main" id="{779544E4-0FB8-47A2-9B6E-896DFDF651AA}"/>
               </a:ext>
             </a:extLst>
           </p:cNvPr>
@@ -2228,7 +2228,7 @@
           <p:cNvPr id="8" name="바닥글 개체 틀 7">
             <a:extLst>
               <a:ext uri="{FF2B5EF4-FFF2-40B4-BE49-F238E27FC236}">
-                <a16:creationId xmlns:a16="http://schemas.microsoft.com/office/drawing/2014/main" xmlns="" id="{9CBAF11A-F1C3-474D-991B-EFCEF7C8062D}"/>
+                <a16:creationId xmlns="" xmlns:a16="http://schemas.microsoft.com/office/drawing/2014/main" id="{9CBAF11A-F1C3-474D-991B-EFCEF7C8062D}"/>
               </a:ext>
             </a:extLst>
           </p:cNvPr>
@@ -2253,7 +2253,7 @@
           <p:cNvPr id="9" name="슬라이드 번호 개체 틀 8">
             <a:extLst>
               <a:ext uri="{FF2B5EF4-FFF2-40B4-BE49-F238E27FC236}">
-                <a16:creationId xmlns:a16="http://schemas.microsoft.com/office/drawing/2014/main" xmlns="" id="{B439CBAC-49D8-4D2D-A0EB-0A7DD653ABDF}"/>
+                <a16:creationId xmlns="" xmlns:a16="http://schemas.microsoft.com/office/drawing/2014/main" id="{B439CBAC-49D8-4D2D-A0EB-0A7DD653ABDF}"/>
               </a:ext>
             </a:extLst>
           </p:cNvPr>
@@ -2324,7 +2324,7 @@
           <p:cNvPr id="2" name="제목 1">
             <a:extLst>
               <a:ext uri="{FF2B5EF4-FFF2-40B4-BE49-F238E27FC236}">
-                <a16:creationId xmlns:a16="http://schemas.microsoft.com/office/drawing/2014/main" xmlns="" id="{20359595-4D21-46F7-9AA9-99350F31B612}"/>
+                <a16:creationId xmlns="" xmlns:a16="http://schemas.microsoft.com/office/drawing/2014/main" id="{20359595-4D21-46F7-9AA9-99350F31B612}"/>
               </a:ext>
             </a:extLst>
           </p:cNvPr>
@@ -2352,7 +2352,7 @@
           <p:cNvPr id="3" name="날짜 개체 틀 2">
             <a:extLst>
               <a:ext uri="{FF2B5EF4-FFF2-40B4-BE49-F238E27FC236}">
-                <a16:creationId xmlns:a16="http://schemas.microsoft.com/office/drawing/2014/main" xmlns="" id="{AED291C2-6C24-4F10-AC19-A3D4878031C0}"/>
+                <a16:creationId xmlns="" xmlns:a16="http://schemas.microsoft.com/office/drawing/2014/main" id="{AED291C2-6C24-4F10-AC19-A3D4878031C0}"/>
               </a:ext>
             </a:extLst>
           </p:cNvPr>
@@ -2381,7 +2381,7 @@
           <p:cNvPr id="4" name="바닥글 개체 틀 3">
             <a:extLst>
               <a:ext uri="{FF2B5EF4-FFF2-40B4-BE49-F238E27FC236}">
-                <a16:creationId xmlns:a16="http://schemas.microsoft.com/office/drawing/2014/main" xmlns="" id="{28E207B8-FB3D-49E3-8ED2-E499A63D171A}"/>
+                <a16:creationId xmlns="" xmlns:a16="http://schemas.microsoft.com/office/drawing/2014/main" id="{28E207B8-FB3D-49E3-8ED2-E499A63D171A}"/>
               </a:ext>
             </a:extLst>
           </p:cNvPr>
@@ -2406,7 +2406,7 @@
           <p:cNvPr id="5" name="슬라이드 번호 개체 틀 4">
             <a:extLst>
               <a:ext uri="{FF2B5EF4-FFF2-40B4-BE49-F238E27FC236}">
-                <a16:creationId xmlns:a16="http://schemas.microsoft.com/office/drawing/2014/main" xmlns="" id="{4F155E8C-A92C-4F29-8A88-562EE761FAC3}"/>
+                <a16:creationId xmlns="" xmlns:a16="http://schemas.microsoft.com/office/drawing/2014/main" id="{4F155E8C-A92C-4F29-8A88-562EE761FAC3}"/>
               </a:ext>
             </a:extLst>
           </p:cNvPr>
@@ -2477,7 +2477,7 @@
           <p:cNvPr id="5" name="TextBox 4">
             <a:extLst>
               <a:ext uri="{FF2B5EF4-FFF2-40B4-BE49-F238E27FC236}">
-                <a16:creationId xmlns:a16="http://schemas.microsoft.com/office/drawing/2014/main" xmlns="" id="{D52CA809-A196-4FCA-93A2-324CC693BFD6}"/>
+                <a16:creationId xmlns="" xmlns:a16="http://schemas.microsoft.com/office/drawing/2014/main" id="{D52CA809-A196-4FCA-93A2-324CC693BFD6}"/>
               </a:ext>
             </a:extLst>
           </p:cNvPr>
@@ -2566,7 +2566,7 @@
           <p:cNvPr id="2" name="날짜 개체 틀 1">
             <a:extLst>
               <a:ext uri="{FF2B5EF4-FFF2-40B4-BE49-F238E27FC236}">
-                <a16:creationId xmlns:a16="http://schemas.microsoft.com/office/drawing/2014/main" xmlns="" id="{037B4CB0-4A60-4814-AC63-C1247AED0A71}"/>
+                <a16:creationId xmlns="" xmlns:a16="http://schemas.microsoft.com/office/drawing/2014/main" id="{037B4CB0-4A60-4814-AC63-C1247AED0A71}"/>
               </a:ext>
             </a:extLst>
           </p:cNvPr>
@@ -2595,7 +2595,7 @@
           <p:cNvPr id="3" name="바닥글 개체 틀 2">
             <a:extLst>
               <a:ext uri="{FF2B5EF4-FFF2-40B4-BE49-F238E27FC236}">
-                <a16:creationId xmlns:a16="http://schemas.microsoft.com/office/drawing/2014/main" xmlns="" id="{9B44A438-B8E1-4575-B473-2A0781833274}"/>
+                <a16:creationId xmlns="" xmlns:a16="http://schemas.microsoft.com/office/drawing/2014/main" id="{9B44A438-B8E1-4575-B473-2A0781833274}"/>
               </a:ext>
             </a:extLst>
           </p:cNvPr>
@@ -2620,7 +2620,7 @@
           <p:cNvPr id="4" name="슬라이드 번호 개체 틀 3">
             <a:extLst>
               <a:ext uri="{FF2B5EF4-FFF2-40B4-BE49-F238E27FC236}">
-                <a16:creationId xmlns:a16="http://schemas.microsoft.com/office/drawing/2014/main" xmlns="" id="{334692F2-49E5-485C-9831-B4ACBBB23110}"/>
+                <a16:creationId xmlns="" xmlns:a16="http://schemas.microsoft.com/office/drawing/2014/main" id="{334692F2-49E5-485C-9831-B4ACBBB23110}"/>
               </a:ext>
             </a:extLst>
           </p:cNvPr>
@@ -2691,7 +2691,7 @@
           <p:cNvPr id="5" name="TextBox 4">
             <a:extLst>
               <a:ext uri="{FF2B5EF4-FFF2-40B4-BE49-F238E27FC236}">
-                <a16:creationId xmlns:a16="http://schemas.microsoft.com/office/drawing/2014/main" xmlns="" id="{D52CA809-A196-4FCA-93A2-324CC693BFD6}"/>
+                <a16:creationId xmlns="" xmlns:a16="http://schemas.microsoft.com/office/drawing/2014/main" id="{D52CA809-A196-4FCA-93A2-324CC693BFD6}"/>
               </a:ext>
             </a:extLst>
           </p:cNvPr>
@@ -2780,7 +2780,7 @@
           <p:cNvPr id="2" name="날짜 개체 틀 1">
             <a:extLst>
               <a:ext uri="{FF2B5EF4-FFF2-40B4-BE49-F238E27FC236}">
-                <a16:creationId xmlns:a16="http://schemas.microsoft.com/office/drawing/2014/main" xmlns="" id="{037B4CB0-4A60-4814-AC63-C1247AED0A71}"/>
+                <a16:creationId xmlns="" xmlns:a16="http://schemas.microsoft.com/office/drawing/2014/main" id="{037B4CB0-4A60-4814-AC63-C1247AED0A71}"/>
               </a:ext>
             </a:extLst>
           </p:cNvPr>
@@ -2809,7 +2809,7 @@
           <p:cNvPr id="3" name="바닥글 개체 틀 2">
             <a:extLst>
               <a:ext uri="{FF2B5EF4-FFF2-40B4-BE49-F238E27FC236}">
-                <a16:creationId xmlns:a16="http://schemas.microsoft.com/office/drawing/2014/main" xmlns="" id="{9B44A438-B8E1-4575-B473-2A0781833274}"/>
+                <a16:creationId xmlns="" xmlns:a16="http://schemas.microsoft.com/office/drawing/2014/main" id="{9B44A438-B8E1-4575-B473-2A0781833274}"/>
               </a:ext>
             </a:extLst>
           </p:cNvPr>
@@ -2834,7 +2834,7 @@
           <p:cNvPr id="4" name="슬라이드 번호 개체 틀 3">
             <a:extLst>
               <a:ext uri="{FF2B5EF4-FFF2-40B4-BE49-F238E27FC236}">
-                <a16:creationId xmlns:a16="http://schemas.microsoft.com/office/drawing/2014/main" xmlns="" id="{334692F2-49E5-485C-9831-B4ACBBB23110}"/>
+                <a16:creationId xmlns="" xmlns:a16="http://schemas.microsoft.com/office/drawing/2014/main" id="{334692F2-49E5-485C-9831-B4ACBBB23110}"/>
               </a:ext>
             </a:extLst>
           </p:cNvPr>
@@ -2905,7 +2905,7 @@
           <p:cNvPr id="2" name="제목 1">
             <a:extLst>
               <a:ext uri="{FF2B5EF4-FFF2-40B4-BE49-F238E27FC236}">
-                <a16:creationId xmlns:a16="http://schemas.microsoft.com/office/drawing/2014/main" xmlns="" id="{428764F0-5601-4A14-A10F-2AABF340F7B5}"/>
+                <a16:creationId xmlns="" xmlns:a16="http://schemas.microsoft.com/office/drawing/2014/main" id="{428764F0-5601-4A14-A10F-2AABF340F7B5}"/>
               </a:ext>
             </a:extLst>
           </p:cNvPr>
@@ -2942,7 +2942,7 @@
           <p:cNvPr id="3" name="내용 개체 틀 2">
             <a:extLst>
               <a:ext uri="{FF2B5EF4-FFF2-40B4-BE49-F238E27FC236}">
-                <a16:creationId xmlns:a16="http://schemas.microsoft.com/office/drawing/2014/main" xmlns="" id="{A4C9E9D1-8F1D-4F21-A822-6C7960A962DC}"/>
+                <a16:creationId xmlns="" xmlns:a16="http://schemas.microsoft.com/office/drawing/2014/main" id="{A4C9E9D1-8F1D-4F21-A822-6C7960A962DC}"/>
               </a:ext>
             </a:extLst>
           </p:cNvPr>
@@ -3032,7 +3032,7 @@
           <p:cNvPr id="4" name="텍스트 개체 틀 3">
             <a:extLst>
               <a:ext uri="{FF2B5EF4-FFF2-40B4-BE49-F238E27FC236}">
-                <a16:creationId xmlns:a16="http://schemas.microsoft.com/office/drawing/2014/main" xmlns="" id="{789A7961-D3A0-4BA3-B7D1-830E64EFA197}"/>
+                <a16:creationId xmlns="" xmlns:a16="http://schemas.microsoft.com/office/drawing/2014/main" id="{789A7961-D3A0-4BA3-B7D1-830E64EFA197}"/>
               </a:ext>
             </a:extLst>
           </p:cNvPr>
@@ -3103,7 +3103,7 @@
           <p:cNvPr id="5" name="날짜 개체 틀 4">
             <a:extLst>
               <a:ext uri="{FF2B5EF4-FFF2-40B4-BE49-F238E27FC236}">
-                <a16:creationId xmlns:a16="http://schemas.microsoft.com/office/drawing/2014/main" xmlns="" id="{5B3B9528-22B9-4F6F-91C9-6F720DCC193A}"/>
+                <a16:creationId xmlns="" xmlns:a16="http://schemas.microsoft.com/office/drawing/2014/main" id="{5B3B9528-22B9-4F6F-91C9-6F720DCC193A}"/>
               </a:ext>
             </a:extLst>
           </p:cNvPr>
@@ -3132,7 +3132,7 @@
           <p:cNvPr id="6" name="바닥글 개체 틀 5">
             <a:extLst>
               <a:ext uri="{FF2B5EF4-FFF2-40B4-BE49-F238E27FC236}">
-                <a16:creationId xmlns:a16="http://schemas.microsoft.com/office/drawing/2014/main" xmlns="" id="{A1EBC077-8A76-446B-8054-77AD1824E025}"/>
+                <a16:creationId xmlns="" xmlns:a16="http://schemas.microsoft.com/office/drawing/2014/main" id="{A1EBC077-8A76-446B-8054-77AD1824E025}"/>
               </a:ext>
             </a:extLst>
           </p:cNvPr>
@@ -3157,7 +3157,7 @@
           <p:cNvPr id="7" name="슬라이드 번호 개체 틀 6">
             <a:extLst>
               <a:ext uri="{FF2B5EF4-FFF2-40B4-BE49-F238E27FC236}">
-                <a16:creationId xmlns:a16="http://schemas.microsoft.com/office/drawing/2014/main" xmlns="" id="{9225B9B4-BE00-4DC7-A442-DC65D4257ACA}"/>
+                <a16:creationId xmlns="" xmlns:a16="http://schemas.microsoft.com/office/drawing/2014/main" id="{9225B9B4-BE00-4DC7-A442-DC65D4257ACA}"/>
               </a:ext>
             </a:extLst>
           </p:cNvPr>
@@ -3233,7 +3233,7 @@
           <p:cNvPr id="2" name="제목 개체 틀 1">
             <a:extLst>
               <a:ext uri="{FF2B5EF4-FFF2-40B4-BE49-F238E27FC236}">
-                <a16:creationId xmlns:a16="http://schemas.microsoft.com/office/drawing/2014/main" xmlns="" id="{67F2D1CD-6AB9-44F7-9AF1-904E917CB575}"/>
+                <a16:creationId xmlns="" xmlns:a16="http://schemas.microsoft.com/office/drawing/2014/main" id="{67F2D1CD-6AB9-44F7-9AF1-904E917CB575}"/>
               </a:ext>
             </a:extLst>
           </p:cNvPr>
@@ -3271,7 +3271,7 @@
           <p:cNvPr id="3" name="텍스트 개체 틀 2">
             <a:extLst>
               <a:ext uri="{FF2B5EF4-FFF2-40B4-BE49-F238E27FC236}">
-                <a16:creationId xmlns:a16="http://schemas.microsoft.com/office/drawing/2014/main" xmlns="" id="{64EE6583-9D58-4FBE-8B3E-D816FF62F113}"/>
+                <a16:creationId xmlns="" xmlns:a16="http://schemas.microsoft.com/office/drawing/2014/main" id="{64EE6583-9D58-4FBE-8B3E-D816FF62F113}"/>
               </a:ext>
             </a:extLst>
           </p:cNvPr>
@@ -3338,7 +3338,7 @@
           <p:cNvPr id="4" name="날짜 개체 틀 3">
             <a:extLst>
               <a:ext uri="{FF2B5EF4-FFF2-40B4-BE49-F238E27FC236}">
-                <a16:creationId xmlns:a16="http://schemas.microsoft.com/office/drawing/2014/main" xmlns="" id="{901C4F44-3451-43BF-BB78-2BFFC41D5315}"/>
+                <a16:creationId xmlns="" xmlns:a16="http://schemas.microsoft.com/office/drawing/2014/main" id="{901C4F44-3451-43BF-BB78-2BFFC41D5315}"/>
               </a:ext>
             </a:extLst>
           </p:cNvPr>
@@ -3385,7 +3385,7 @@
           <p:cNvPr id="5" name="바닥글 개체 틀 4">
             <a:extLst>
               <a:ext uri="{FF2B5EF4-FFF2-40B4-BE49-F238E27FC236}">
-                <a16:creationId xmlns:a16="http://schemas.microsoft.com/office/drawing/2014/main" xmlns="" id="{6556AF17-214F-4E1E-9255-3368B9888B33}"/>
+                <a16:creationId xmlns="" xmlns:a16="http://schemas.microsoft.com/office/drawing/2014/main" id="{6556AF17-214F-4E1E-9255-3368B9888B33}"/>
               </a:ext>
             </a:extLst>
           </p:cNvPr>
@@ -3428,7 +3428,7 @@
           <p:cNvPr id="6" name="슬라이드 번호 개체 틀 5">
             <a:extLst>
               <a:ext uri="{FF2B5EF4-FFF2-40B4-BE49-F238E27FC236}">
-                <a16:creationId xmlns:a16="http://schemas.microsoft.com/office/drawing/2014/main" xmlns="" id="{1F45F63D-B78D-4305-AB08-518043957C08}"/>
+                <a16:creationId xmlns="" xmlns:a16="http://schemas.microsoft.com/office/drawing/2014/main" id="{1F45F63D-B78D-4305-AB08-518043957C08}"/>
               </a:ext>
             </a:extLst>
           </p:cNvPr>
@@ -3819,7 +3819,7 @@
           <p:cNvPr id="2" name="TextBox 1">
             <a:extLst>
               <a:ext uri="{FF2B5EF4-FFF2-40B4-BE49-F238E27FC236}">
-                <a16:creationId xmlns:a16="http://schemas.microsoft.com/office/drawing/2014/main" xmlns="" id="{F91D96CB-D837-42E6-B753-A362CB784AC7}"/>
+                <a16:creationId xmlns="" xmlns:a16="http://schemas.microsoft.com/office/drawing/2014/main" id="{F91D96CB-D837-42E6-B753-A362CB784AC7}"/>
               </a:ext>
             </a:extLst>
           </p:cNvPr>
@@ -3864,7 +3864,7 @@
           <p:cNvPr id="5" name="직선 연결선 4">
             <a:extLst>
               <a:ext uri="{FF2B5EF4-FFF2-40B4-BE49-F238E27FC236}">
-                <a16:creationId xmlns:a16="http://schemas.microsoft.com/office/drawing/2014/main" xmlns="" id="{9B67F781-4111-4EB6-97E9-84D738AD6180}"/>
+                <a16:creationId xmlns="" xmlns:a16="http://schemas.microsoft.com/office/drawing/2014/main" id="{9B67F781-4111-4EB6-97E9-84D738AD6180}"/>
               </a:ext>
             </a:extLst>
           </p:cNvPr>
@@ -3909,7 +3909,7 @@
           <p:cNvPr id="6" name="TextBox 5">
             <a:extLst>
               <a:ext uri="{FF2B5EF4-FFF2-40B4-BE49-F238E27FC236}">
-                <a16:creationId xmlns:a16="http://schemas.microsoft.com/office/drawing/2014/main" xmlns="" id="{E00961E7-5079-4C40-88CA-C2ABE8F1C792}"/>
+                <a16:creationId xmlns="" xmlns:a16="http://schemas.microsoft.com/office/drawing/2014/main" id="{E00961E7-5079-4C40-88CA-C2ABE8F1C792}"/>
               </a:ext>
             </a:extLst>
           </p:cNvPr>
@@ -4076,7 +4076,7 @@
           <p:cNvPr id="4" name="직선 연결선 3">
             <a:extLst>
               <a:ext uri="{FF2B5EF4-FFF2-40B4-BE49-F238E27FC236}">
-                <a16:creationId xmlns:a16="http://schemas.microsoft.com/office/drawing/2014/main" xmlns="" id="{9A8E474A-6ECB-442D-8A42-7881F4DFBB2A}"/>
+                <a16:creationId xmlns="" xmlns:a16="http://schemas.microsoft.com/office/drawing/2014/main" id="{9A8E474A-6ECB-442D-8A42-7881F4DFBB2A}"/>
               </a:ext>
             </a:extLst>
           </p:cNvPr>
@@ -4119,7 +4119,7 @@
           <p:cNvPr id="5" name="직사각형 4">
             <a:extLst>
               <a:ext uri="{FF2B5EF4-FFF2-40B4-BE49-F238E27FC236}">
-                <a16:creationId xmlns:a16="http://schemas.microsoft.com/office/drawing/2014/main" xmlns="" id="{76EF8051-9646-4552-BE57-7D95D1538BA2}"/>
+                <a16:creationId xmlns="" xmlns:a16="http://schemas.microsoft.com/office/drawing/2014/main" id="{76EF8051-9646-4552-BE57-7D95D1538BA2}"/>
               </a:ext>
             </a:extLst>
           </p:cNvPr>
@@ -4171,7 +4171,7 @@
           <p:cNvPr id="9" name="TextBox 8">
             <a:extLst>
               <a:ext uri="{FF2B5EF4-FFF2-40B4-BE49-F238E27FC236}">
-                <a16:creationId xmlns:a16="http://schemas.microsoft.com/office/drawing/2014/main" xmlns="" id="{7FFA9BC9-96FB-4B17-AF51-48D81692F2D7}"/>
+                <a16:creationId xmlns="" xmlns:a16="http://schemas.microsoft.com/office/drawing/2014/main" id="{7FFA9BC9-96FB-4B17-AF51-48D81692F2D7}"/>
               </a:ext>
             </a:extLst>
           </p:cNvPr>
@@ -4207,7 +4207,6 @@
               <a:rPr lang="ko-KR" altLang="en-US" sz="3200" spc="-300" dirty="0"/>
               <a:t> 모델링</a:t>
             </a:r>
-            <a:endParaRPr lang="ko-KR" altLang="en-US" sz="3200" spc="-300" dirty="0"/>
           </a:p>
         </p:txBody>
       </p:sp>
@@ -4227,7 +4226,7 @@
         </p:nvGraphicFramePr>
         <p:xfrm>
           <a:off x="312420" y="993553"/>
-          <a:ext cx="5872480" cy="2044700"/>
+          <a:ext cx="5872480" cy="2072132"/>
         </p:xfrm>
         <a:graphic>
           <a:graphicData uri="http://schemas.openxmlformats.org/drawingml/2006/table">
@@ -9742,7 +9741,7 @@
           <p:cNvPr id="4" name="직선 연결선 3">
             <a:extLst>
               <a:ext uri="{FF2B5EF4-FFF2-40B4-BE49-F238E27FC236}">
-                <a16:creationId xmlns:a16="http://schemas.microsoft.com/office/drawing/2014/main" xmlns="" id="{9A8E474A-6ECB-442D-8A42-7881F4DFBB2A}"/>
+                <a16:creationId xmlns="" xmlns:a16="http://schemas.microsoft.com/office/drawing/2014/main" id="{9A8E474A-6ECB-442D-8A42-7881F4DFBB2A}"/>
               </a:ext>
             </a:extLst>
           </p:cNvPr>
@@ -9785,7 +9784,7 @@
           <p:cNvPr id="5" name="직사각형 4">
             <a:extLst>
               <a:ext uri="{FF2B5EF4-FFF2-40B4-BE49-F238E27FC236}">
-                <a16:creationId xmlns:a16="http://schemas.microsoft.com/office/drawing/2014/main" xmlns="" id="{76EF8051-9646-4552-BE57-7D95D1538BA2}"/>
+                <a16:creationId xmlns="" xmlns:a16="http://schemas.microsoft.com/office/drawing/2014/main" id="{76EF8051-9646-4552-BE57-7D95D1538BA2}"/>
               </a:ext>
             </a:extLst>
           </p:cNvPr>
@@ -9837,7 +9836,7 @@
           <p:cNvPr id="9" name="TextBox 8">
             <a:extLst>
               <a:ext uri="{FF2B5EF4-FFF2-40B4-BE49-F238E27FC236}">
-                <a16:creationId xmlns:a16="http://schemas.microsoft.com/office/drawing/2014/main" xmlns="" id="{7FFA9BC9-96FB-4B17-AF51-48D81692F2D7}"/>
+                <a16:creationId xmlns="" xmlns:a16="http://schemas.microsoft.com/office/drawing/2014/main" id="{7FFA9BC9-96FB-4B17-AF51-48D81692F2D7}"/>
               </a:ext>
             </a:extLst>
           </p:cNvPr>
@@ -9873,7 +9872,6 @@
               <a:rPr lang="ko-KR" altLang="en-US" sz="3200" spc="-300" dirty="0"/>
               <a:t> 모델링</a:t>
             </a:r>
-            <a:endParaRPr lang="ko-KR" altLang="en-US" sz="3200" spc="-300" dirty="0"/>
           </a:p>
         </p:txBody>
       </p:sp>
@@ -14474,7 +14472,7 @@
           <p:cNvPr id="2" name="직사각형 1">
             <a:extLst>
               <a:ext uri="{FF2B5EF4-FFF2-40B4-BE49-F238E27FC236}">
-                <a16:creationId xmlns:a16="http://schemas.microsoft.com/office/drawing/2014/main" xmlns="" id="{FCBB0498-13C3-48CC-9BFE-7243BE8082B0}"/>
+                <a16:creationId xmlns="" xmlns:a16="http://schemas.microsoft.com/office/drawing/2014/main" id="{FCBB0498-13C3-48CC-9BFE-7243BE8082B0}"/>
               </a:ext>
             </a:extLst>
           </p:cNvPr>
@@ -14526,7 +14524,7 @@
           <p:cNvPr id="3" name="TextBox 2">
             <a:extLst>
               <a:ext uri="{FF2B5EF4-FFF2-40B4-BE49-F238E27FC236}">
-                <a16:creationId xmlns:a16="http://schemas.microsoft.com/office/drawing/2014/main" xmlns="" id="{90C0895B-7B4E-4FB6-95D6-6192E6C6C6FE}"/>
+                <a16:creationId xmlns="" xmlns:a16="http://schemas.microsoft.com/office/drawing/2014/main" id="{90C0895B-7B4E-4FB6-95D6-6192E6C6C6FE}"/>
               </a:ext>
             </a:extLst>
           </p:cNvPr>
@@ -14567,7 +14565,7 @@
           <p:cNvPr id="4" name="TextBox 3">
             <a:extLst>
               <a:ext uri="{FF2B5EF4-FFF2-40B4-BE49-F238E27FC236}">
-                <a16:creationId xmlns:a16="http://schemas.microsoft.com/office/drawing/2014/main" xmlns="" id="{1EF51587-4B82-43A7-8A06-3BA5E76F90F4}"/>
+                <a16:creationId xmlns="" xmlns:a16="http://schemas.microsoft.com/office/drawing/2014/main" id="{1EF51587-4B82-43A7-8A06-3BA5E76F90F4}"/>
               </a:ext>
             </a:extLst>
           </p:cNvPr>
@@ -14650,7 +14648,7 @@
           <p:cNvPr id="4" name="직선 연결선 3">
             <a:extLst>
               <a:ext uri="{FF2B5EF4-FFF2-40B4-BE49-F238E27FC236}">
-                <a16:creationId xmlns:a16="http://schemas.microsoft.com/office/drawing/2014/main" xmlns="" id="{9A8E474A-6ECB-442D-8A42-7881F4DFBB2A}"/>
+                <a16:creationId xmlns="" xmlns:a16="http://schemas.microsoft.com/office/drawing/2014/main" id="{9A8E474A-6ECB-442D-8A42-7881F4DFBB2A}"/>
               </a:ext>
             </a:extLst>
           </p:cNvPr>
@@ -14693,7 +14691,7 @@
           <p:cNvPr id="5" name="직사각형 4">
             <a:extLst>
               <a:ext uri="{FF2B5EF4-FFF2-40B4-BE49-F238E27FC236}">
-                <a16:creationId xmlns:a16="http://schemas.microsoft.com/office/drawing/2014/main" xmlns="" id="{76EF8051-9646-4552-BE57-7D95D1538BA2}"/>
+                <a16:creationId xmlns="" xmlns:a16="http://schemas.microsoft.com/office/drawing/2014/main" id="{76EF8051-9646-4552-BE57-7D95D1538BA2}"/>
               </a:ext>
             </a:extLst>
           </p:cNvPr>
@@ -14745,7 +14743,7 @@
           <p:cNvPr id="9" name="TextBox 8">
             <a:extLst>
               <a:ext uri="{FF2B5EF4-FFF2-40B4-BE49-F238E27FC236}">
-                <a16:creationId xmlns:a16="http://schemas.microsoft.com/office/drawing/2014/main" xmlns="" id="{7FFA9BC9-96FB-4B17-AF51-48D81692F2D7}"/>
+                <a16:creationId xmlns="" xmlns:a16="http://schemas.microsoft.com/office/drawing/2014/main" id="{7FFA9BC9-96FB-4B17-AF51-48D81692F2D7}"/>
               </a:ext>
             </a:extLst>
           </p:cNvPr>
@@ -14920,7 +14918,7 @@
           <p:cNvPr id="2" name="직사각형 1">
             <a:extLst>
               <a:ext uri="{FF2B5EF4-FFF2-40B4-BE49-F238E27FC236}">
-                <a16:creationId xmlns:a16="http://schemas.microsoft.com/office/drawing/2014/main" xmlns="" id="{FCBB0498-13C3-48CC-9BFE-7243BE8082B0}"/>
+                <a16:creationId xmlns="" xmlns:a16="http://schemas.microsoft.com/office/drawing/2014/main" id="{FCBB0498-13C3-48CC-9BFE-7243BE8082B0}"/>
               </a:ext>
             </a:extLst>
           </p:cNvPr>
@@ -14972,7 +14970,7 @@
           <p:cNvPr id="3" name="TextBox 2">
             <a:extLst>
               <a:ext uri="{FF2B5EF4-FFF2-40B4-BE49-F238E27FC236}">
-                <a16:creationId xmlns:a16="http://schemas.microsoft.com/office/drawing/2014/main" xmlns="" id="{90C0895B-7B4E-4FB6-95D6-6192E6C6C6FE}"/>
+                <a16:creationId xmlns="" xmlns:a16="http://schemas.microsoft.com/office/drawing/2014/main" id="{90C0895B-7B4E-4FB6-95D6-6192E6C6C6FE}"/>
               </a:ext>
             </a:extLst>
           </p:cNvPr>
@@ -15013,7 +15011,7 @@
           <p:cNvPr id="4" name="TextBox 3">
             <a:extLst>
               <a:ext uri="{FF2B5EF4-FFF2-40B4-BE49-F238E27FC236}">
-                <a16:creationId xmlns:a16="http://schemas.microsoft.com/office/drawing/2014/main" xmlns="" id="{1EF51587-4B82-43A7-8A06-3BA5E76F90F4}"/>
+                <a16:creationId xmlns="" xmlns:a16="http://schemas.microsoft.com/office/drawing/2014/main" id="{1EF51587-4B82-43A7-8A06-3BA5E76F90F4}"/>
               </a:ext>
             </a:extLst>
           </p:cNvPr>
@@ -15092,7 +15090,7 @@
           <p:cNvPr id="5" name="그림 4" descr="침대, 실내, 앉아있는, 테이블이(가) 표시된 사진&#10;&#10;자동 생성된 설명">
             <a:extLst>
               <a:ext uri="{FF2B5EF4-FFF2-40B4-BE49-F238E27FC236}">
-                <a16:creationId xmlns:a16="http://schemas.microsoft.com/office/drawing/2014/main" xmlns="" id="{F83D9A3B-D483-493D-BA99-E4FB75D30D46}"/>
+                <a16:creationId xmlns="" xmlns:a16="http://schemas.microsoft.com/office/drawing/2014/main" id="{F83D9A3B-D483-493D-BA99-E4FB75D30D46}"/>
               </a:ext>
             </a:extLst>
           </p:cNvPr>
@@ -15127,7 +15125,7 @@
           <p:cNvPr id="3" name="TextBox 2">
             <a:extLst>
               <a:ext uri="{FF2B5EF4-FFF2-40B4-BE49-F238E27FC236}">
-                <a16:creationId xmlns:a16="http://schemas.microsoft.com/office/drawing/2014/main" xmlns="" id="{CC4EA04D-F465-4ADF-8B8E-8927B90942A0}"/>
+                <a16:creationId xmlns="" xmlns:a16="http://schemas.microsoft.com/office/drawing/2014/main" id="{CC4EA04D-F465-4ADF-8B8E-8927B90942A0}"/>
               </a:ext>
             </a:extLst>
           </p:cNvPr>
@@ -15358,7 +15356,7 @@
           <p:cNvPr id="4" name="TextBox 3">
             <a:extLst>
               <a:ext uri="{FF2B5EF4-FFF2-40B4-BE49-F238E27FC236}">
-                <a16:creationId xmlns:a16="http://schemas.microsoft.com/office/drawing/2014/main" xmlns="" id="{4DA083EC-6D70-48BC-AE74-3FF5273F0364}"/>
+                <a16:creationId xmlns="" xmlns:a16="http://schemas.microsoft.com/office/drawing/2014/main" id="{4DA083EC-6D70-48BC-AE74-3FF5273F0364}"/>
               </a:ext>
             </a:extLst>
           </p:cNvPr>
@@ -15402,7 +15400,7 @@
           <p:cNvPr id="6" name="직선 연결선 5">
             <a:extLst>
               <a:ext uri="{FF2B5EF4-FFF2-40B4-BE49-F238E27FC236}">
-                <a16:creationId xmlns:a16="http://schemas.microsoft.com/office/drawing/2014/main" xmlns="" id="{9E12C1BE-4F1E-4F18-B068-5A8D61623AEC}"/>
+                <a16:creationId xmlns="" xmlns:a16="http://schemas.microsoft.com/office/drawing/2014/main" id="{9E12C1BE-4F1E-4F18-B068-5A8D61623AEC}"/>
               </a:ext>
             </a:extLst>
           </p:cNvPr>
@@ -15487,7 +15485,7 @@
           <p:cNvPr id="3" name="그림 2" descr="컵, 앉아있는, 작은, 침대이(가) 표시된 사진&#10;&#10;자동 생성된 설명">
             <a:extLst>
               <a:ext uri="{FF2B5EF4-FFF2-40B4-BE49-F238E27FC236}">
-                <a16:creationId xmlns:a16="http://schemas.microsoft.com/office/drawing/2014/main" xmlns="" id="{119B61DF-DD71-477E-9BF0-42F785F6B370}"/>
+                <a16:creationId xmlns="" xmlns:a16="http://schemas.microsoft.com/office/drawing/2014/main" id="{119B61DF-DD71-477E-9BF0-42F785F6B370}"/>
               </a:ext>
             </a:extLst>
           </p:cNvPr>
@@ -15522,7 +15520,7 @@
           <p:cNvPr id="5" name="TextBox 4">
             <a:extLst>
               <a:ext uri="{FF2B5EF4-FFF2-40B4-BE49-F238E27FC236}">
-                <a16:creationId xmlns:a16="http://schemas.microsoft.com/office/drawing/2014/main" xmlns="" id="{676ADFEC-BB58-4D70-9FD2-B61721B1938A}"/>
+                <a16:creationId xmlns="" xmlns:a16="http://schemas.microsoft.com/office/drawing/2014/main" id="{676ADFEC-BB58-4D70-9FD2-B61721B1938A}"/>
               </a:ext>
             </a:extLst>
           </p:cNvPr>
@@ -15753,7 +15751,7 @@
           <p:cNvPr id="6" name="TextBox 5">
             <a:extLst>
               <a:ext uri="{FF2B5EF4-FFF2-40B4-BE49-F238E27FC236}">
-                <a16:creationId xmlns:a16="http://schemas.microsoft.com/office/drawing/2014/main" xmlns="" id="{F7DF015D-7C45-422F-BF86-AAAD7FF491D3}"/>
+                <a16:creationId xmlns="" xmlns:a16="http://schemas.microsoft.com/office/drawing/2014/main" id="{F7DF015D-7C45-422F-BF86-AAAD7FF491D3}"/>
               </a:ext>
             </a:extLst>
           </p:cNvPr>
@@ -15797,7 +15795,7 @@
           <p:cNvPr id="7" name="직선 연결선 6">
             <a:extLst>
               <a:ext uri="{FF2B5EF4-FFF2-40B4-BE49-F238E27FC236}">
-                <a16:creationId xmlns:a16="http://schemas.microsoft.com/office/drawing/2014/main" xmlns="" id="{38F15EEA-547D-421E-908C-354ED5DA0C11}"/>
+                <a16:creationId xmlns="" xmlns:a16="http://schemas.microsoft.com/office/drawing/2014/main" id="{38F15EEA-547D-421E-908C-354ED5DA0C11}"/>
               </a:ext>
             </a:extLst>
           </p:cNvPr>
@@ -15882,7 +15880,7 @@
           <p:cNvPr id="3" name="그림 2" descr="컵, 커피, 테이블, 앉아있는이(가) 표시된 사진&#10;&#10;자동 생성된 설명">
             <a:extLst>
               <a:ext uri="{FF2B5EF4-FFF2-40B4-BE49-F238E27FC236}">
-                <a16:creationId xmlns:a16="http://schemas.microsoft.com/office/drawing/2014/main" xmlns="" id="{C9E46430-D944-4058-86A7-C6A87CB56188}"/>
+                <a16:creationId xmlns="" xmlns:a16="http://schemas.microsoft.com/office/drawing/2014/main" id="{C9E46430-D944-4058-86A7-C6A87CB56188}"/>
               </a:ext>
             </a:extLst>
           </p:cNvPr>
@@ -15917,7 +15915,7 @@
           <p:cNvPr id="8" name="TextBox 7">
             <a:extLst>
               <a:ext uri="{FF2B5EF4-FFF2-40B4-BE49-F238E27FC236}">
-                <a16:creationId xmlns:a16="http://schemas.microsoft.com/office/drawing/2014/main" xmlns="" id="{49AD39D1-E922-4599-9C41-2A3083FC6ED2}"/>
+                <a16:creationId xmlns="" xmlns:a16="http://schemas.microsoft.com/office/drawing/2014/main" id="{49AD39D1-E922-4599-9C41-2A3083FC6ED2}"/>
               </a:ext>
             </a:extLst>
           </p:cNvPr>
@@ -16148,7 +16146,7 @@
           <p:cNvPr id="9" name="TextBox 8">
             <a:extLst>
               <a:ext uri="{FF2B5EF4-FFF2-40B4-BE49-F238E27FC236}">
-                <a16:creationId xmlns:a16="http://schemas.microsoft.com/office/drawing/2014/main" xmlns="" id="{A2C8F0F1-3834-43F9-9EAF-BB8A854E7598}"/>
+                <a16:creationId xmlns="" xmlns:a16="http://schemas.microsoft.com/office/drawing/2014/main" id="{A2C8F0F1-3834-43F9-9EAF-BB8A854E7598}"/>
               </a:ext>
             </a:extLst>
           </p:cNvPr>
@@ -16192,7 +16190,7 @@
           <p:cNvPr id="10" name="직선 연결선 9">
             <a:extLst>
               <a:ext uri="{FF2B5EF4-FFF2-40B4-BE49-F238E27FC236}">
-                <a16:creationId xmlns:a16="http://schemas.microsoft.com/office/drawing/2014/main" xmlns="" id="{B3A012AF-266B-4F98-B1BF-51E34CE46F69}"/>
+                <a16:creationId xmlns="" xmlns:a16="http://schemas.microsoft.com/office/drawing/2014/main" id="{B3A012AF-266B-4F98-B1BF-51E34CE46F69}"/>
               </a:ext>
             </a:extLst>
           </p:cNvPr>
@@ -16277,7 +16275,7 @@
           <p:cNvPr id="3" name="그림 2" descr="실내, 테이블, 앉아있는, 와인이(가) 표시된 사진&#10;&#10;자동 생성된 설명">
             <a:extLst>
               <a:ext uri="{FF2B5EF4-FFF2-40B4-BE49-F238E27FC236}">
-                <a16:creationId xmlns:a16="http://schemas.microsoft.com/office/drawing/2014/main" xmlns="" id="{D518911D-6752-4A8F-B9C7-243ABA168AEF}"/>
+                <a16:creationId xmlns="" xmlns:a16="http://schemas.microsoft.com/office/drawing/2014/main" id="{D518911D-6752-4A8F-B9C7-243ABA168AEF}"/>
               </a:ext>
             </a:extLst>
           </p:cNvPr>
@@ -16312,7 +16310,7 @@
           <p:cNvPr id="4" name="TextBox 3">
             <a:extLst>
               <a:ext uri="{FF2B5EF4-FFF2-40B4-BE49-F238E27FC236}">
-                <a16:creationId xmlns:a16="http://schemas.microsoft.com/office/drawing/2014/main" xmlns="" id="{743C096D-564A-4430-BDD5-9A7467FF261F}"/>
+                <a16:creationId xmlns="" xmlns:a16="http://schemas.microsoft.com/office/drawing/2014/main" id="{743C096D-564A-4430-BDD5-9A7467FF261F}"/>
               </a:ext>
             </a:extLst>
           </p:cNvPr>
@@ -16543,7 +16541,7 @@
           <p:cNvPr id="5" name="TextBox 4">
             <a:extLst>
               <a:ext uri="{FF2B5EF4-FFF2-40B4-BE49-F238E27FC236}">
-                <a16:creationId xmlns:a16="http://schemas.microsoft.com/office/drawing/2014/main" xmlns="" id="{FD0E91BA-22DB-486F-8265-265EC65310B6}"/>
+                <a16:creationId xmlns="" xmlns:a16="http://schemas.microsoft.com/office/drawing/2014/main" id="{FD0E91BA-22DB-486F-8265-265EC65310B6}"/>
               </a:ext>
             </a:extLst>
           </p:cNvPr>
@@ -16587,7 +16585,7 @@
           <p:cNvPr id="6" name="직선 연결선 5">
             <a:extLst>
               <a:ext uri="{FF2B5EF4-FFF2-40B4-BE49-F238E27FC236}">
-                <a16:creationId xmlns:a16="http://schemas.microsoft.com/office/drawing/2014/main" xmlns="" id="{2323070E-2B31-45C3-B3CD-41AE694A1063}"/>
+                <a16:creationId xmlns="" xmlns:a16="http://schemas.microsoft.com/office/drawing/2014/main" id="{2323070E-2B31-45C3-B3CD-41AE694A1063}"/>
               </a:ext>
             </a:extLst>
           </p:cNvPr>
@@ -16672,7 +16670,7 @@
           <p:cNvPr id="3" name="그림 2" descr="실외, 기차, 트랙, 건물이(가) 표시된 사진&#10;&#10;자동 생성된 설명">
             <a:extLst>
               <a:ext uri="{FF2B5EF4-FFF2-40B4-BE49-F238E27FC236}">
-                <a16:creationId xmlns:a16="http://schemas.microsoft.com/office/drawing/2014/main" xmlns="" id="{8CD409FB-2257-453E-B6C3-2178E1776929}"/>
+                <a16:creationId xmlns="" xmlns:a16="http://schemas.microsoft.com/office/drawing/2014/main" id="{8CD409FB-2257-453E-B6C3-2178E1776929}"/>
               </a:ext>
             </a:extLst>
           </p:cNvPr>
@@ -16707,7 +16705,7 @@
           <p:cNvPr id="8" name="TextBox 7">
             <a:extLst>
               <a:ext uri="{FF2B5EF4-FFF2-40B4-BE49-F238E27FC236}">
-                <a16:creationId xmlns:a16="http://schemas.microsoft.com/office/drawing/2014/main" xmlns="" id="{FD0ACFEB-2299-478B-951A-006725EED731}"/>
+                <a16:creationId xmlns="" xmlns:a16="http://schemas.microsoft.com/office/drawing/2014/main" id="{FD0ACFEB-2299-478B-951A-006725EED731}"/>
               </a:ext>
             </a:extLst>
           </p:cNvPr>
@@ -16938,7 +16936,7 @@
           <p:cNvPr id="9" name="TextBox 8">
             <a:extLst>
               <a:ext uri="{FF2B5EF4-FFF2-40B4-BE49-F238E27FC236}">
-                <a16:creationId xmlns:a16="http://schemas.microsoft.com/office/drawing/2014/main" xmlns="" id="{5D7A2788-7369-4216-A5F4-6E3FD9AA34EC}"/>
+                <a16:creationId xmlns="" xmlns:a16="http://schemas.microsoft.com/office/drawing/2014/main" id="{5D7A2788-7369-4216-A5F4-6E3FD9AA34EC}"/>
               </a:ext>
             </a:extLst>
           </p:cNvPr>
@@ -16982,7 +16980,7 @@
           <p:cNvPr id="10" name="직선 연결선 9">
             <a:extLst>
               <a:ext uri="{FF2B5EF4-FFF2-40B4-BE49-F238E27FC236}">
-                <a16:creationId xmlns:a16="http://schemas.microsoft.com/office/drawing/2014/main" xmlns="" id="{1AE128A5-6324-45DB-9C64-010AC12B3F02}"/>
+                <a16:creationId xmlns="" xmlns:a16="http://schemas.microsoft.com/office/drawing/2014/main" id="{1AE128A5-6324-45DB-9C64-010AC12B3F02}"/>
               </a:ext>
             </a:extLst>
           </p:cNvPr>
@@ -17067,7 +17065,7 @@
           <p:cNvPr id="4" name="직선 연결선 3">
             <a:extLst>
               <a:ext uri="{FF2B5EF4-FFF2-40B4-BE49-F238E27FC236}">
-                <a16:creationId xmlns:a16="http://schemas.microsoft.com/office/drawing/2014/main" xmlns="" id="{9A8E474A-6ECB-442D-8A42-7881F4DFBB2A}"/>
+                <a16:creationId xmlns="" xmlns:a16="http://schemas.microsoft.com/office/drawing/2014/main" id="{9A8E474A-6ECB-442D-8A42-7881F4DFBB2A}"/>
               </a:ext>
             </a:extLst>
           </p:cNvPr>
@@ -17107,62 +17105,10 @@
       </p:cxnSp>
       <p:sp>
         <p:nvSpPr>
-          <p:cNvPr id="5" name="직사각형 4">
-            <a:extLst>
-              <a:ext uri="{FF2B5EF4-FFF2-40B4-BE49-F238E27FC236}">
-                <a16:creationId xmlns:a16="http://schemas.microsoft.com/office/drawing/2014/main" xmlns="" id="{76EF8051-9646-4552-BE57-7D95D1538BA2}"/>
-              </a:ext>
-            </a:extLst>
-          </p:cNvPr>
-          <p:cNvSpPr/>
-          <p:nvPr/>
-        </p:nvSpPr>
-        <p:spPr>
-          <a:xfrm>
-            <a:off x="0" y="0"/>
-            <a:ext cx="177800" cy="6858000"/>
-          </a:xfrm>
-          <a:prstGeom prst="rect">
-            <a:avLst/>
-          </a:prstGeom>
-          <a:solidFill>
-            <a:schemeClr val="accent1"/>
-          </a:solidFill>
-          <a:ln>
-            <a:noFill/>
-          </a:ln>
-        </p:spPr>
-        <p:style>
-          <a:lnRef idx="2">
-            <a:schemeClr val="accent1">
-              <a:shade val="50000"/>
-            </a:schemeClr>
-          </a:lnRef>
-          <a:fillRef idx="1">
-            <a:schemeClr val="accent1"/>
-          </a:fillRef>
-          <a:effectRef idx="0">
-            <a:schemeClr val="accent1"/>
-          </a:effectRef>
-          <a:fontRef idx="minor">
-            <a:schemeClr val="lt1"/>
-          </a:fontRef>
-        </p:style>
-        <p:txBody>
-          <a:bodyPr rtlCol="0" anchor="ctr"/>
-          <a:lstStyle/>
-          <a:p>
-            <a:pPr algn="ctr"/>
-            <a:endParaRPr lang="ko-KR" altLang="en-US"/>
-          </a:p>
-        </p:txBody>
-      </p:sp>
-      <p:sp>
-        <p:nvSpPr>
           <p:cNvPr id="9" name="TextBox 8">
             <a:extLst>
               <a:ext uri="{FF2B5EF4-FFF2-40B4-BE49-F238E27FC236}">
-                <a16:creationId xmlns:a16="http://schemas.microsoft.com/office/drawing/2014/main" xmlns="" id="{7FFA9BC9-96FB-4B17-AF51-48D81692F2D7}"/>
+                <a16:creationId xmlns="" xmlns:a16="http://schemas.microsoft.com/office/drawing/2014/main" id="{7FFA9BC9-96FB-4B17-AF51-48D81692F2D7}"/>
               </a:ext>
             </a:extLst>
           </p:cNvPr>
@@ -17209,54 +17155,10 @@
       </p:sp>
       <p:sp>
         <p:nvSpPr>
-          <p:cNvPr id="16" name="TextBox 15">
-            <a:extLst>
-              <a:ext uri="{FF2B5EF4-FFF2-40B4-BE49-F238E27FC236}">
-                <a16:creationId xmlns:a16="http://schemas.microsoft.com/office/drawing/2014/main" xmlns="" id="{FD5F3A16-019F-4601-B0EF-882D4466946E}"/>
-              </a:ext>
-            </a:extLst>
-          </p:cNvPr>
-          <p:cNvSpPr txBox="1"/>
-          <p:nvPr/>
-        </p:nvSpPr>
-        <p:spPr>
-          <a:xfrm>
-            <a:off x="-98231" y="50565"/>
-            <a:ext cx="353943" cy="1849121"/>
-          </a:xfrm>
-          <a:prstGeom prst="rect">
-            <a:avLst/>
-          </a:prstGeom>
-          <a:noFill/>
-        </p:spPr>
-        <p:txBody>
-          <a:bodyPr vert="eaVert" wrap="square" rtlCol="0">
-            <a:spAutoFit/>
-          </a:bodyPr>
-          <a:lstStyle/>
-          <a:p>
-            <a:r>
-              <a:rPr lang="en-US" altLang="ko-KR" sz="1100" dirty="0">
-                <a:solidFill>
-                  <a:schemeClr val="bg1"/>
-                </a:solidFill>
-              </a:rPr>
-              <a:t>Part 1</a:t>
-            </a:r>
-            <a:endParaRPr lang="ko-KR" altLang="en-US" sz="1100" dirty="0">
-              <a:solidFill>
-                <a:schemeClr val="bg1"/>
-              </a:solidFill>
-            </a:endParaRPr>
-          </a:p>
-        </p:txBody>
-      </p:sp>
-      <p:sp>
-        <p:nvSpPr>
           <p:cNvPr id="20" name="직사각형 19">
             <a:extLst>
               <a:ext uri="{FF2B5EF4-FFF2-40B4-BE49-F238E27FC236}">
-                <a16:creationId xmlns:a16="http://schemas.microsoft.com/office/drawing/2014/main" xmlns="" id="{4FA2D4A9-E4C9-43E1-833A-7E0DFF5D4F34}"/>
+                <a16:creationId xmlns="" xmlns:a16="http://schemas.microsoft.com/office/drawing/2014/main" id="{4FA2D4A9-E4C9-43E1-833A-7E0DFF5D4F34}"/>
               </a:ext>
             </a:extLst>
           </p:cNvPr>
@@ -17308,7 +17210,7 @@
           <p:cNvPr id="21" name="직사각형 20">
             <a:extLst>
               <a:ext uri="{FF2B5EF4-FFF2-40B4-BE49-F238E27FC236}">
-                <a16:creationId xmlns:a16="http://schemas.microsoft.com/office/drawing/2014/main" xmlns="" id="{199B28CF-3E7E-44C5-AFDD-39DB4B288DDE}"/>
+                <a16:creationId xmlns="" xmlns:a16="http://schemas.microsoft.com/office/drawing/2014/main" id="{199B28CF-3E7E-44C5-AFDD-39DB4B288DDE}"/>
               </a:ext>
             </a:extLst>
           </p:cNvPr>
@@ -17360,7 +17262,7 @@
           <p:cNvPr id="22" name="TextBox 21">
             <a:extLst>
               <a:ext uri="{FF2B5EF4-FFF2-40B4-BE49-F238E27FC236}">
-                <a16:creationId xmlns:a16="http://schemas.microsoft.com/office/drawing/2014/main" xmlns="" id="{8C314329-C635-4D26-B07F-D3530E7FDACB}"/>
+                <a16:creationId xmlns="" xmlns:a16="http://schemas.microsoft.com/office/drawing/2014/main" id="{8C314329-C635-4D26-B07F-D3530E7FDACB}"/>
               </a:ext>
             </a:extLst>
           </p:cNvPr>
@@ -17407,7 +17309,7 @@
           <p:cNvPr id="23" name="TextBox 22">
             <a:extLst>
               <a:ext uri="{FF2B5EF4-FFF2-40B4-BE49-F238E27FC236}">
-                <a16:creationId xmlns:a16="http://schemas.microsoft.com/office/drawing/2014/main" xmlns="" id="{8F38D731-D30D-4CD5-998D-867D2C15C15F}"/>
+                <a16:creationId xmlns="" xmlns:a16="http://schemas.microsoft.com/office/drawing/2014/main" id="{8F38D731-D30D-4CD5-998D-867D2C15C15F}"/>
               </a:ext>
             </a:extLst>
           </p:cNvPr>
@@ -17453,7 +17355,7 @@
           <p:cNvPr id="24" name="직사각형 23">
             <a:extLst>
               <a:ext uri="{FF2B5EF4-FFF2-40B4-BE49-F238E27FC236}">
-                <a16:creationId xmlns:a16="http://schemas.microsoft.com/office/drawing/2014/main" xmlns="" id="{887E0D8A-DD27-4A53-A279-753B49A4E136}"/>
+                <a16:creationId xmlns="" xmlns:a16="http://schemas.microsoft.com/office/drawing/2014/main" id="{887E0D8A-DD27-4A53-A279-753B49A4E136}"/>
               </a:ext>
             </a:extLst>
           </p:cNvPr>
@@ -17503,7 +17405,7 @@
           <p:cNvPr id="25" name="직사각형 24">
             <a:extLst>
               <a:ext uri="{FF2B5EF4-FFF2-40B4-BE49-F238E27FC236}">
-                <a16:creationId xmlns:a16="http://schemas.microsoft.com/office/drawing/2014/main" xmlns="" id="{5F192B7F-CF9B-4CE2-81F8-827E779C4742}"/>
+                <a16:creationId xmlns="" xmlns:a16="http://schemas.microsoft.com/office/drawing/2014/main" id="{5F192B7F-CF9B-4CE2-81F8-827E779C4742}"/>
               </a:ext>
             </a:extLst>
           </p:cNvPr>
@@ -17553,7 +17455,7 @@
           <p:cNvPr id="26" name="TextBox 25">
             <a:extLst>
               <a:ext uri="{FF2B5EF4-FFF2-40B4-BE49-F238E27FC236}">
-                <a16:creationId xmlns:a16="http://schemas.microsoft.com/office/drawing/2014/main" xmlns="" id="{A1E2D36A-7646-4481-8FD3-C7DE69DFE174}"/>
+                <a16:creationId xmlns="" xmlns:a16="http://schemas.microsoft.com/office/drawing/2014/main" id="{A1E2D36A-7646-4481-8FD3-C7DE69DFE174}"/>
               </a:ext>
             </a:extLst>
           </p:cNvPr>
@@ -17617,7 +17519,7 @@
           <p:cNvPr id="27" name="TextBox 26">
             <a:extLst>
               <a:ext uri="{FF2B5EF4-FFF2-40B4-BE49-F238E27FC236}">
-                <a16:creationId xmlns:a16="http://schemas.microsoft.com/office/drawing/2014/main" xmlns="" id="{96E7130C-A8D2-4182-9379-C3BC60E1958A}"/>
+                <a16:creationId xmlns="" xmlns:a16="http://schemas.microsoft.com/office/drawing/2014/main" id="{96E7130C-A8D2-4182-9379-C3BC60E1958A}"/>
               </a:ext>
             </a:extLst>
           </p:cNvPr>
@@ -17682,16 +17584,7 @@
                 </a:solidFill>
                 <a:latin typeface="+mn-ea"/>
               </a:rPr>
-              <a:t> </a:t>
-            </a:r>
-            <a:r>
-              <a:rPr lang="ko-KR" altLang="en-US" sz="3200" spc="-300" dirty="0" smtClean="0">
-                <a:solidFill>
-                  <a:schemeClr val="bg1"/>
-                </a:solidFill>
-                <a:latin typeface="+mn-ea"/>
-              </a:rPr>
-              <a:t>모델링</a:t>
+              <a:t> 모델링</a:t>
             </a:r>
             <a:endParaRPr lang="ko-KR" altLang="en-US" sz="3200" spc="-300" dirty="0">
               <a:solidFill>
@@ -17707,7 +17600,7 @@
           <p:cNvPr id="28" name="직사각형 27">
             <a:extLst>
               <a:ext uri="{FF2B5EF4-FFF2-40B4-BE49-F238E27FC236}">
-                <a16:creationId xmlns:a16="http://schemas.microsoft.com/office/drawing/2014/main" xmlns="" id="{8215329A-A686-4974-A482-CF46E001D756}"/>
+                <a16:creationId xmlns="" xmlns:a16="http://schemas.microsoft.com/office/drawing/2014/main" id="{8215329A-A686-4974-A482-CF46E001D756}"/>
               </a:ext>
             </a:extLst>
           </p:cNvPr>
@@ -17754,7 +17647,7 @@
           <p:cNvPr id="29" name="직사각형 28">
             <a:extLst>
               <a:ext uri="{FF2B5EF4-FFF2-40B4-BE49-F238E27FC236}">
-                <a16:creationId xmlns:a16="http://schemas.microsoft.com/office/drawing/2014/main" xmlns="" id="{545BF32E-3D4D-416C-8E66-F898CB17E0F5}"/>
+                <a16:creationId xmlns="" xmlns:a16="http://schemas.microsoft.com/office/drawing/2014/main" id="{545BF32E-3D4D-416C-8E66-F898CB17E0F5}"/>
               </a:ext>
             </a:extLst>
           </p:cNvPr>
@@ -17801,7 +17694,7 @@
           <p:cNvPr id="30" name="TextBox 29">
             <a:extLst>
               <a:ext uri="{FF2B5EF4-FFF2-40B4-BE49-F238E27FC236}">
-                <a16:creationId xmlns:a16="http://schemas.microsoft.com/office/drawing/2014/main" xmlns="" id="{DA8E1275-5489-405E-8689-CBBC2527C00C}"/>
+                <a16:creationId xmlns="" xmlns:a16="http://schemas.microsoft.com/office/drawing/2014/main" id="{DA8E1275-5489-405E-8689-CBBC2527C00C}"/>
               </a:ext>
             </a:extLst>
           </p:cNvPr>
@@ -17848,7 +17741,7 @@
           <p:cNvPr id="31" name="TextBox 30">
             <a:extLst>
               <a:ext uri="{FF2B5EF4-FFF2-40B4-BE49-F238E27FC236}">
-                <a16:creationId xmlns:a16="http://schemas.microsoft.com/office/drawing/2014/main" xmlns="" id="{27132537-D9AC-4919-8A6E-B052AD40CF34}"/>
+                <a16:creationId xmlns="" xmlns:a16="http://schemas.microsoft.com/office/drawing/2014/main" id="{27132537-D9AC-4919-8A6E-B052AD40CF34}"/>
               </a:ext>
             </a:extLst>
           </p:cNvPr>
@@ -17898,12 +17791,6 @@
               </a:rPr>
               <a:t>램</a:t>
             </a:r>
-            <a:endParaRPr lang="ko-KR" altLang="en-US" sz="3200" spc="-300" dirty="0">
-              <a:solidFill>
-                <a:schemeClr val="bg1"/>
-              </a:solidFill>
-              <a:latin typeface="+mn-ea"/>
-            </a:endParaRPr>
           </a:p>
         </p:txBody>
       </p:sp>
@@ -17912,7 +17799,7 @@
           <p:cNvPr id="18" name="직사각형 17">
             <a:extLst>
               <a:ext uri="{FF2B5EF4-FFF2-40B4-BE49-F238E27FC236}">
-                <a16:creationId xmlns:a16="http://schemas.microsoft.com/office/drawing/2014/main" xmlns="" id="{8215329A-A686-4974-A482-CF46E001D756}"/>
+                <a16:creationId xmlns="" xmlns:a16="http://schemas.microsoft.com/office/drawing/2014/main" id="{8215329A-A686-4974-A482-CF46E001D756}"/>
               </a:ext>
             </a:extLst>
           </p:cNvPr>
@@ -17959,7 +17846,7 @@
           <p:cNvPr id="19" name="직사각형 18">
             <a:extLst>
               <a:ext uri="{FF2B5EF4-FFF2-40B4-BE49-F238E27FC236}">
-                <a16:creationId xmlns:a16="http://schemas.microsoft.com/office/drawing/2014/main" xmlns="" id="{545BF32E-3D4D-416C-8E66-F898CB17E0F5}"/>
+                <a16:creationId xmlns="" xmlns:a16="http://schemas.microsoft.com/office/drawing/2014/main" id="{545BF32E-3D4D-416C-8E66-F898CB17E0F5}"/>
               </a:ext>
             </a:extLst>
           </p:cNvPr>
@@ -18006,7 +17893,7 @@
           <p:cNvPr id="32" name="TextBox 31">
             <a:extLst>
               <a:ext uri="{FF2B5EF4-FFF2-40B4-BE49-F238E27FC236}">
-                <a16:creationId xmlns:a16="http://schemas.microsoft.com/office/drawing/2014/main" xmlns="" id="{DA8E1275-5489-405E-8689-CBBC2527C00C}"/>
+                <a16:creationId xmlns="" xmlns:a16="http://schemas.microsoft.com/office/drawing/2014/main" id="{DA8E1275-5489-405E-8689-CBBC2527C00C}"/>
               </a:ext>
             </a:extLst>
           </p:cNvPr>
@@ -18053,7 +17940,7 @@
           <p:cNvPr id="33" name="TextBox 32">
             <a:extLst>
               <a:ext uri="{FF2B5EF4-FFF2-40B4-BE49-F238E27FC236}">
-                <a16:creationId xmlns:a16="http://schemas.microsoft.com/office/drawing/2014/main" xmlns="" id="{27132537-D9AC-4919-8A6E-B052AD40CF34}"/>
+                <a16:creationId xmlns="" xmlns:a16="http://schemas.microsoft.com/office/drawing/2014/main" id="{27132537-D9AC-4919-8A6E-B052AD40CF34}"/>
               </a:ext>
             </a:extLst>
           </p:cNvPr>
@@ -18091,6 +17978,58 @@
               </a:solidFill>
               <a:latin typeface="+mn-ea"/>
             </a:endParaRPr>
+          </a:p>
+        </p:txBody>
+      </p:sp>
+      <p:sp>
+        <p:nvSpPr>
+          <p:cNvPr id="34" name="직사각형 33">
+            <a:extLst>
+              <a:ext uri="{FF2B5EF4-FFF2-40B4-BE49-F238E27FC236}">
+                <a16:creationId xmlns="" xmlns:a16="http://schemas.microsoft.com/office/drawing/2014/main" id="{76EF8051-9646-4552-BE57-7D95D1538BA2}"/>
+              </a:ext>
+            </a:extLst>
+          </p:cNvPr>
+          <p:cNvSpPr/>
+          <p:nvPr/>
+        </p:nvSpPr>
+        <p:spPr>
+          <a:xfrm>
+            <a:off x="0" y="0"/>
+            <a:ext cx="177800" cy="6858000"/>
+          </a:xfrm>
+          <a:prstGeom prst="rect">
+            <a:avLst/>
+          </a:prstGeom>
+          <a:solidFill>
+            <a:schemeClr val="accent1"/>
+          </a:solidFill>
+          <a:ln>
+            <a:noFill/>
+          </a:ln>
+        </p:spPr>
+        <p:style>
+          <a:lnRef idx="2">
+            <a:schemeClr val="accent1">
+              <a:shade val="50000"/>
+            </a:schemeClr>
+          </a:lnRef>
+          <a:fillRef idx="1">
+            <a:schemeClr val="accent1"/>
+          </a:fillRef>
+          <a:effectRef idx="0">
+            <a:schemeClr val="accent1"/>
+          </a:effectRef>
+          <a:fontRef idx="minor">
+            <a:schemeClr val="lt1"/>
+          </a:fontRef>
+        </p:style>
+        <p:txBody>
+          <a:bodyPr rtlCol="0" anchor="ctr"/>
+          <a:lstStyle/>
+          <a:p>
+            <a:pPr algn="ctr"/>
+            <a:endParaRPr lang="ko-KR" altLang="en-US"/>
           </a:p>
         </p:txBody>
       </p:sp>
@@ -18136,47 +18075,12 @@
           <a:chExt cx="0" cy="0"/>
         </a:xfrm>
       </p:grpSpPr>
-      <p:pic>
-        <p:nvPicPr>
-          <p:cNvPr id="3" name="그림 2" descr="실외, 자연, 물, 해변이(가) 표시된 사진&#10;&#10;자동 생성된 설명">
-            <a:extLst>
-              <a:ext uri="{FF2B5EF4-FFF2-40B4-BE49-F238E27FC236}">
-                <a16:creationId xmlns:a16="http://schemas.microsoft.com/office/drawing/2014/main" xmlns="" id="{EF86BDD0-98BF-4BEF-B4A9-EFA8B57805C9}"/>
-              </a:ext>
-            </a:extLst>
-          </p:cNvPr>
-          <p:cNvPicPr>
-            <a:picLocks noChangeAspect="1"/>
-          </p:cNvPicPr>
-          <p:nvPr/>
-        </p:nvPicPr>
-        <p:blipFill rotWithShape="1">
-          <a:blip r:embed="rId2" cstate="screen">
-            <a:extLst>
-              <a:ext uri="{28A0092B-C50C-407E-A947-70E740481C1C}">
-                <a14:useLocalDpi xmlns:a14="http://schemas.microsoft.com/office/drawing/2010/main" val="0"/>
-              </a:ext>
-            </a:extLst>
-          </a:blip>
-          <a:srcRect/>
-          <a:stretch/>
-        </p:blipFill>
-        <p:spPr>
-          <a:xfrm>
-            <a:off x="0" y="0"/>
-            <a:ext cx="12192000" cy="6858000"/>
-          </a:xfrm>
-          <a:prstGeom prst="rect">
-            <a:avLst/>
-          </a:prstGeom>
-        </p:spPr>
-      </p:pic>
       <p:sp>
         <p:nvSpPr>
           <p:cNvPr id="4" name="직사각형 3">
             <a:extLst>
               <a:ext uri="{FF2B5EF4-FFF2-40B4-BE49-F238E27FC236}">
-                <a16:creationId xmlns:a16="http://schemas.microsoft.com/office/drawing/2014/main" xmlns="" id="{A0FB8B4C-07AF-4C6A-A019-A5544A66D523}"/>
+                <a16:creationId xmlns="" xmlns:a16="http://schemas.microsoft.com/office/drawing/2014/main" id="{A0FB8B4C-07AF-4C6A-A019-A5544A66D523}"/>
               </a:ext>
             </a:extLst>
           </p:cNvPr>
@@ -18186,7 +18090,7 @@
         <p:spPr>
           <a:xfrm>
             <a:off x="0" y="0"/>
-            <a:ext cx="12192000" cy="3429000"/>
+            <a:ext cx="12192000" cy="6858000"/>
           </a:xfrm>
           <a:prstGeom prst="rect">
             <a:avLst/>
@@ -18230,7 +18134,7 @@
           <p:cNvPr id="5" name="TextBox 4">
             <a:extLst>
               <a:ext uri="{FF2B5EF4-FFF2-40B4-BE49-F238E27FC236}">
-                <a16:creationId xmlns:a16="http://schemas.microsoft.com/office/drawing/2014/main" xmlns="" id="{6B679CA0-EDDD-4ACD-9947-D034F34E4F68}"/>
+                <a16:creationId xmlns="" xmlns:a16="http://schemas.microsoft.com/office/drawing/2014/main" id="{6B679CA0-EDDD-4ACD-9947-D034F34E4F68}"/>
               </a:ext>
             </a:extLst>
           </p:cNvPr>
@@ -18239,7 +18143,7 @@
         </p:nvSpPr>
         <p:spPr>
           <a:xfrm>
-            <a:off x="5009805" y="2222212"/>
+            <a:off x="5009805" y="3136612"/>
             <a:ext cx="2172390" cy="584775"/>
           </a:xfrm>
           <a:prstGeom prst="rect">
@@ -18320,7 +18224,7 @@
           <p:cNvPr id="3" name="TextBox 2">
             <a:extLst>
               <a:ext uri="{FF2B5EF4-FFF2-40B4-BE49-F238E27FC236}">
-                <a16:creationId xmlns:a16="http://schemas.microsoft.com/office/drawing/2014/main" xmlns="" id="{91C4265C-0EAD-4FFD-BF99-406D49533C1D}"/>
+                <a16:creationId xmlns="" xmlns:a16="http://schemas.microsoft.com/office/drawing/2014/main" id="{91C4265C-0EAD-4FFD-BF99-406D49533C1D}"/>
               </a:ext>
             </a:extLst>
           </p:cNvPr>
@@ -18361,7 +18265,7 @@
           <p:cNvPr id="4" name="TextBox 3">
             <a:extLst>
               <a:ext uri="{FF2B5EF4-FFF2-40B4-BE49-F238E27FC236}">
-                <a16:creationId xmlns:a16="http://schemas.microsoft.com/office/drawing/2014/main" xmlns="" id="{E251FDC9-B70C-4BC0-8AC7-216B5765985E}"/>
+                <a16:creationId xmlns="" xmlns:a16="http://schemas.microsoft.com/office/drawing/2014/main" id="{E251FDC9-B70C-4BC0-8AC7-216B5765985E}"/>
               </a:ext>
             </a:extLst>
           </p:cNvPr>
@@ -18406,7 +18310,7 @@
           <p:cNvPr id="5" name="양쪽 대괄호 4">
             <a:extLst>
               <a:ext uri="{FF2B5EF4-FFF2-40B4-BE49-F238E27FC236}">
-                <a16:creationId xmlns:a16="http://schemas.microsoft.com/office/drawing/2014/main" xmlns="" id="{7B2CAB3D-75D4-47BA-AA00-C925C76EC1D2}"/>
+                <a16:creationId xmlns="" xmlns:a16="http://schemas.microsoft.com/office/drawing/2014/main" id="{7B2CAB3D-75D4-47BA-AA00-C925C76EC1D2}"/>
               </a:ext>
             </a:extLst>
           </p:cNvPr>
@@ -18509,7 +18413,7 @@
           <p:cNvPr id="5" name="그룹 4">
             <a:extLst>
               <a:ext uri="{FF2B5EF4-FFF2-40B4-BE49-F238E27FC236}">
-                <a16:creationId xmlns:a16="http://schemas.microsoft.com/office/drawing/2014/main" xmlns="" id="{D45281FE-6E37-4513-9DE9-7765CCCBA473}"/>
+                <a16:creationId xmlns="" xmlns:a16="http://schemas.microsoft.com/office/drawing/2014/main" id="{D45281FE-6E37-4513-9DE9-7765CCCBA473}"/>
               </a:ext>
             </a:extLst>
           </p:cNvPr>
@@ -18537,7 +18441,7 @@
             <p:cNvPr id="3" name="사각형: 둥근 모서리 2">
               <a:extLst>
                 <a:ext uri="{FF2B5EF4-FFF2-40B4-BE49-F238E27FC236}">
-                  <a16:creationId xmlns:a16="http://schemas.microsoft.com/office/drawing/2014/main" xmlns="" id="{4D0685E6-5F72-4555-ADDC-0C88687CFAA8}"/>
+                  <a16:creationId xmlns="" xmlns:a16="http://schemas.microsoft.com/office/drawing/2014/main" id="{4D0685E6-5F72-4555-ADDC-0C88687CFAA8}"/>
                 </a:ext>
               </a:extLst>
             </p:cNvPr>
@@ -18582,7 +18486,51 @@
             <a:lstStyle/>
             <a:p>
               <a:pPr algn="ctr"/>
-              <a:endParaRPr lang="ko-KR" altLang="en-US"/>
+              <a:r>
+                <a:rPr lang="ko-KR" altLang="en-US" dirty="0" smtClean="0">
+                  <a:solidFill>
+                    <a:schemeClr val="tx1"/>
+                  </a:solidFill>
+                </a:rPr>
+                <a:t>외국인을 위한</a:t>
+              </a:r>
+              <a:endParaRPr lang="en-US" altLang="ko-KR" dirty="0" smtClean="0">
+                <a:solidFill>
+                  <a:schemeClr val="tx1"/>
+                </a:solidFill>
+              </a:endParaRPr>
+            </a:p>
+            <a:p>
+              <a:pPr algn="ctr"/>
+              <a:r>
+                <a:rPr lang="ko-KR" altLang="en-US" dirty="0" smtClean="0">
+                  <a:solidFill>
+                    <a:schemeClr val="tx1"/>
+                  </a:solidFill>
+                </a:rPr>
+                <a:t>여행 </a:t>
+              </a:r>
+              <a:r>
+                <a:rPr lang="ko-KR" altLang="en-US" dirty="0" err="1" smtClean="0">
+                  <a:solidFill>
+                    <a:schemeClr val="tx1"/>
+                  </a:solidFill>
+                </a:rPr>
+                <a:t>플래너</a:t>
+              </a:r>
+              <a:r>
+                <a:rPr lang="ko-KR" altLang="en-US" dirty="0" smtClean="0">
+                  <a:solidFill>
+                    <a:schemeClr val="tx1"/>
+                  </a:solidFill>
+                </a:rPr>
+                <a:t> 만들기</a:t>
+              </a:r>
+              <a:endParaRPr lang="en-US" altLang="ko-KR" dirty="0" smtClean="0">
+                <a:solidFill>
+                  <a:schemeClr val="tx1"/>
+                </a:solidFill>
+              </a:endParaRPr>
             </a:p>
           </p:txBody>
         </p:sp>
@@ -18591,7 +18539,7 @@
             <p:cNvPr id="4" name="타원 3">
               <a:extLst>
                 <a:ext uri="{FF2B5EF4-FFF2-40B4-BE49-F238E27FC236}">
-                  <a16:creationId xmlns:a16="http://schemas.microsoft.com/office/drawing/2014/main" xmlns="" id="{D6C6BB7E-4130-4CFE-A4F8-632E560B6CC1}"/>
+                  <a16:creationId xmlns="" xmlns:a16="http://schemas.microsoft.com/office/drawing/2014/main" id="{D6C6BB7E-4130-4CFE-A4F8-632E560B6CC1}"/>
                 </a:ext>
               </a:extLst>
             </p:cNvPr>
@@ -18644,7 +18592,7 @@
           <p:cNvPr id="6" name="그룹 5">
             <a:extLst>
               <a:ext uri="{FF2B5EF4-FFF2-40B4-BE49-F238E27FC236}">
-                <a16:creationId xmlns:a16="http://schemas.microsoft.com/office/drawing/2014/main" xmlns="" id="{86912704-77D8-4A11-8CAA-FB1394FC0C44}"/>
+                <a16:creationId xmlns="" xmlns:a16="http://schemas.microsoft.com/office/drawing/2014/main" id="{86912704-77D8-4A11-8CAA-FB1394FC0C44}"/>
               </a:ext>
             </a:extLst>
           </p:cNvPr>
@@ -18672,7 +18620,7 @@
             <p:cNvPr id="7" name="사각형: 둥근 모서리 6">
               <a:extLst>
                 <a:ext uri="{FF2B5EF4-FFF2-40B4-BE49-F238E27FC236}">
-                  <a16:creationId xmlns:a16="http://schemas.microsoft.com/office/drawing/2014/main" xmlns="" id="{17C13203-193C-481A-BAE3-B75D285823E5}"/>
+                  <a16:creationId xmlns="" xmlns:a16="http://schemas.microsoft.com/office/drawing/2014/main" id="{17C13203-193C-481A-BAE3-B75D285823E5}"/>
                 </a:ext>
               </a:extLst>
             </p:cNvPr>
@@ -18717,7 +18665,59 @@
             <a:lstStyle/>
             <a:p>
               <a:pPr algn="ctr"/>
-              <a:endParaRPr lang="ko-KR" altLang="en-US"/>
+              <a:r>
+                <a:rPr lang="ko-KR" altLang="en-US" dirty="0" smtClean="0">
+                  <a:solidFill>
+                    <a:schemeClr val="tx1"/>
+                  </a:solidFill>
+                </a:rPr>
+                <a:t>다양한 </a:t>
+              </a:r>
+              <a:r>
+                <a:rPr lang="ko-KR" altLang="en-US" dirty="0" err="1" smtClean="0">
+                  <a:solidFill>
+                    <a:schemeClr val="tx1"/>
+                  </a:solidFill>
+                </a:rPr>
+                <a:t>콘텐츠</a:t>
+              </a:r>
+              <a:endParaRPr lang="en-US" altLang="ko-KR" dirty="0">
+                <a:solidFill>
+                  <a:schemeClr val="tx1"/>
+                </a:solidFill>
+              </a:endParaRPr>
+            </a:p>
+            <a:p>
+              <a:pPr algn="ctr"/>
+              <a:r>
+                <a:rPr lang="ko-KR" altLang="en-US" dirty="0" smtClean="0">
+                  <a:solidFill>
+                    <a:schemeClr val="tx1"/>
+                  </a:solidFill>
+                </a:rPr>
+                <a:t>정보 제공</a:t>
+              </a:r>
+              <a:r>
+                <a:rPr lang="en-US" altLang="ko-KR" dirty="0">
+                  <a:solidFill>
+                    <a:schemeClr val="tx1"/>
+                  </a:solidFill>
+                </a:rPr>
+                <a:t> </a:t>
+              </a:r>
+              <a:r>
+                <a:rPr lang="ko-KR" altLang="en-US" dirty="0" smtClean="0">
+                  <a:solidFill>
+                    <a:schemeClr val="tx1"/>
+                  </a:solidFill>
+                </a:rPr>
+                <a:t>및 공유</a:t>
+              </a:r>
+              <a:endParaRPr lang="en-US" altLang="ko-KR" dirty="0" smtClean="0">
+                <a:solidFill>
+                  <a:schemeClr val="tx1"/>
+                </a:solidFill>
+              </a:endParaRPr>
             </a:p>
           </p:txBody>
         </p:sp>
@@ -18726,7 +18726,7 @@
             <p:cNvPr id="8" name="타원 7">
               <a:extLst>
                 <a:ext uri="{FF2B5EF4-FFF2-40B4-BE49-F238E27FC236}">
-                  <a16:creationId xmlns:a16="http://schemas.microsoft.com/office/drawing/2014/main" xmlns="" id="{48697A2A-622C-496B-968C-C32B6788DCEB}"/>
+                  <a16:creationId xmlns="" xmlns:a16="http://schemas.microsoft.com/office/drawing/2014/main" id="{48697A2A-622C-496B-968C-C32B6788DCEB}"/>
                 </a:ext>
               </a:extLst>
             </p:cNvPr>
@@ -18779,7 +18779,7 @@
           <p:cNvPr id="9" name="그룹 8">
             <a:extLst>
               <a:ext uri="{FF2B5EF4-FFF2-40B4-BE49-F238E27FC236}">
-                <a16:creationId xmlns:a16="http://schemas.microsoft.com/office/drawing/2014/main" xmlns="" id="{7332CC8F-1964-4AC6-BED2-2BEEF7E019DE}"/>
+                <a16:creationId xmlns="" xmlns:a16="http://schemas.microsoft.com/office/drawing/2014/main" id="{7332CC8F-1964-4AC6-BED2-2BEEF7E019DE}"/>
               </a:ext>
             </a:extLst>
           </p:cNvPr>
@@ -18807,7 +18807,7 @@
             <p:cNvPr id="10" name="사각형: 둥근 모서리 9">
               <a:extLst>
                 <a:ext uri="{FF2B5EF4-FFF2-40B4-BE49-F238E27FC236}">
-                  <a16:creationId xmlns:a16="http://schemas.microsoft.com/office/drawing/2014/main" xmlns="" id="{140F7089-0D5E-42BD-A32C-5E0EFB147975}"/>
+                  <a16:creationId xmlns="" xmlns:a16="http://schemas.microsoft.com/office/drawing/2014/main" id="{140F7089-0D5E-42BD-A32C-5E0EFB147975}"/>
                 </a:ext>
               </a:extLst>
             </p:cNvPr>
@@ -18852,7 +18852,51 @@
             <a:lstStyle/>
             <a:p>
               <a:pPr algn="ctr"/>
-              <a:endParaRPr lang="ko-KR" altLang="en-US"/>
+              <a:r>
+                <a:rPr lang="ko-KR" altLang="en-US" dirty="0" smtClean="0">
+                  <a:solidFill>
+                    <a:schemeClr val="tx1"/>
+                  </a:solidFill>
+                </a:rPr>
+                <a:t>통계 자료 제공으로</a:t>
+              </a:r>
+              <a:endParaRPr lang="en-US" altLang="ko-KR" dirty="0" smtClean="0">
+                <a:solidFill>
+                  <a:schemeClr val="tx1"/>
+                </a:solidFill>
+              </a:endParaRPr>
+            </a:p>
+            <a:p>
+              <a:pPr algn="ctr"/>
+              <a:r>
+                <a:rPr lang="ko-KR" altLang="en-US" dirty="0" smtClean="0">
+                  <a:solidFill>
+                    <a:schemeClr val="tx1"/>
+                  </a:solidFill>
+                </a:rPr>
+                <a:t>쉬운 </a:t>
+              </a:r>
+              <a:r>
+                <a:rPr lang="ko-KR" altLang="en-US" dirty="0" err="1" smtClean="0">
+                  <a:solidFill>
+                    <a:schemeClr val="tx1"/>
+                  </a:solidFill>
+                </a:rPr>
+                <a:t>플래너</a:t>
+              </a:r>
+              <a:r>
+                <a:rPr lang="ko-KR" altLang="en-US" dirty="0" smtClean="0">
+                  <a:solidFill>
+                    <a:schemeClr val="tx1"/>
+                  </a:solidFill>
+                </a:rPr>
+                <a:t> 작성</a:t>
+              </a:r>
+              <a:endParaRPr lang="en-US" altLang="ko-KR" dirty="0" smtClean="0">
+                <a:solidFill>
+                  <a:schemeClr val="tx1"/>
+                </a:solidFill>
+              </a:endParaRPr>
             </a:p>
           </p:txBody>
         </p:sp>
@@ -18861,7 +18905,7 @@
             <p:cNvPr id="11" name="타원 10">
               <a:extLst>
                 <a:ext uri="{FF2B5EF4-FFF2-40B4-BE49-F238E27FC236}">
-                  <a16:creationId xmlns:a16="http://schemas.microsoft.com/office/drawing/2014/main" xmlns="" id="{B5A84B39-BBFE-484F-8CBA-7CD6FEFFCDC9}"/>
+                  <a16:creationId xmlns="" xmlns:a16="http://schemas.microsoft.com/office/drawing/2014/main" id="{B5A84B39-BBFE-484F-8CBA-7CD6FEFFCDC9}"/>
                 </a:ext>
               </a:extLst>
             </p:cNvPr>
@@ -18914,7 +18958,7 @@
           <p:cNvPr id="16" name="TextBox 15">
             <a:extLst>
               <a:ext uri="{FF2B5EF4-FFF2-40B4-BE49-F238E27FC236}">
-                <a16:creationId xmlns:a16="http://schemas.microsoft.com/office/drawing/2014/main" xmlns="" id="{7FFA9BC9-96FB-4B17-AF51-48D81692F2D7}"/>
+                <a16:creationId xmlns="" xmlns:a16="http://schemas.microsoft.com/office/drawing/2014/main" id="{7FFA9BC9-96FB-4B17-AF51-48D81692F2D7}"/>
               </a:ext>
             </a:extLst>
           </p:cNvPr>
@@ -19008,7 +19052,7 @@
           <p:cNvPr id="2" name="직사각형 1">
             <a:extLst>
               <a:ext uri="{FF2B5EF4-FFF2-40B4-BE49-F238E27FC236}">
-                <a16:creationId xmlns:a16="http://schemas.microsoft.com/office/drawing/2014/main" xmlns="" id="{FCBB0498-13C3-48CC-9BFE-7243BE8082B0}"/>
+                <a16:creationId xmlns="" xmlns:a16="http://schemas.microsoft.com/office/drawing/2014/main" id="{FCBB0498-13C3-48CC-9BFE-7243BE8082B0}"/>
               </a:ext>
             </a:extLst>
           </p:cNvPr>
@@ -19060,7 +19104,7 @@
           <p:cNvPr id="3" name="TextBox 2">
             <a:extLst>
               <a:ext uri="{FF2B5EF4-FFF2-40B4-BE49-F238E27FC236}">
-                <a16:creationId xmlns:a16="http://schemas.microsoft.com/office/drawing/2014/main" xmlns="" id="{90C0895B-7B4E-4FB6-95D6-6192E6C6C6FE}"/>
+                <a16:creationId xmlns="" xmlns:a16="http://schemas.microsoft.com/office/drawing/2014/main" id="{90C0895B-7B4E-4FB6-95D6-6192E6C6C6FE}"/>
               </a:ext>
             </a:extLst>
           </p:cNvPr>
@@ -19101,7 +19145,7 @@
           <p:cNvPr id="4" name="TextBox 3">
             <a:extLst>
               <a:ext uri="{FF2B5EF4-FFF2-40B4-BE49-F238E27FC236}">
-                <a16:creationId xmlns:a16="http://schemas.microsoft.com/office/drawing/2014/main" xmlns="" id="{1EF51587-4B82-43A7-8A06-3BA5E76F90F4}"/>
+                <a16:creationId xmlns="" xmlns:a16="http://schemas.microsoft.com/office/drawing/2014/main" id="{1EF51587-4B82-43A7-8A06-3BA5E76F90F4}"/>
               </a:ext>
             </a:extLst>
           </p:cNvPr>
@@ -19188,7 +19232,7 @@
           <p:cNvPr id="4" name="직선 연결선 3">
             <a:extLst>
               <a:ext uri="{FF2B5EF4-FFF2-40B4-BE49-F238E27FC236}">
-                <a16:creationId xmlns:a16="http://schemas.microsoft.com/office/drawing/2014/main" xmlns="" id="{9A8E474A-6ECB-442D-8A42-7881F4DFBB2A}"/>
+                <a16:creationId xmlns="" xmlns:a16="http://schemas.microsoft.com/office/drawing/2014/main" id="{9A8E474A-6ECB-442D-8A42-7881F4DFBB2A}"/>
               </a:ext>
             </a:extLst>
           </p:cNvPr>
@@ -19231,7 +19275,7 @@
           <p:cNvPr id="5" name="직사각형 4">
             <a:extLst>
               <a:ext uri="{FF2B5EF4-FFF2-40B4-BE49-F238E27FC236}">
-                <a16:creationId xmlns:a16="http://schemas.microsoft.com/office/drawing/2014/main" xmlns="" id="{76EF8051-9646-4552-BE57-7D95D1538BA2}"/>
+                <a16:creationId xmlns="" xmlns:a16="http://schemas.microsoft.com/office/drawing/2014/main" id="{76EF8051-9646-4552-BE57-7D95D1538BA2}"/>
               </a:ext>
             </a:extLst>
           </p:cNvPr>
@@ -19283,7 +19327,7 @@
           <p:cNvPr id="9" name="TextBox 8">
             <a:extLst>
               <a:ext uri="{FF2B5EF4-FFF2-40B4-BE49-F238E27FC236}">
-                <a16:creationId xmlns:a16="http://schemas.microsoft.com/office/drawing/2014/main" xmlns="" id="{7FFA9BC9-96FB-4B17-AF51-48D81692F2D7}"/>
+                <a16:creationId xmlns="" xmlns:a16="http://schemas.microsoft.com/office/drawing/2014/main" id="{7FFA9BC9-96FB-4B17-AF51-48D81692F2D7}"/>
               </a:ext>
             </a:extLst>
           </p:cNvPr>
@@ -19319,7 +19363,6 @@
               <a:rPr lang="ko-KR" altLang="en-US" sz="3200" spc="-300" dirty="0"/>
               <a:t> 모델링</a:t>
             </a:r>
-            <a:endParaRPr lang="ko-KR" altLang="en-US" sz="3200" spc="-300" dirty="0"/>
           </a:p>
         </p:txBody>
       </p:sp>
@@ -19400,7 +19443,7 @@
           <p:cNvPr id="4" name="직선 연결선 3">
             <a:extLst>
               <a:ext uri="{FF2B5EF4-FFF2-40B4-BE49-F238E27FC236}">
-                <a16:creationId xmlns:a16="http://schemas.microsoft.com/office/drawing/2014/main" xmlns="" id="{9A8E474A-6ECB-442D-8A42-7881F4DFBB2A}"/>
+                <a16:creationId xmlns="" xmlns:a16="http://schemas.microsoft.com/office/drawing/2014/main" id="{9A8E474A-6ECB-442D-8A42-7881F4DFBB2A}"/>
               </a:ext>
             </a:extLst>
           </p:cNvPr>
@@ -19443,7 +19486,7 @@
           <p:cNvPr id="5" name="직사각형 4">
             <a:extLst>
               <a:ext uri="{FF2B5EF4-FFF2-40B4-BE49-F238E27FC236}">
-                <a16:creationId xmlns:a16="http://schemas.microsoft.com/office/drawing/2014/main" xmlns="" id="{76EF8051-9646-4552-BE57-7D95D1538BA2}"/>
+                <a16:creationId xmlns="" xmlns:a16="http://schemas.microsoft.com/office/drawing/2014/main" id="{76EF8051-9646-4552-BE57-7D95D1538BA2}"/>
               </a:ext>
             </a:extLst>
           </p:cNvPr>
@@ -19495,7 +19538,7 @@
           <p:cNvPr id="9" name="TextBox 8">
             <a:extLst>
               <a:ext uri="{FF2B5EF4-FFF2-40B4-BE49-F238E27FC236}">
-                <a16:creationId xmlns:a16="http://schemas.microsoft.com/office/drawing/2014/main" xmlns="" id="{7FFA9BC9-96FB-4B17-AF51-48D81692F2D7}"/>
+                <a16:creationId xmlns="" xmlns:a16="http://schemas.microsoft.com/office/drawing/2014/main" id="{7FFA9BC9-96FB-4B17-AF51-48D81692F2D7}"/>
               </a:ext>
             </a:extLst>
           </p:cNvPr>
@@ -19531,7 +19574,6 @@
               <a:rPr lang="ko-KR" altLang="en-US" sz="3200" spc="-300" dirty="0"/>
               <a:t> 모델링</a:t>
             </a:r>
-            <a:endParaRPr lang="ko-KR" altLang="en-US" sz="3200" spc="-300" dirty="0"/>
           </a:p>
         </p:txBody>
       </p:sp>
@@ -22567,7 +22609,7 @@
           <p:cNvPr id="4" name="직선 연결선 3">
             <a:extLst>
               <a:ext uri="{FF2B5EF4-FFF2-40B4-BE49-F238E27FC236}">
-                <a16:creationId xmlns:a16="http://schemas.microsoft.com/office/drawing/2014/main" xmlns="" id="{9A8E474A-6ECB-442D-8A42-7881F4DFBB2A}"/>
+                <a16:creationId xmlns="" xmlns:a16="http://schemas.microsoft.com/office/drawing/2014/main" id="{9A8E474A-6ECB-442D-8A42-7881F4DFBB2A}"/>
               </a:ext>
             </a:extLst>
           </p:cNvPr>
@@ -22610,7 +22652,7 @@
           <p:cNvPr id="5" name="직사각형 4">
             <a:extLst>
               <a:ext uri="{FF2B5EF4-FFF2-40B4-BE49-F238E27FC236}">
-                <a16:creationId xmlns:a16="http://schemas.microsoft.com/office/drawing/2014/main" xmlns="" id="{76EF8051-9646-4552-BE57-7D95D1538BA2}"/>
+                <a16:creationId xmlns="" xmlns:a16="http://schemas.microsoft.com/office/drawing/2014/main" id="{76EF8051-9646-4552-BE57-7D95D1538BA2}"/>
               </a:ext>
             </a:extLst>
           </p:cNvPr>
@@ -22662,7 +22704,7 @@
           <p:cNvPr id="9" name="TextBox 8">
             <a:extLst>
               <a:ext uri="{FF2B5EF4-FFF2-40B4-BE49-F238E27FC236}">
-                <a16:creationId xmlns:a16="http://schemas.microsoft.com/office/drawing/2014/main" xmlns="" id="{7FFA9BC9-96FB-4B17-AF51-48D81692F2D7}"/>
+                <a16:creationId xmlns="" xmlns:a16="http://schemas.microsoft.com/office/drawing/2014/main" id="{7FFA9BC9-96FB-4B17-AF51-48D81692F2D7}"/>
               </a:ext>
             </a:extLst>
           </p:cNvPr>
@@ -22698,7 +22740,6 @@
               <a:rPr lang="ko-KR" altLang="en-US" sz="3200" spc="-300" dirty="0"/>
               <a:t> 모델링</a:t>
             </a:r>
-            <a:endParaRPr lang="ko-KR" altLang="en-US" sz="3200" spc="-300" dirty="0"/>
           </a:p>
         </p:txBody>
       </p:sp>
@@ -28227,7 +28268,7 @@
           <p:cNvPr id="4" name="직선 연결선 3">
             <a:extLst>
               <a:ext uri="{FF2B5EF4-FFF2-40B4-BE49-F238E27FC236}">
-                <a16:creationId xmlns:a16="http://schemas.microsoft.com/office/drawing/2014/main" xmlns="" id="{9A8E474A-6ECB-442D-8A42-7881F4DFBB2A}"/>
+                <a16:creationId xmlns="" xmlns:a16="http://schemas.microsoft.com/office/drawing/2014/main" id="{9A8E474A-6ECB-442D-8A42-7881F4DFBB2A}"/>
               </a:ext>
             </a:extLst>
           </p:cNvPr>
@@ -28270,7 +28311,7 @@
           <p:cNvPr id="5" name="직사각형 4">
             <a:extLst>
               <a:ext uri="{FF2B5EF4-FFF2-40B4-BE49-F238E27FC236}">
-                <a16:creationId xmlns:a16="http://schemas.microsoft.com/office/drawing/2014/main" xmlns="" id="{76EF8051-9646-4552-BE57-7D95D1538BA2}"/>
+                <a16:creationId xmlns="" xmlns:a16="http://schemas.microsoft.com/office/drawing/2014/main" id="{76EF8051-9646-4552-BE57-7D95D1538BA2}"/>
               </a:ext>
             </a:extLst>
           </p:cNvPr>
@@ -28322,7 +28363,7 @@
           <p:cNvPr id="9" name="TextBox 8">
             <a:extLst>
               <a:ext uri="{FF2B5EF4-FFF2-40B4-BE49-F238E27FC236}">
-                <a16:creationId xmlns:a16="http://schemas.microsoft.com/office/drawing/2014/main" xmlns="" id="{7FFA9BC9-96FB-4B17-AF51-48D81692F2D7}"/>
+                <a16:creationId xmlns="" xmlns:a16="http://schemas.microsoft.com/office/drawing/2014/main" id="{7FFA9BC9-96FB-4B17-AF51-48D81692F2D7}"/>
               </a:ext>
             </a:extLst>
           </p:cNvPr>
@@ -28358,7 +28399,6 @@
               <a:rPr lang="ko-KR" altLang="en-US" sz="3200" spc="-300" dirty="0"/>
               <a:t> 모델링</a:t>
             </a:r>
-            <a:endParaRPr lang="ko-KR" altLang="en-US" sz="3200" spc="-300" dirty="0"/>
           </a:p>
         </p:txBody>
       </p:sp>
@@ -30853,7 +30893,7 @@
   <a:extraClrSchemeLst/>
   <a:extLst>
     <a:ext uri="{05A4C25C-085E-4340-85A3-A5531E510DB2}">
-      <thm15:themeFamily xmlns:thm15="http://schemas.microsoft.com/office/thememl/2012/main" xmlns="" name="Office Theme" id="{62F939B6-93AF-4DB8-9C6B-D6C7DFDC589F}" vid="{4A3C46E8-61CC-4603-A589-7422A47A8E4A}"/>
+      <thm15:themeFamily xmlns="" xmlns:thm15="http://schemas.microsoft.com/office/thememl/2012/main" name="Office Theme" id="{62F939B6-93AF-4DB8-9C6B-D6C7DFDC589F}" vid="{4A3C46E8-61CC-4603-A589-7422A47A8E4A}"/>
     </a:ext>
   </a:extLst>
 </a:theme>

--- a/Projectpp.pptx
+++ b/Projectpp.pptx
@@ -19,12 +19,13 @@
     <p:sldId id="310" r:id="rId13"/>
     <p:sldId id="278" r:id="rId14"/>
     <p:sldId id="311" r:id="rId15"/>
-    <p:sldId id="256" r:id="rId16"/>
-    <p:sldId id="257" r:id="rId17"/>
-    <p:sldId id="260" r:id="rId18"/>
-    <p:sldId id="259" r:id="rId19"/>
-    <p:sldId id="265" r:id="rId20"/>
-    <p:sldId id="266" r:id="rId21"/>
+    <p:sldId id="313" r:id="rId16"/>
+    <p:sldId id="312" r:id="rId17"/>
+    <p:sldId id="256" r:id="rId18"/>
+    <p:sldId id="257" r:id="rId19"/>
+    <p:sldId id="315" r:id="rId20"/>
+    <p:sldId id="316" r:id="rId21"/>
+    <p:sldId id="266" r:id="rId22"/>
   </p:sldIdLst>
   <p:sldSz cx="12192000" cy="6858000"/>
   <p:notesSz cx="6858000" cy="9144000"/>
@@ -14521,47 +14522,6 @@
       </p:sp>
       <p:sp>
         <p:nvSpPr>
-          <p:cNvPr id="3" name="TextBox 2">
-            <a:extLst>
-              <a:ext uri="{FF2B5EF4-FFF2-40B4-BE49-F238E27FC236}">
-                <a16:creationId xmlns="" xmlns:a16="http://schemas.microsoft.com/office/drawing/2014/main" id="{90C0895B-7B4E-4FB6-95D6-6192E6C6C6FE}"/>
-              </a:ext>
-            </a:extLst>
-          </p:cNvPr>
-          <p:cNvSpPr txBox="1"/>
-          <p:nvPr/>
-        </p:nvSpPr>
-        <p:spPr>
-          <a:xfrm>
-            <a:off x="4640200" y="2021840"/>
-            <a:ext cx="2967479" cy="369332"/>
-          </a:xfrm>
-          <a:prstGeom prst="rect">
-            <a:avLst/>
-          </a:prstGeom>
-          <a:noFill/>
-        </p:spPr>
-        <p:txBody>
-          <a:bodyPr wrap="none" rtlCol="0">
-            <a:spAutoFit/>
-          </a:bodyPr>
-          <a:lstStyle/>
-          <a:p>
-            <a:pPr algn="ctr"/>
-            <a:r>
-              <a:rPr lang="ko-KR" altLang="en-US" dirty="0"/>
-              <a:t>어디에 중점을 두실 건가요</a:t>
-            </a:r>
-            <a:r>
-              <a:rPr lang="en-US" altLang="ko-KR" dirty="0"/>
-              <a:t>?</a:t>
-            </a:r>
-            <a:endParaRPr lang="ko-KR" altLang="en-US" dirty="0"/>
-          </a:p>
-        </p:txBody>
-      </p:sp>
-      <p:sp>
-        <p:nvSpPr>
           <p:cNvPr id="4" name="TextBox 3">
             <a:extLst>
               <a:ext uri="{FF2B5EF4-FFF2-40B4-BE49-F238E27FC236}">
@@ -14643,6 +14603,70 @@
           <a:chExt cx="0" cy="0"/>
         </a:xfrm>
       </p:grpSpPr>
+      <p:pic>
+        <p:nvPicPr>
+          <p:cNvPr id="1026" name="Picture 2"/>
+          <p:cNvPicPr>
+            <a:picLocks noChangeAspect="1" noChangeArrowheads="1"/>
+          </p:cNvPicPr>
+          <p:nvPr/>
+        </p:nvPicPr>
+        <p:blipFill>
+          <a:blip r:embed="rId2">
+            <a:extLst>
+              <a:ext uri="{28A0092B-C50C-407E-A947-70E740481C1C}">
+                <a14:useLocalDpi xmlns:a14="http://schemas.microsoft.com/office/drawing/2010/main" val="0"/>
+              </a:ext>
+            </a:extLst>
+          </a:blip>
+          <a:srcRect/>
+          <a:stretch>
+            <a:fillRect/>
+          </a:stretch>
+        </p:blipFill>
+        <p:spPr bwMode="auto">
+          <a:xfrm>
+            <a:off x="329608" y="904876"/>
+            <a:ext cx="11786191" cy="5886450"/>
+          </a:xfrm>
+          <a:prstGeom prst="rect">
+            <a:avLst/>
+          </a:prstGeom>
+          <a:noFill/>
+          <a:ln>
+            <a:noFill/>
+          </a:ln>
+          <a:effectLst/>
+          <a:extLst>
+            <a:ext uri="{909E8E84-426E-40DD-AFC4-6F175D3DCCD1}">
+              <a14:hiddenFill xmlns:a14="http://schemas.microsoft.com/office/drawing/2010/main">
+                <a:solidFill>
+                  <a:schemeClr val="accent1"/>
+                </a:solidFill>
+              </a14:hiddenFill>
+            </a:ext>
+            <a:ext uri="{91240B29-F687-4F45-9708-019B960494DF}">
+              <a14:hiddenLine xmlns:a14="http://schemas.microsoft.com/office/drawing/2010/main" w="9525">
+                <a:solidFill>
+                  <a:schemeClr val="tx1"/>
+                </a:solidFill>
+                <a:miter lim="800000"/>
+                <a:headEnd/>
+                <a:tailEnd/>
+              </a14:hiddenLine>
+            </a:ext>
+            <a:ext uri="{AF507438-7753-43E0-B8FC-AC1667EBCBE1}">
+              <a14:hiddenEffects xmlns:a14="http://schemas.microsoft.com/office/drawing/2010/main">
+                <a:effectLst>
+                  <a:outerShdw dist="35921" dir="2700000" algn="ctr" rotWithShape="0">
+                    <a:schemeClr val="bg2"/>
+                  </a:outerShdw>
+                </a:effectLst>
+              </a14:hiddenEffects>
+            </a:ext>
+          </a:extLst>
+        </p:spPr>
+      </p:pic>
       <p:cxnSp>
         <p:nvCxnSpPr>
           <p:cNvPr id="4" name="직선 연결선 3">
@@ -14799,70 +14823,6 @@
           </a:p>
         </p:txBody>
       </p:sp>
-      <p:pic>
-        <p:nvPicPr>
-          <p:cNvPr id="10243" name="Picture 3"/>
-          <p:cNvPicPr>
-            <a:picLocks noChangeAspect="1" noChangeArrowheads="1"/>
-          </p:cNvPicPr>
-          <p:nvPr/>
-        </p:nvPicPr>
-        <p:blipFill>
-          <a:blip r:embed="rId2">
-            <a:extLst>
-              <a:ext uri="{28A0092B-C50C-407E-A947-70E740481C1C}">
-                <a14:useLocalDpi xmlns:a14="http://schemas.microsoft.com/office/drawing/2010/main" val="0"/>
-              </a:ext>
-            </a:extLst>
-          </a:blip>
-          <a:srcRect/>
-          <a:stretch>
-            <a:fillRect/>
-          </a:stretch>
-        </p:blipFill>
-        <p:spPr bwMode="auto">
-          <a:xfrm>
-            <a:off x="329610" y="975125"/>
-            <a:ext cx="8435975" cy="5157788"/>
-          </a:xfrm>
-          <a:prstGeom prst="rect">
-            <a:avLst/>
-          </a:prstGeom>
-          <a:noFill/>
-          <a:ln>
-            <a:noFill/>
-          </a:ln>
-          <a:effectLst/>
-          <a:extLst>
-            <a:ext uri="{909E8E84-426E-40DD-AFC4-6F175D3DCCD1}">
-              <a14:hiddenFill xmlns:a14="http://schemas.microsoft.com/office/drawing/2010/main">
-                <a:solidFill>
-                  <a:schemeClr val="accent1"/>
-                </a:solidFill>
-              </a14:hiddenFill>
-            </a:ext>
-            <a:ext uri="{91240B29-F687-4F45-9708-019B960494DF}">
-              <a14:hiddenLine xmlns:a14="http://schemas.microsoft.com/office/drawing/2010/main" w="9525">
-                <a:solidFill>
-                  <a:schemeClr val="tx1"/>
-                </a:solidFill>
-                <a:miter lim="800000"/>
-                <a:headEnd/>
-                <a:tailEnd/>
-              </a14:hiddenLine>
-            </a:ext>
-            <a:ext uri="{AF507438-7753-43E0-B8FC-AC1667EBCBE1}">
-              <a14:hiddenEffects xmlns:a14="http://schemas.microsoft.com/office/drawing/2010/main">
-                <a:effectLst>
-                  <a:outerShdw dist="35921" dir="2700000" algn="ctr" rotWithShape="0">
-                    <a:schemeClr val="bg2"/>
-                  </a:outerShdw>
-                </a:effectLst>
-              </a14:hiddenEffects>
-            </a:ext>
-          </a:extLst>
-        </p:spPr>
-      </p:pic>
     </p:spTree>
     <p:extLst>
       <p:ext uri="{BB962C8B-B14F-4D97-AF65-F5344CB8AC3E}">
@@ -14967,47 +14927,6 @@
       </p:sp>
       <p:sp>
         <p:nvSpPr>
-          <p:cNvPr id="3" name="TextBox 2">
-            <a:extLst>
-              <a:ext uri="{FF2B5EF4-FFF2-40B4-BE49-F238E27FC236}">
-                <a16:creationId xmlns="" xmlns:a16="http://schemas.microsoft.com/office/drawing/2014/main" id="{90C0895B-7B4E-4FB6-95D6-6192E6C6C6FE}"/>
-              </a:ext>
-            </a:extLst>
-          </p:cNvPr>
-          <p:cNvSpPr txBox="1"/>
-          <p:nvPr/>
-        </p:nvSpPr>
-        <p:spPr>
-          <a:xfrm>
-            <a:off x="4640200" y="2021840"/>
-            <a:ext cx="2967479" cy="369332"/>
-          </a:xfrm>
-          <a:prstGeom prst="rect">
-            <a:avLst/>
-          </a:prstGeom>
-          <a:noFill/>
-        </p:spPr>
-        <p:txBody>
-          <a:bodyPr wrap="none" rtlCol="0">
-            <a:spAutoFit/>
-          </a:bodyPr>
-          <a:lstStyle/>
-          <a:p>
-            <a:pPr algn="ctr"/>
-            <a:r>
-              <a:rPr lang="ko-KR" altLang="en-US" dirty="0"/>
-              <a:t>어디에 중점을 두실 건가요</a:t>
-            </a:r>
-            <a:r>
-              <a:rPr lang="en-US" altLang="ko-KR" dirty="0"/>
-              <a:t>?</a:t>
-            </a:r>
-            <a:endParaRPr lang="ko-KR" altLang="en-US" dirty="0"/>
-          </a:p>
-        </p:txBody>
-      </p:sp>
-      <p:sp>
-        <p:nvSpPr>
           <p:cNvPr id="4" name="TextBox 3">
             <a:extLst>
               <a:ext uri="{FF2B5EF4-FFF2-40B4-BE49-F238E27FC236}">
@@ -15065,10 +14984,1033 @@
       </p:transition>
     </mc:Fallback>
   </mc:AlternateContent>
+  <p:timing>
+    <p:tnLst>
+      <p:par>
+        <p:cTn id="1" dur="indefinite" restart="never" nodeType="tmRoot"/>
+      </p:par>
+    </p:tnLst>
+  </p:timing>
 </p:sld>
 </file>
 
 <file path=ppt/slides/slide15.xml><?xml version="1.0" encoding="utf-8"?>
+<p:sld xmlns:a="http://schemas.openxmlformats.org/drawingml/2006/main" xmlns:r="http://schemas.openxmlformats.org/officeDocument/2006/relationships" xmlns:p="http://schemas.openxmlformats.org/presentationml/2006/main">
+  <p:cSld>
+    <p:spTree>
+      <p:nvGrpSpPr>
+        <p:cNvPr id="1" name=""/>
+        <p:cNvGrpSpPr/>
+        <p:nvPr/>
+      </p:nvGrpSpPr>
+      <p:grpSpPr>
+        <a:xfrm>
+          <a:off x="0" y="0"/>
+          <a:ext cx="0" cy="0"/>
+          <a:chOff x="0" y="0"/>
+          <a:chExt cx="0" cy="0"/>
+        </a:xfrm>
+      </p:grpSpPr>
+      <p:pic>
+        <p:nvPicPr>
+          <p:cNvPr id="3" name="그림 2" descr="컵, 앉아있는, 작은, 침대이(가) 표시된 사진&#10;&#10;자동 생성된 설명">
+            <a:extLst>
+              <a:ext uri="{FF2B5EF4-FFF2-40B4-BE49-F238E27FC236}">
+                <a16:creationId xmlns="" xmlns:a16="http://schemas.microsoft.com/office/drawing/2014/main" id="{119B61DF-DD71-477E-9BF0-42F785F6B370}"/>
+              </a:ext>
+            </a:extLst>
+          </p:cNvPr>
+          <p:cNvPicPr>
+            <a:picLocks noChangeAspect="1"/>
+          </p:cNvPicPr>
+          <p:nvPr/>
+        </p:nvPicPr>
+        <p:blipFill rotWithShape="1">
+          <a:blip r:embed="rId2" cstate="screen">
+            <a:extLst>
+              <a:ext uri="{28A0092B-C50C-407E-A947-70E740481C1C}">
+                <a14:useLocalDpi xmlns:a14="http://schemas.microsoft.com/office/drawing/2010/main" val="0"/>
+              </a:ext>
+            </a:extLst>
+          </a:blip>
+          <a:srcRect/>
+          <a:stretch/>
+        </p:blipFill>
+        <p:spPr>
+          <a:xfrm>
+            <a:off x="0" y="0"/>
+            <a:ext cx="6096000" cy="6858000"/>
+          </a:xfrm>
+          <a:prstGeom prst="rect">
+            <a:avLst/>
+          </a:prstGeom>
+        </p:spPr>
+      </p:pic>
+      <p:sp>
+        <p:nvSpPr>
+          <p:cNvPr id="5" name="TextBox 4">
+            <a:extLst>
+              <a:ext uri="{FF2B5EF4-FFF2-40B4-BE49-F238E27FC236}">
+                <a16:creationId xmlns="" xmlns:a16="http://schemas.microsoft.com/office/drawing/2014/main" id="{676ADFEC-BB58-4D70-9FD2-B61721B1938A}"/>
+              </a:ext>
+            </a:extLst>
+          </p:cNvPr>
+          <p:cNvSpPr txBox="1"/>
+          <p:nvPr/>
+        </p:nvSpPr>
+        <p:spPr>
+          <a:xfrm>
+            <a:off x="6514895" y="3583489"/>
+            <a:ext cx="5270520" cy="2144754"/>
+          </a:xfrm>
+          <a:prstGeom prst="rect">
+            <a:avLst/>
+          </a:prstGeom>
+          <a:noFill/>
+        </p:spPr>
+        <p:txBody>
+          <a:bodyPr wrap="square" rtlCol="0" anchor="t">
+            <a:spAutoFit/>
+          </a:bodyPr>
+          <a:lstStyle/>
+          <a:p>
+            <a:pPr algn="just">
+              <a:lnSpc>
+                <a:spcPct val="120000"/>
+              </a:lnSpc>
+            </a:pPr>
+            <a:r>
+              <a:rPr lang="ko-KR" altLang="en-US" sz="1600" spc="-150" dirty="0">
+                <a:latin typeface="+mn-ea"/>
+              </a:rPr>
+              <a:t>그리워 멀리 하나에 이름과</a:t>
+            </a:r>
+            <a:r>
+              <a:rPr lang="en-US" altLang="ko-KR" sz="1600" spc="-150" dirty="0">
+                <a:latin typeface="+mn-ea"/>
+              </a:rPr>
+              <a:t>, </a:t>
+            </a:r>
+            <a:r>
+              <a:rPr lang="ko-KR" altLang="en-US" sz="1600" spc="-150" dirty="0">
+                <a:latin typeface="+mn-ea"/>
+              </a:rPr>
+              <a:t>무엇인지 별에도 어머니 이름자 </a:t>
+            </a:r>
+            <a:r>
+              <a:rPr lang="ko-KR" altLang="en-US" sz="1600" spc="-150" dirty="0" err="1">
+                <a:latin typeface="+mn-ea"/>
+              </a:rPr>
+              <a:t>거외다</a:t>
+            </a:r>
+            <a:r>
+              <a:rPr lang="en-US" altLang="ko-KR" sz="1600" spc="-150" dirty="0">
+                <a:latin typeface="+mn-ea"/>
+              </a:rPr>
+              <a:t>. </a:t>
+            </a:r>
+            <a:r>
+              <a:rPr lang="ko-KR" altLang="en-US" sz="1600" spc="-150" dirty="0">
+                <a:latin typeface="+mn-ea"/>
+              </a:rPr>
+              <a:t>하나에 슬퍼하는 너무나 위에 된 봅니다</a:t>
+            </a:r>
+            <a:r>
+              <a:rPr lang="en-US" altLang="ko-KR" sz="1600" spc="-150" dirty="0">
+                <a:latin typeface="+mn-ea"/>
+              </a:rPr>
+              <a:t>. </a:t>
+            </a:r>
+            <a:r>
+              <a:rPr lang="ko-KR" altLang="en-US" sz="1600" spc="-150" dirty="0">
+                <a:latin typeface="+mn-ea"/>
+              </a:rPr>
+              <a:t>없이 별에도 이름을 나는 풀이 </a:t>
+            </a:r>
+            <a:r>
+              <a:rPr lang="ko-KR" altLang="en-US" sz="1600" spc="-150" dirty="0" err="1">
+                <a:latin typeface="+mn-ea"/>
+              </a:rPr>
+              <a:t>거외다</a:t>
+            </a:r>
+            <a:r>
+              <a:rPr lang="en-US" altLang="ko-KR" sz="1600" spc="-150" dirty="0">
+                <a:latin typeface="+mn-ea"/>
+              </a:rPr>
+              <a:t>. </a:t>
+            </a:r>
+            <a:r>
+              <a:rPr lang="ko-KR" altLang="en-US" sz="1600" spc="-150" dirty="0">
+                <a:latin typeface="+mn-ea"/>
+              </a:rPr>
+              <a:t>부끄러운 시와 계절이 봅니다</a:t>
+            </a:r>
+            <a:r>
+              <a:rPr lang="en-US" altLang="ko-KR" sz="1600" spc="-150" dirty="0">
+                <a:latin typeface="+mn-ea"/>
+              </a:rPr>
+              <a:t>. </a:t>
+            </a:r>
+            <a:r>
+              <a:rPr lang="ko-KR" altLang="en-US" sz="1600" spc="-150" dirty="0">
+                <a:latin typeface="+mn-ea"/>
+              </a:rPr>
+              <a:t>나의 묻힌 속의 이웃 하나의 사랑과 </a:t>
+            </a:r>
+            <a:r>
+              <a:rPr lang="ko-KR" altLang="en-US" sz="1600" spc="-150" dirty="0" err="1">
+                <a:latin typeface="+mn-ea"/>
+              </a:rPr>
+              <a:t>거외다</a:t>
+            </a:r>
+            <a:r>
+              <a:rPr lang="en-US" altLang="ko-KR" sz="1600" spc="-150" dirty="0">
+                <a:latin typeface="+mn-ea"/>
+              </a:rPr>
+              <a:t>. </a:t>
+            </a:r>
+            <a:r>
+              <a:rPr lang="ko-KR" altLang="en-US" sz="1600" spc="-150" dirty="0">
+                <a:latin typeface="+mn-ea"/>
+              </a:rPr>
+              <a:t>하나에 위에 강아지</a:t>
+            </a:r>
+            <a:r>
+              <a:rPr lang="en-US" altLang="ko-KR" sz="1600" spc="-150" dirty="0">
+                <a:latin typeface="+mn-ea"/>
+              </a:rPr>
+              <a:t>, </a:t>
+            </a:r>
+            <a:r>
+              <a:rPr lang="ko-KR" altLang="en-US" sz="1600" spc="-150" dirty="0">
+                <a:latin typeface="+mn-ea"/>
+              </a:rPr>
+              <a:t>봅니다</a:t>
+            </a:r>
+            <a:r>
+              <a:rPr lang="en-US" altLang="ko-KR" sz="1600" spc="-150" dirty="0">
+                <a:latin typeface="+mn-ea"/>
+              </a:rPr>
+              <a:t>. </a:t>
+            </a:r>
+            <a:r>
+              <a:rPr lang="ko-KR" altLang="en-US" sz="1600" spc="-150" dirty="0">
+                <a:latin typeface="+mn-ea"/>
+              </a:rPr>
+              <a:t>새겨지는 별 불러 어머니</a:t>
+            </a:r>
+            <a:r>
+              <a:rPr lang="en-US" altLang="ko-KR" sz="1600" spc="-150" dirty="0">
+                <a:latin typeface="+mn-ea"/>
+              </a:rPr>
+              <a:t>, </a:t>
+            </a:r>
+            <a:r>
+              <a:rPr lang="ko-KR" altLang="en-US" sz="1600" spc="-150" dirty="0">
+                <a:latin typeface="+mn-ea"/>
+              </a:rPr>
+              <a:t>이제 것은 별들을 </a:t>
+            </a:r>
+            <a:r>
+              <a:rPr lang="ko-KR" altLang="en-US" sz="1600" spc="-150" dirty="0" err="1">
+                <a:latin typeface="+mn-ea"/>
+              </a:rPr>
+              <a:t>거외다</a:t>
+            </a:r>
+            <a:r>
+              <a:rPr lang="en-US" altLang="ko-KR" sz="1600" spc="-150" dirty="0">
+                <a:latin typeface="+mn-ea"/>
+              </a:rPr>
+              <a:t>. </a:t>
+            </a:r>
+            <a:r>
+              <a:rPr lang="ko-KR" altLang="en-US" sz="1600" spc="-150" dirty="0">
+                <a:latin typeface="+mn-ea"/>
+              </a:rPr>
+              <a:t>된 슬퍼하는 못 별 시인의 사랑과 있습니다</a:t>
+            </a:r>
+            <a:r>
+              <a:rPr lang="en-US" altLang="ko-KR" sz="1600" spc="-150" dirty="0">
+                <a:latin typeface="+mn-ea"/>
+              </a:rPr>
+              <a:t>. </a:t>
+            </a:r>
+            <a:r>
+              <a:rPr lang="ko-KR" altLang="en-US" sz="1600" spc="-150" dirty="0">
+                <a:latin typeface="+mn-ea"/>
+              </a:rPr>
+              <a:t>멀리 그러나 이런 겨울이 봅니다</a:t>
+            </a:r>
+            <a:r>
+              <a:rPr lang="en-US" altLang="ko-KR" sz="1600" spc="-150" dirty="0">
+                <a:latin typeface="+mn-ea"/>
+              </a:rPr>
+              <a:t>. </a:t>
+            </a:r>
+            <a:r>
+              <a:rPr lang="ko-KR" altLang="en-US" sz="1600" spc="-150" dirty="0">
+                <a:latin typeface="+mn-ea"/>
+              </a:rPr>
+              <a:t>하나에 풀이 별 </a:t>
+            </a:r>
+            <a:r>
+              <a:rPr lang="ko-KR" altLang="en-US" sz="1600" spc="-150" dirty="0" err="1">
+                <a:latin typeface="+mn-ea"/>
+              </a:rPr>
+              <a:t>라이너</a:t>
+            </a:r>
+            <a:r>
+              <a:rPr lang="ko-KR" altLang="en-US" sz="1600" spc="-150" dirty="0">
+                <a:latin typeface="+mn-ea"/>
+              </a:rPr>
+              <a:t> 쓸쓸함과 버리었습니다</a:t>
+            </a:r>
+            <a:r>
+              <a:rPr lang="en-US" altLang="ko-KR" sz="1600" spc="-150" dirty="0">
+                <a:latin typeface="+mn-ea"/>
+              </a:rPr>
+              <a:t>. </a:t>
+            </a:r>
+            <a:endParaRPr lang="ko-KR" altLang="en-US" sz="1600" spc="-150" dirty="0">
+              <a:latin typeface="+mn-ea"/>
+            </a:endParaRPr>
+          </a:p>
+        </p:txBody>
+      </p:sp>
+      <p:sp>
+        <p:nvSpPr>
+          <p:cNvPr id="6" name="TextBox 5">
+            <a:extLst>
+              <a:ext uri="{FF2B5EF4-FFF2-40B4-BE49-F238E27FC236}">
+                <a16:creationId xmlns="" xmlns:a16="http://schemas.microsoft.com/office/drawing/2014/main" id="{F7DF015D-7C45-422F-BF86-AAAD7FF491D3}"/>
+              </a:ext>
+            </a:extLst>
+          </p:cNvPr>
+          <p:cNvSpPr txBox="1"/>
+          <p:nvPr/>
+        </p:nvSpPr>
+        <p:spPr>
+          <a:xfrm>
+            <a:off x="6514895" y="2705686"/>
+            <a:ext cx="2885726" cy="584775"/>
+          </a:xfrm>
+          <a:prstGeom prst="rect">
+            <a:avLst/>
+          </a:prstGeom>
+          <a:noFill/>
+        </p:spPr>
+        <p:txBody>
+          <a:bodyPr wrap="none" rtlCol="0">
+            <a:spAutoFit/>
+          </a:bodyPr>
+          <a:lstStyle/>
+          <a:p>
+            <a:r>
+              <a:rPr lang="ko-KR" altLang="en-US" sz="3200" spc="-300" dirty="0" smtClean="0">
+                <a:solidFill>
+                  <a:schemeClr val="tx1">
+                    <a:lumMod val="75000"/>
+                    <a:lumOff val="25000"/>
+                  </a:schemeClr>
+                </a:solidFill>
+                <a:latin typeface="+mj-ea"/>
+                <a:ea typeface="+mj-ea"/>
+              </a:rPr>
+              <a:t>커뮤니티 게시판</a:t>
+            </a:r>
+            <a:endParaRPr lang="ko-KR" altLang="en-US" sz="3200" spc="-300" dirty="0">
+              <a:solidFill>
+                <a:schemeClr val="tx1">
+                  <a:lumMod val="75000"/>
+                  <a:lumOff val="25000"/>
+                </a:schemeClr>
+              </a:solidFill>
+              <a:latin typeface="+mj-ea"/>
+              <a:ea typeface="+mj-ea"/>
+            </a:endParaRPr>
+          </a:p>
+        </p:txBody>
+      </p:sp>
+      <p:cxnSp>
+        <p:nvCxnSpPr>
+          <p:cNvPr id="7" name="직선 연결선 6">
+            <a:extLst>
+              <a:ext uri="{FF2B5EF4-FFF2-40B4-BE49-F238E27FC236}">
+                <a16:creationId xmlns="" xmlns:a16="http://schemas.microsoft.com/office/drawing/2014/main" id="{38F15EEA-547D-421E-908C-354ED5DA0C11}"/>
+              </a:ext>
+            </a:extLst>
+          </p:cNvPr>
+          <p:cNvCxnSpPr>
+            <a:cxnSpLocks/>
+          </p:cNvCxnSpPr>
+          <p:nvPr/>
+        </p:nvCxnSpPr>
+        <p:spPr>
+          <a:xfrm>
+            <a:off x="6514895" y="3421020"/>
+            <a:ext cx="5191551" cy="0"/>
+          </a:xfrm>
+          <a:prstGeom prst="line">
+            <a:avLst/>
+          </a:prstGeom>
+          <a:ln>
+            <a:solidFill>
+              <a:schemeClr val="tx1"/>
+            </a:solidFill>
+          </a:ln>
+        </p:spPr>
+        <p:style>
+          <a:lnRef idx="1">
+            <a:schemeClr val="accent1"/>
+          </a:lnRef>
+          <a:fillRef idx="0">
+            <a:schemeClr val="accent1"/>
+          </a:fillRef>
+          <a:effectRef idx="0">
+            <a:schemeClr val="accent1"/>
+          </a:effectRef>
+          <a:fontRef idx="minor">
+            <a:schemeClr val="tx1"/>
+          </a:fontRef>
+        </p:style>
+      </p:cxnSp>
+      <p:pic>
+        <p:nvPicPr>
+          <p:cNvPr id="4098" name="Picture 2" descr="C:\Users\BIT\Downloads\커뮤니티보드+푸드캡처\커뮤니티보드리스트.PNG"/>
+          <p:cNvPicPr>
+            <a:picLocks noChangeArrowheads="1"/>
+          </p:cNvPicPr>
+          <p:nvPr/>
+        </p:nvPicPr>
+        <p:blipFill>
+          <a:blip r:embed="rId3">
+            <a:extLst>
+              <a:ext uri="{28A0092B-C50C-407E-A947-70E740481C1C}">
+                <a14:useLocalDpi xmlns:a14="http://schemas.microsoft.com/office/drawing/2010/main" val="0"/>
+              </a:ext>
+            </a:extLst>
+          </a:blip>
+          <a:srcRect/>
+          <a:stretch>
+            <a:fillRect/>
+          </a:stretch>
+        </p:blipFill>
+        <p:spPr bwMode="auto">
+          <a:xfrm>
+            <a:off x="18450" y="-7980"/>
+            <a:ext cx="6094800" cy="6858000"/>
+          </a:xfrm>
+          <a:prstGeom prst="rect">
+            <a:avLst/>
+          </a:prstGeom>
+          <a:noFill/>
+          <a:ln>
+            <a:solidFill>
+              <a:schemeClr val="accent1"/>
+            </a:solidFill>
+          </a:ln>
+          <a:extLst>
+            <a:ext uri="{909E8E84-426E-40DD-AFC4-6F175D3DCCD1}">
+              <a14:hiddenFill xmlns:a14="http://schemas.microsoft.com/office/drawing/2010/main">
+                <a:solidFill>
+                  <a:srgbClr val="FFFFFF"/>
+                </a:solidFill>
+              </a14:hiddenFill>
+            </a:ext>
+          </a:extLst>
+        </p:spPr>
+      </p:pic>
+      <p:sp>
+        <p:nvSpPr>
+          <p:cNvPr id="9" name="TextBox 8">
+            <a:extLst>
+              <a:ext uri="{FF2B5EF4-FFF2-40B4-BE49-F238E27FC236}">
+                <a16:creationId xmlns:a16="http://schemas.microsoft.com/office/drawing/2014/main" xmlns="" id="{7FFA9BC9-96FB-4B17-AF51-48D81692F2D7}"/>
+              </a:ext>
+            </a:extLst>
+          </p:cNvPr>
+          <p:cNvSpPr txBox="1"/>
+          <p:nvPr/>
+        </p:nvSpPr>
+        <p:spPr>
+          <a:xfrm>
+            <a:off x="9643482" y="114193"/>
+            <a:ext cx="2141933" cy="584775"/>
+          </a:xfrm>
+          <a:prstGeom prst="rect">
+            <a:avLst/>
+          </a:prstGeom>
+          <a:noFill/>
+        </p:spPr>
+        <p:txBody>
+          <a:bodyPr wrap="none" rtlCol="0">
+            <a:spAutoFit/>
+          </a:bodyPr>
+          <a:lstStyle/>
+          <a:p>
+            <a:r>
+              <a:rPr lang="ko-KR" altLang="en-US" sz="3200" spc="-300" dirty="0" smtClean="0">
+                <a:solidFill>
+                  <a:schemeClr val="tx1">
+                    <a:lumMod val="85000"/>
+                    <a:lumOff val="15000"/>
+                  </a:schemeClr>
+                </a:solidFill>
+              </a:rPr>
+              <a:t>스토리 보드</a:t>
+            </a:r>
+            <a:endParaRPr lang="ko-KR" altLang="en-US" sz="3200" spc="-300" dirty="0">
+              <a:solidFill>
+                <a:schemeClr val="tx1">
+                  <a:lumMod val="85000"/>
+                  <a:lumOff val="15000"/>
+                </a:schemeClr>
+              </a:solidFill>
+            </a:endParaRPr>
+          </a:p>
+        </p:txBody>
+      </p:sp>
+    </p:spTree>
+    <p:extLst>
+      <p:ext uri="{BB962C8B-B14F-4D97-AF65-F5344CB8AC3E}">
+        <p14:creationId xmlns:p14="http://schemas.microsoft.com/office/powerpoint/2010/main" val="2147865369"/>
+      </p:ext>
+    </p:extLst>
+  </p:cSld>
+  <p:clrMapOvr>
+    <a:masterClrMapping/>
+  </p:clrMapOvr>
+  <mc:AlternateContent xmlns:mc="http://schemas.openxmlformats.org/markup-compatibility/2006" xmlns:p14="http://schemas.microsoft.com/office/powerpoint/2010/main">
+    <mc:Choice Requires="p14">
+      <p:transition spd="med" p14:dur="700">
+        <p:fade/>
+      </p:transition>
+    </mc:Choice>
+    <mc:Fallback xmlns="">
+      <p:transition spd="med">
+        <p:fade/>
+      </p:transition>
+    </mc:Fallback>
+  </mc:AlternateContent>
+  <p:timing>
+    <p:tnLst>
+      <p:par>
+        <p:cTn id="1" dur="indefinite" restart="never" nodeType="tmRoot"/>
+      </p:par>
+    </p:tnLst>
+  </p:timing>
+</p:sld>
+</file>
+
+<file path=ppt/slides/slide16.xml><?xml version="1.0" encoding="utf-8"?>
+<p:sld xmlns:a="http://schemas.openxmlformats.org/drawingml/2006/main" xmlns:r="http://schemas.openxmlformats.org/officeDocument/2006/relationships" xmlns:p="http://schemas.openxmlformats.org/presentationml/2006/main">
+  <p:cSld>
+    <p:spTree>
+      <p:nvGrpSpPr>
+        <p:cNvPr id="1" name=""/>
+        <p:cNvGrpSpPr/>
+        <p:nvPr/>
+      </p:nvGrpSpPr>
+      <p:grpSpPr>
+        <a:xfrm>
+          <a:off x="0" y="0"/>
+          <a:ext cx="0" cy="0"/>
+          <a:chOff x="0" y="0"/>
+          <a:chExt cx="0" cy="0"/>
+        </a:xfrm>
+      </p:grpSpPr>
+      <p:pic>
+        <p:nvPicPr>
+          <p:cNvPr id="5" name="그림 4" descr="침대, 실내, 앉아있는, 테이블이(가) 표시된 사진&#10;&#10;자동 생성된 설명">
+            <a:extLst>
+              <a:ext uri="{FF2B5EF4-FFF2-40B4-BE49-F238E27FC236}">
+                <a16:creationId xmlns:a16="http://schemas.microsoft.com/office/drawing/2014/main" xmlns="" id="{F83D9A3B-D483-493D-BA99-E4FB75D30D46}"/>
+              </a:ext>
+            </a:extLst>
+          </p:cNvPr>
+          <p:cNvPicPr>
+            <a:picLocks noChangeAspect="1"/>
+          </p:cNvPicPr>
+          <p:nvPr/>
+        </p:nvPicPr>
+        <p:blipFill rotWithShape="1">
+          <a:blip r:embed="rId2" cstate="screen">
+            <a:extLst>
+              <a:ext uri="{28A0092B-C50C-407E-A947-70E740481C1C}">
+                <a14:useLocalDpi xmlns:a14="http://schemas.microsoft.com/office/drawing/2010/main" val="0"/>
+              </a:ext>
+            </a:extLst>
+          </a:blip>
+          <a:srcRect/>
+          <a:stretch/>
+        </p:blipFill>
+        <p:spPr>
+          <a:xfrm>
+            <a:off x="6096000" y="0"/>
+            <a:ext cx="6096000" cy="6858000"/>
+          </a:xfrm>
+          <a:prstGeom prst="rect">
+            <a:avLst/>
+          </a:prstGeom>
+        </p:spPr>
+      </p:pic>
+      <p:sp>
+        <p:nvSpPr>
+          <p:cNvPr id="3" name="TextBox 2">
+            <a:extLst>
+              <a:ext uri="{FF2B5EF4-FFF2-40B4-BE49-F238E27FC236}">
+                <a16:creationId xmlns:a16="http://schemas.microsoft.com/office/drawing/2014/main" xmlns="" id="{CC4EA04D-F465-4ADF-8B8E-8927B90942A0}"/>
+              </a:ext>
+            </a:extLst>
+          </p:cNvPr>
+          <p:cNvSpPr txBox="1"/>
+          <p:nvPr/>
+        </p:nvSpPr>
+        <p:spPr>
+          <a:xfrm>
+            <a:off x="528765" y="3583489"/>
+            <a:ext cx="5270520" cy="2144754"/>
+          </a:xfrm>
+          <a:prstGeom prst="rect">
+            <a:avLst/>
+          </a:prstGeom>
+          <a:noFill/>
+        </p:spPr>
+        <p:txBody>
+          <a:bodyPr wrap="square" rtlCol="0" anchor="t">
+            <a:spAutoFit/>
+          </a:bodyPr>
+          <a:lstStyle/>
+          <a:p>
+            <a:pPr algn="just">
+              <a:lnSpc>
+                <a:spcPct val="120000"/>
+              </a:lnSpc>
+            </a:pPr>
+            <a:r>
+              <a:rPr lang="ko-KR" altLang="en-US" sz="1600" spc="-150" dirty="0">
+                <a:latin typeface="+mn-ea"/>
+              </a:rPr>
+              <a:t>그리워 멀리 하나에 이름과</a:t>
+            </a:r>
+            <a:r>
+              <a:rPr lang="en-US" altLang="ko-KR" sz="1600" spc="-150" dirty="0">
+                <a:latin typeface="+mn-ea"/>
+              </a:rPr>
+              <a:t>, </a:t>
+            </a:r>
+            <a:r>
+              <a:rPr lang="ko-KR" altLang="en-US" sz="1600" spc="-150" dirty="0">
+                <a:latin typeface="+mn-ea"/>
+              </a:rPr>
+              <a:t>무엇인지 별에도 어머니 이름자 </a:t>
+            </a:r>
+            <a:r>
+              <a:rPr lang="ko-KR" altLang="en-US" sz="1600" spc="-150" dirty="0" err="1">
+                <a:latin typeface="+mn-ea"/>
+              </a:rPr>
+              <a:t>거외다</a:t>
+            </a:r>
+            <a:r>
+              <a:rPr lang="en-US" altLang="ko-KR" sz="1600" spc="-150" dirty="0">
+                <a:latin typeface="+mn-ea"/>
+              </a:rPr>
+              <a:t>. </a:t>
+            </a:r>
+            <a:r>
+              <a:rPr lang="ko-KR" altLang="en-US" sz="1600" spc="-150" dirty="0">
+                <a:latin typeface="+mn-ea"/>
+              </a:rPr>
+              <a:t>하나에 슬퍼하는 너무나 위에 된 봅니다</a:t>
+            </a:r>
+            <a:r>
+              <a:rPr lang="en-US" altLang="ko-KR" sz="1600" spc="-150" dirty="0">
+                <a:latin typeface="+mn-ea"/>
+              </a:rPr>
+              <a:t>. </a:t>
+            </a:r>
+            <a:r>
+              <a:rPr lang="ko-KR" altLang="en-US" sz="1600" spc="-150" dirty="0">
+                <a:latin typeface="+mn-ea"/>
+              </a:rPr>
+              <a:t>없이 별에도 이름을 나는 풀이 </a:t>
+            </a:r>
+            <a:r>
+              <a:rPr lang="ko-KR" altLang="en-US" sz="1600" spc="-150" dirty="0" err="1">
+                <a:latin typeface="+mn-ea"/>
+              </a:rPr>
+              <a:t>거외다</a:t>
+            </a:r>
+            <a:r>
+              <a:rPr lang="en-US" altLang="ko-KR" sz="1600" spc="-150" dirty="0">
+                <a:latin typeface="+mn-ea"/>
+              </a:rPr>
+              <a:t>. </a:t>
+            </a:r>
+            <a:r>
+              <a:rPr lang="ko-KR" altLang="en-US" sz="1600" spc="-150" dirty="0">
+                <a:latin typeface="+mn-ea"/>
+              </a:rPr>
+              <a:t>부끄러운 시와 계절이 봅니다</a:t>
+            </a:r>
+            <a:r>
+              <a:rPr lang="en-US" altLang="ko-KR" sz="1600" spc="-150" dirty="0">
+                <a:latin typeface="+mn-ea"/>
+              </a:rPr>
+              <a:t>. </a:t>
+            </a:r>
+            <a:r>
+              <a:rPr lang="ko-KR" altLang="en-US" sz="1600" spc="-150" dirty="0">
+                <a:latin typeface="+mn-ea"/>
+              </a:rPr>
+              <a:t>나의 묻힌 속의 이웃 하나의 사랑과 </a:t>
+            </a:r>
+            <a:r>
+              <a:rPr lang="ko-KR" altLang="en-US" sz="1600" spc="-150" dirty="0" err="1">
+                <a:latin typeface="+mn-ea"/>
+              </a:rPr>
+              <a:t>거외다</a:t>
+            </a:r>
+            <a:r>
+              <a:rPr lang="en-US" altLang="ko-KR" sz="1600" spc="-150" dirty="0">
+                <a:latin typeface="+mn-ea"/>
+              </a:rPr>
+              <a:t>. </a:t>
+            </a:r>
+            <a:r>
+              <a:rPr lang="ko-KR" altLang="en-US" sz="1600" spc="-150" dirty="0">
+                <a:latin typeface="+mn-ea"/>
+              </a:rPr>
+              <a:t>하나에 위에 강아지</a:t>
+            </a:r>
+            <a:r>
+              <a:rPr lang="en-US" altLang="ko-KR" sz="1600" spc="-150" dirty="0">
+                <a:latin typeface="+mn-ea"/>
+              </a:rPr>
+              <a:t>, </a:t>
+            </a:r>
+            <a:r>
+              <a:rPr lang="ko-KR" altLang="en-US" sz="1600" spc="-150" dirty="0">
+                <a:latin typeface="+mn-ea"/>
+              </a:rPr>
+              <a:t>봅니다</a:t>
+            </a:r>
+            <a:r>
+              <a:rPr lang="en-US" altLang="ko-KR" sz="1600" spc="-150" dirty="0">
+                <a:latin typeface="+mn-ea"/>
+              </a:rPr>
+              <a:t>. </a:t>
+            </a:r>
+            <a:r>
+              <a:rPr lang="ko-KR" altLang="en-US" sz="1600" spc="-150" dirty="0">
+                <a:latin typeface="+mn-ea"/>
+              </a:rPr>
+              <a:t>새겨지는 별 불러 어머니</a:t>
+            </a:r>
+            <a:r>
+              <a:rPr lang="en-US" altLang="ko-KR" sz="1600" spc="-150" dirty="0">
+                <a:latin typeface="+mn-ea"/>
+              </a:rPr>
+              <a:t>, </a:t>
+            </a:r>
+            <a:r>
+              <a:rPr lang="ko-KR" altLang="en-US" sz="1600" spc="-150" dirty="0">
+                <a:latin typeface="+mn-ea"/>
+              </a:rPr>
+              <a:t>이제 것은 별들을 </a:t>
+            </a:r>
+            <a:r>
+              <a:rPr lang="ko-KR" altLang="en-US" sz="1600" spc="-150" dirty="0" err="1">
+                <a:latin typeface="+mn-ea"/>
+              </a:rPr>
+              <a:t>거외다</a:t>
+            </a:r>
+            <a:r>
+              <a:rPr lang="en-US" altLang="ko-KR" sz="1600" spc="-150" dirty="0">
+                <a:latin typeface="+mn-ea"/>
+              </a:rPr>
+              <a:t>. </a:t>
+            </a:r>
+            <a:r>
+              <a:rPr lang="ko-KR" altLang="en-US" sz="1600" spc="-150" dirty="0">
+                <a:latin typeface="+mn-ea"/>
+              </a:rPr>
+              <a:t>된 슬퍼하는 못 별 시인의 사랑과 있습니다</a:t>
+            </a:r>
+            <a:r>
+              <a:rPr lang="en-US" altLang="ko-KR" sz="1600" spc="-150" dirty="0">
+                <a:latin typeface="+mn-ea"/>
+              </a:rPr>
+              <a:t>. </a:t>
+            </a:r>
+            <a:r>
+              <a:rPr lang="ko-KR" altLang="en-US" sz="1600" spc="-150" dirty="0">
+                <a:latin typeface="+mn-ea"/>
+              </a:rPr>
+              <a:t>멀리 그러나 이런 겨울이 봅니다</a:t>
+            </a:r>
+            <a:r>
+              <a:rPr lang="en-US" altLang="ko-KR" sz="1600" spc="-150" dirty="0">
+                <a:latin typeface="+mn-ea"/>
+              </a:rPr>
+              <a:t>. </a:t>
+            </a:r>
+            <a:r>
+              <a:rPr lang="ko-KR" altLang="en-US" sz="1600" spc="-150" dirty="0">
+                <a:latin typeface="+mn-ea"/>
+              </a:rPr>
+              <a:t>하나에 풀이 별 </a:t>
+            </a:r>
+            <a:r>
+              <a:rPr lang="ko-KR" altLang="en-US" sz="1600" spc="-150" dirty="0" err="1">
+                <a:latin typeface="+mn-ea"/>
+              </a:rPr>
+              <a:t>라이너</a:t>
+            </a:r>
+            <a:r>
+              <a:rPr lang="ko-KR" altLang="en-US" sz="1600" spc="-150" dirty="0">
+                <a:latin typeface="+mn-ea"/>
+              </a:rPr>
+              <a:t> 쓸쓸함과 버리었습니다</a:t>
+            </a:r>
+            <a:r>
+              <a:rPr lang="en-US" altLang="ko-KR" sz="1600" spc="-150" dirty="0">
+                <a:latin typeface="+mn-ea"/>
+              </a:rPr>
+              <a:t>. </a:t>
+            </a:r>
+            <a:endParaRPr lang="ko-KR" altLang="en-US" sz="1600" spc="-150" dirty="0">
+              <a:latin typeface="+mn-ea"/>
+            </a:endParaRPr>
+          </a:p>
+        </p:txBody>
+      </p:sp>
+      <p:sp>
+        <p:nvSpPr>
+          <p:cNvPr id="4" name="TextBox 3">
+            <a:extLst>
+              <a:ext uri="{FF2B5EF4-FFF2-40B4-BE49-F238E27FC236}">
+                <a16:creationId xmlns:a16="http://schemas.microsoft.com/office/drawing/2014/main" xmlns="" id="{4DA083EC-6D70-48BC-AE74-3FF5273F0364}"/>
+              </a:ext>
+            </a:extLst>
+          </p:cNvPr>
+          <p:cNvSpPr txBox="1"/>
+          <p:nvPr/>
+        </p:nvSpPr>
+        <p:spPr>
+          <a:xfrm>
+            <a:off x="528765" y="2705686"/>
+            <a:ext cx="2513830" cy="584775"/>
+          </a:xfrm>
+          <a:prstGeom prst="rect">
+            <a:avLst/>
+          </a:prstGeom>
+          <a:noFill/>
+        </p:spPr>
+        <p:txBody>
+          <a:bodyPr wrap="none" rtlCol="0">
+            <a:spAutoFit/>
+          </a:bodyPr>
+          <a:lstStyle/>
+          <a:p>
+            <a:r>
+              <a:rPr lang="ko-KR" altLang="en-US" sz="3200" spc="-300" dirty="0" smtClean="0">
+                <a:solidFill>
+                  <a:schemeClr val="tx1">
+                    <a:lumMod val="75000"/>
+                    <a:lumOff val="25000"/>
+                  </a:schemeClr>
+                </a:solidFill>
+                <a:latin typeface="+mj-ea"/>
+                <a:ea typeface="+mj-ea"/>
+              </a:rPr>
+              <a:t>커뮤니티 작성</a:t>
+            </a:r>
+            <a:endParaRPr lang="ko-KR" altLang="en-US" sz="3200" spc="-300" dirty="0">
+              <a:solidFill>
+                <a:schemeClr val="tx1">
+                  <a:lumMod val="75000"/>
+                  <a:lumOff val="25000"/>
+                </a:schemeClr>
+              </a:solidFill>
+              <a:latin typeface="+mj-ea"/>
+              <a:ea typeface="+mj-ea"/>
+            </a:endParaRPr>
+          </a:p>
+        </p:txBody>
+      </p:sp>
+      <p:cxnSp>
+        <p:nvCxnSpPr>
+          <p:cNvPr id="6" name="직선 연결선 5">
+            <a:extLst>
+              <a:ext uri="{FF2B5EF4-FFF2-40B4-BE49-F238E27FC236}">
+                <a16:creationId xmlns:a16="http://schemas.microsoft.com/office/drawing/2014/main" xmlns="" id="{9E12C1BE-4F1E-4F18-B068-5A8D61623AEC}"/>
+              </a:ext>
+            </a:extLst>
+          </p:cNvPr>
+          <p:cNvCxnSpPr>
+            <a:cxnSpLocks/>
+          </p:cNvCxnSpPr>
+          <p:nvPr/>
+        </p:nvCxnSpPr>
+        <p:spPr>
+          <a:xfrm>
+            <a:off x="528765" y="3421020"/>
+            <a:ext cx="5191551" cy="0"/>
+          </a:xfrm>
+          <a:prstGeom prst="line">
+            <a:avLst/>
+          </a:prstGeom>
+          <a:ln>
+            <a:solidFill>
+              <a:schemeClr val="tx1"/>
+            </a:solidFill>
+          </a:ln>
+        </p:spPr>
+        <p:style>
+          <a:lnRef idx="1">
+            <a:schemeClr val="accent1"/>
+          </a:lnRef>
+          <a:fillRef idx="0">
+            <a:schemeClr val="accent1"/>
+          </a:fillRef>
+          <a:effectRef idx="0">
+            <a:schemeClr val="accent1"/>
+          </a:effectRef>
+          <a:fontRef idx="minor">
+            <a:schemeClr val="tx1"/>
+          </a:fontRef>
+        </p:style>
+      </p:cxnSp>
+      <p:pic>
+        <p:nvPicPr>
+          <p:cNvPr id="1026" name="Picture 2" descr="C:\Users\BIT\Downloads\커뮤니티보드+푸드캡처\커뮤니티보드글쓰기.PNG"/>
+          <p:cNvPicPr>
+            <a:picLocks noChangeAspect="1" noChangeArrowheads="1"/>
+          </p:cNvPicPr>
+          <p:nvPr/>
+        </p:nvPicPr>
+        <p:blipFill>
+          <a:blip r:embed="rId3">
+            <a:extLst>
+              <a:ext uri="{28A0092B-C50C-407E-A947-70E740481C1C}">
+                <a14:useLocalDpi xmlns:a14="http://schemas.microsoft.com/office/drawing/2010/main" val="0"/>
+              </a:ext>
+            </a:extLst>
+          </a:blip>
+          <a:srcRect/>
+          <a:stretch>
+            <a:fillRect/>
+          </a:stretch>
+        </p:blipFill>
+        <p:spPr bwMode="auto">
+          <a:xfrm>
+            <a:off x="6096000" y="0"/>
+            <a:ext cx="6096000" cy="6858000"/>
+          </a:xfrm>
+          <a:prstGeom prst="rect">
+            <a:avLst/>
+          </a:prstGeom>
+          <a:noFill/>
+          <a:ln>
+            <a:solidFill>
+              <a:schemeClr val="accent1"/>
+            </a:solidFill>
+          </a:ln>
+          <a:extLst>
+            <a:ext uri="{909E8E84-426E-40DD-AFC4-6F175D3DCCD1}">
+              <a14:hiddenFill xmlns:a14="http://schemas.microsoft.com/office/drawing/2010/main">
+                <a:solidFill>
+                  <a:srgbClr val="FFFFFF"/>
+                </a:solidFill>
+              </a14:hiddenFill>
+            </a:ext>
+          </a:extLst>
+        </p:spPr>
+      </p:pic>
+      <p:sp>
+        <p:nvSpPr>
+          <p:cNvPr id="7" name="TextBox 6">
+            <a:extLst>
+              <a:ext uri="{FF2B5EF4-FFF2-40B4-BE49-F238E27FC236}">
+                <a16:creationId xmlns:a16="http://schemas.microsoft.com/office/drawing/2014/main" xmlns="" id="{7FFA9BC9-96FB-4B17-AF51-48D81692F2D7}"/>
+              </a:ext>
+            </a:extLst>
+          </p:cNvPr>
+          <p:cNvSpPr txBox="1"/>
+          <p:nvPr/>
+        </p:nvSpPr>
+        <p:spPr>
+          <a:xfrm>
+            <a:off x="329610" y="111525"/>
+            <a:ext cx="2141933" cy="584775"/>
+          </a:xfrm>
+          <a:prstGeom prst="rect">
+            <a:avLst/>
+          </a:prstGeom>
+          <a:noFill/>
+        </p:spPr>
+        <p:txBody>
+          <a:bodyPr wrap="none" rtlCol="0">
+            <a:spAutoFit/>
+          </a:bodyPr>
+          <a:lstStyle/>
+          <a:p>
+            <a:r>
+              <a:rPr lang="ko-KR" altLang="en-US" sz="3200" spc="-300" dirty="0" smtClean="0">
+                <a:solidFill>
+                  <a:schemeClr val="tx1">
+                    <a:lumMod val="85000"/>
+                    <a:lumOff val="15000"/>
+                  </a:schemeClr>
+                </a:solidFill>
+              </a:rPr>
+              <a:t>스토리 보드</a:t>
+            </a:r>
+            <a:endParaRPr lang="ko-KR" altLang="en-US" sz="3200" spc="-300" dirty="0">
+              <a:solidFill>
+                <a:schemeClr val="tx1">
+                  <a:lumMod val="85000"/>
+                  <a:lumOff val="15000"/>
+                </a:schemeClr>
+              </a:solidFill>
+            </a:endParaRPr>
+          </a:p>
+        </p:txBody>
+      </p:sp>
+    </p:spTree>
+    <p:extLst>
+      <p:ext uri="{BB962C8B-B14F-4D97-AF65-F5344CB8AC3E}">
+        <p14:creationId xmlns:p14="http://schemas.microsoft.com/office/powerpoint/2010/main" val="2296619026"/>
+      </p:ext>
+    </p:extLst>
+  </p:cSld>
+  <p:clrMapOvr>
+    <a:masterClrMapping/>
+  </p:clrMapOvr>
+  <mc:AlternateContent xmlns:mc="http://schemas.openxmlformats.org/markup-compatibility/2006" xmlns:p14="http://schemas.microsoft.com/office/powerpoint/2010/main">
+    <mc:Choice Requires="p14">
+      <p:transition spd="med" p14:dur="700">
+        <p:fade/>
+      </p:transition>
+    </mc:Choice>
+    <mc:Fallback xmlns="">
+      <p:transition spd="med">
+        <p:fade/>
+      </p:transition>
+    </mc:Fallback>
+  </mc:AlternateContent>
+  <p:timing>
+    <p:tnLst>
+      <p:par>
+        <p:cTn id="1" dur="indefinite" restart="never" nodeType="tmRoot"/>
+      </p:par>
+    </p:tnLst>
+  </p:timing>
+</p:sld>
+</file>
+
+<file path=ppt/slides/slide17.xml><?xml version="1.0" encoding="utf-8"?>
 <p:sld xmlns:a="http://schemas.openxmlformats.org/drawingml/2006/main" xmlns:r="http://schemas.openxmlformats.org/officeDocument/2006/relationships" xmlns:p="http://schemas.openxmlformats.org/presentationml/2006/main">
   <p:cSld>
     <p:spTree>
@@ -15366,7 +16308,7 @@
         <p:spPr>
           <a:xfrm>
             <a:off x="528765" y="2705686"/>
-            <a:ext cx="3493264" cy="584775"/>
+            <a:ext cx="3355406" cy="584775"/>
           </a:xfrm>
           <a:prstGeom prst="rect">
             <a:avLst/>
@@ -15380,7 +16322,7 @@
           <a:lstStyle/>
           <a:p>
             <a:r>
-              <a:rPr lang="ko-KR" altLang="en-US" sz="3200" spc="-300" dirty="0">
+              <a:rPr lang="ko-KR" altLang="en-US" sz="3200" spc="-300" dirty="0" smtClean="0">
                 <a:solidFill>
                   <a:schemeClr val="tx1">
                     <a:lumMod val="75000"/>
@@ -15390,8 +16332,18 @@
                 <a:latin typeface="+mj-ea"/>
                 <a:ea typeface="+mj-ea"/>
               </a:rPr>
-              <a:t>소제목을 입력하세요</a:t>
-            </a:r>
+              <a:t>커뮤니티 상세 정보</a:t>
+            </a:r>
+            <a:endParaRPr lang="ko-KR" altLang="en-US" sz="3200" spc="-300" dirty="0">
+              <a:solidFill>
+                <a:schemeClr val="tx1">
+                  <a:lumMod val="75000"/>
+                  <a:lumOff val="25000"/>
+                </a:schemeClr>
+              </a:solidFill>
+              <a:latin typeface="+mj-ea"/>
+              <a:ea typeface="+mj-ea"/>
+            </a:endParaRPr>
           </a:p>
         </p:txBody>
       </p:sp>
@@ -15438,6 +16390,150 @@
           </a:fontRef>
         </p:style>
       </p:cxnSp>
+      <p:pic>
+        <p:nvPicPr>
+          <p:cNvPr id="3074" name="Picture 2" descr="C:\Users\BIT\Downloads\커뮤니티보드+푸드캡처\커뮤니티보드글정보.png"/>
+          <p:cNvPicPr>
+            <a:picLocks noChangeArrowheads="1"/>
+          </p:cNvPicPr>
+          <p:nvPr/>
+        </p:nvPicPr>
+        <p:blipFill>
+          <a:blip r:embed="rId3" cstate="screen">
+            <a:extLst>
+              <a:ext uri="{28A0092B-C50C-407E-A947-70E740481C1C}">
+                <a14:useLocalDpi xmlns:a14="http://schemas.microsoft.com/office/drawing/2010/main" val="0"/>
+              </a:ext>
+            </a:extLst>
+          </a:blip>
+          <a:srcRect/>
+          <a:stretch>
+            <a:fillRect/>
+          </a:stretch>
+        </p:blipFill>
+        <p:spPr bwMode="auto">
+          <a:xfrm>
+            <a:off x="6096000" y="4720"/>
+            <a:ext cx="6094800" cy="6858000"/>
+          </a:xfrm>
+          <a:prstGeom prst="rect">
+            <a:avLst/>
+          </a:prstGeom>
+          <a:noFill/>
+          <a:ln>
+            <a:solidFill>
+              <a:schemeClr val="accent1"/>
+            </a:solidFill>
+          </a:ln>
+          <a:extLst>
+            <a:ext uri="{909E8E84-426E-40DD-AFC4-6F175D3DCCD1}">
+              <a14:hiddenFill xmlns:a14="http://schemas.microsoft.com/office/drawing/2010/main">
+                <a:solidFill>
+                  <a:srgbClr val="FFFFFF"/>
+                </a:solidFill>
+              </a14:hiddenFill>
+            </a:ext>
+          </a:extLst>
+        </p:spPr>
+      </p:pic>
+      <p:sp>
+        <p:nvSpPr>
+          <p:cNvPr id="7" name="TextBox 6">
+            <a:extLst>
+              <a:ext uri="{FF2B5EF4-FFF2-40B4-BE49-F238E27FC236}">
+                <a16:creationId xmlns:a16="http://schemas.microsoft.com/office/drawing/2014/main" xmlns="" id="{7FFA9BC9-96FB-4B17-AF51-48D81692F2D7}"/>
+              </a:ext>
+            </a:extLst>
+          </p:cNvPr>
+          <p:cNvSpPr txBox="1"/>
+          <p:nvPr/>
+        </p:nvSpPr>
+        <p:spPr>
+          <a:xfrm>
+            <a:off x="329610" y="111525"/>
+            <a:ext cx="2141933" cy="584775"/>
+          </a:xfrm>
+          <a:prstGeom prst="rect">
+            <a:avLst/>
+          </a:prstGeom>
+          <a:noFill/>
+        </p:spPr>
+        <p:txBody>
+          <a:bodyPr wrap="none" rtlCol="0">
+            <a:spAutoFit/>
+          </a:bodyPr>
+          <a:lstStyle/>
+          <a:p>
+            <a:r>
+              <a:rPr lang="ko-KR" altLang="en-US" sz="3200" spc="-300" dirty="0" smtClean="0">
+                <a:solidFill>
+                  <a:schemeClr val="tx1">
+                    <a:lumMod val="85000"/>
+                    <a:lumOff val="15000"/>
+                  </a:schemeClr>
+                </a:solidFill>
+              </a:rPr>
+              <a:t>스토리 보드</a:t>
+            </a:r>
+            <a:endParaRPr lang="ko-KR" altLang="en-US" sz="3200" spc="-300" dirty="0">
+              <a:solidFill>
+                <a:schemeClr val="tx1">
+                  <a:lumMod val="85000"/>
+                  <a:lumOff val="15000"/>
+                </a:schemeClr>
+              </a:solidFill>
+            </a:endParaRPr>
+          </a:p>
+        </p:txBody>
+      </p:sp>
+      <p:sp>
+        <p:nvSpPr>
+          <p:cNvPr id="2" name="직사각형 1"/>
+          <p:cNvSpPr/>
+          <p:nvPr/>
+        </p:nvSpPr>
+        <p:spPr>
+          <a:xfrm>
+            <a:off x="11335265" y="403911"/>
+            <a:ext cx="642551" cy="5848607"/>
+          </a:xfrm>
+          <a:prstGeom prst="rect">
+            <a:avLst/>
+          </a:prstGeom>
+          <a:solidFill>
+            <a:schemeClr val="bg1"/>
+          </a:solidFill>
+          <a:ln>
+            <a:solidFill>
+              <a:schemeClr val="bg1"/>
+            </a:solidFill>
+          </a:ln>
+        </p:spPr>
+        <p:style>
+          <a:lnRef idx="2">
+            <a:schemeClr val="accent1">
+              <a:shade val="50000"/>
+            </a:schemeClr>
+          </a:lnRef>
+          <a:fillRef idx="1">
+            <a:schemeClr val="accent1"/>
+          </a:fillRef>
+          <a:effectRef idx="0">
+            <a:schemeClr val="accent1"/>
+          </a:effectRef>
+          <a:fontRef idx="minor">
+            <a:schemeClr val="lt1"/>
+          </a:fontRef>
+        </p:style>
+        <p:txBody>
+          <a:bodyPr rtlCol="0" anchor="ctr"/>
+          <a:lstStyle/>
+          <a:p>
+            <a:pPr algn="ctr"/>
+            <a:endParaRPr lang="ko-KR" altLang="en-US"/>
+          </a:p>
+        </p:txBody>
+      </p:sp>
     </p:spTree>
     <p:extLst>
       <p:ext uri="{BB962C8B-B14F-4D97-AF65-F5344CB8AC3E}">
@@ -15460,10 +16556,17 @@
       </p:transition>
     </mc:Fallback>
   </mc:AlternateContent>
+  <p:timing>
+    <p:tnLst>
+      <p:par>
+        <p:cTn id="1" dur="indefinite" restart="never" nodeType="tmRoot"/>
+      </p:par>
+    </p:tnLst>
+  </p:timing>
 </p:sld>
 </file>
 
-<file path=ppt/slides/slide16.xml><?xml version="1.0" encoding="utf-8"?>
+<file path=ppt/slides/slide18.xml><?xml version="1.0" encoding="utf-8"?>
 <p:sld xmlns:a="http://schemas.openxmlformats.org/drawingml/2006/main" xmlns:r="http://schemas.openxmlformats.org/officeDocument/2006/relationships" xmlns:p="http://schemas.openxmlformats.org/presentationml/2006/main">
   <p:cSld>
     <p:spTree>
@@ -15761,7 +16864,7 @@
         <p:spPr>
           <a:xfrm>
             <a:off x="6514895" y="2705686"/>
-            <a:ext cx="3493264" cy="584775"/>
+            <a:ext cx="3501280" cy="584775"/>
           </a:xfrm>
           <a:prstGeom prst="rect">
             <a:avLst/>
@@ -15775,7 +16878,7 @@
           <a:lstStyle/>
           <a:p>
             <a:r>
-              <a:rPr lang="ko-KR" altLang="en-US" sz="3200" spc="-300" dirty="0">
+              <a:rPr lang="en-US" altLang="ko-KR" sz="3200" spc="-300" dirty="0" smtClean="0">
                 <a:solidFill>
                   <a:schemeClr val="tx1">
                     <a:lumMod val="75000"/>
@@ -15785,8 +16888,18 @@
                 <a:latin typeface="+mj-ea"/>
                 <a:ea typeface="+mj-ea"/>
               </a:rPr>
-              <a:t>소제목을 입력하세요</a:t>
-            </a:r>
+              <a:t>Food, Shop, Hotspot</a:t>
+            </a:r>
+            <a:endParaRPr lang="ko-KR" altLang="en-US" sz="3200" spc="-300" dirty="0">
+              <a:solidFill>
+                <a:schemeClr val="tx1">
+                  <a:lumMod val="75000"/>
+                  <a:lumOff val="25000"/>
+                </a:schemeClr>
+              </a:solidFill>
+              <a:latin typeface="+mj-ea"/>
+              <a:ea typeface="+mj-ea"/>
+            </a:endParaRPr>
           </a:p>
         </p:txBody>
       </p:sp>
@@ -15833,6 +16946,102 @@
           </a:fontRef>
         </p:style>
       </p:cxnSp>
+      <p:pic>
+        <p:nvPicPr>
+          <p:cNvPr id="5122" name="Picture 2" descr="C:\Users\BIT\Downloads\커뮤니티보드+푸드캡처\푸드.PNG"/>
+          <p:cNvPicPr>
+            <a:picLocks noChangeArrowheads="1"/>
+          </p:cNvPicPr>
+          <p:nvPr/>
+        </p:nvPicPr>
+        <p:blipFill>
+          <a:blip r:embed="rId3">
+            <a:extLst>
+              <a:ext uri="{28A0092B-C50C-407E-A947-70E740481C1C}">
+                <a14:useLocalDpi xmlns:a14="http://schemas.microsoft.com/office/drawing/2010/main" val="0"/>
+              </a:ext>
+            </a:extLst>
+          </a:blip>
+          <a:srcRect/>
+          <a:stretch>
+            <a:fillRect/>
+          </a:stretch>
+        </p:blipFill>
+        <p:spPr bwMode="auto">
+          <a:xfrm>
+            <a:off x="0" y="-7980"/>
+            <a:ext cx="6094800" cy="6858000"/>
+          </a:xfrm>
+          <a:prstGeom prst="rect">
+            <a:avLst/>
+          </a:prstGeom>
+          <a:noFill/>
+          <a:ln>
+            <a:solidFill>
+              <a:schemeClr val="accent1"/>
+            </a:solidFill>
+          </a:ln>
+          <a:extLst>
+            <a:ext uri="{909E8E84-426E-40DD-AFC4-6F175D3DCCD1}">
+              <a14:hiddenFill xmlns:a14="http://schemas.microsoft.com/office/drawing/2010/main">
+                <a:solidFill>
+                  <a:srgbClr val="FFFFFF"/>
+                </a:solidFill>
+              </a14:hiddenFill>
+            </a:ext>
+          </a:extLst>
+        </p:spPr>
+      </p:pic>
+      <p:sp>
+        <p:nvSpPr>
+          <p:cNvPr id="8" name="TextBox 7">
+            <a:extLst>
+              <a:ext uri="{FF2B5EF4-FFF2-40B4-BE49-F238E27FC236}">
+                <a16:creationId xmlns:a16="http://schemas.microsoft.com/office/drawing/2014/main" xmlns="" id="{7FFA9BC9-96FB-4B17-AF51-48D81692F2D7}"/>
+              </a:ext>
+            </a:extLst>
+          </p:cNvPr>
+          <p:cNvSpPr txBox="1"/>
+          <p:nvPr/>
+        </p:nvSpPr>
+        <p:spPr>
+          <a:xfrm>
+            <a:off x="9643482" y="114193"/>
+            <a:ext cx="2141933" cy="584775"/>
+          </a:xfrm>
+          <a:prstGeom prst="rect">
+            <a:avLst/>
+          </a:prstGeom>
+          <a:noFill/>
+        </p:spPr>
+        <p:txBody>
+          <a:bodyPr wrap="none" rtlCol="0">
+            <a:spAutoFit/>
+          </a:bodyPr>
+          <a:lstStyle/>
+          <a:p>
+            <a:r>
+              <a:rPr lang="ko-KR" altLang="en-US" sz="3200" spc="-300" dirty="0" smtClean="0">
+                <a:solidFill>
+                  <a:schemeClr val="tx1">
+                    <a:lumMod val="85000"/>
+                    <a:lumOff val="15000"/>
+                  </a:schemeClr>
+                </a:solidFill>
+              </a:rPr>
+              <a:t>스토리 보드</a:t>
+            </a:r>
+            <a:endParaRPr lang="ko-KR" altLang="en-US" sz="3200" spc="-300" dirty="0">
+              <a:solidFill>
+                <a:schemeClr val="tx1">
+                  <a:lumMod val="85000"/>
+                  <a:lumOff val="15000"/>
+                </a:schemeClr>
+              </a:solidFill>
+            </a:endParaRPr>
+          </a:p>
+        </p:txBody>
+      </p:sp>
     </p:spTree>
     <p:extLst>
       <p:ext uri="{BB962C8B-B14F-4D97-AF65-F5344CB8AC3E}">
@@ -15855,10 +17064,17 @@
       </p:transition>
     </mc:Fallback>
   </mc:AlternateContent>
+  <p:timing>
+    <p:tnLst>
+      <p:par>
+        <p:cTn id="1" dur="indefinite" restart="never" nodeType="tmRoot"/>
+      </p:par>
+    </p:tnLst>
+  </p:timing>
 </p:sld>
 </file>
 
-<file path=ppt/slides/slide17.xml><?xml version="1.0" encoding="utf-8"?>
+<file path=ppt/slides/slide19.xml><?xml version="1.0" encoding="utf-8"?>
 <p:sld xmlns:a="http://schemas.openxmlformats.org/drawingml/2006/main" xmlns:r="http://schemas.openxmlformats.org/officeDocument/2006/relationships" xmlns:p="http://schemas.openxmlformats.org/presentationml/2006/main">
   <p:cSld>
     <p:spTree>
@@ -15877,405 +17093,10 @@
       </p:grpSpPr>
       <p:pic>
         <p:nvPicPr>
-          <p:cNvPr id="3" name="그림 2" descr="컵, 커피, 테이블, 앉아있는이(가) 표시된 사진&#10;&#10;자동 생성된 설명">
+          <p:cNvPr id="3" name="그림 2" descr="컵, 앉아있는, 작은, 침대이(가) 표시된 사진&#10;&#10;자동 생성된 설명">
             <a:extLst>
               <a:ext uri="{FF2B5EF4-FFF2-40B4-BE49-F238E27FC236}">
-                <a16:creationId xmlns="" xmlns:a16="http://schemas.microsoft.com/office/drawing/2014/main" id="{C9E46430-D944-4058-86A7-C6A87CB56188}"/>
-              </a:ext>
-            </a:extLst>
-          </p:cNvPr>
-          <p:cNvPicPr>
-            <a:picLocks noChangeAspect="1"/>
-          </p:cNvPicPr>
-          <p:nvPr/>
-        </p:nvPicPr>
-        <p:blipFill rotWithShape="1">
-          <a:blip r:embed="rId2" cstate="screen">
-            <a:extLst>
-              <a:ext uri="{28A0092B-C50C-407E-A947-70E740481C1C}">
-                <a14:useLocalDpi xmlns:a14="http://schemas.microsoft.com/office/drawing/2010/main" val="0"/>
-              </a:ext>
-            </a:extLst>
-          </a:blip>
-          <a:srcRect/>
-          <a:stretch/>
-        </p:blipFill>
-        <p:spPr>
-          <a:xfrm>
-            <a:off x="6096000" y="0"/>
-            <a:ext cx="6096000" cy="6858000"/>
-          </a:xfrm>
-          <a:prstGeom prst="rect">
-            <a:avLst/>
-          </a:prstGeom>
-        </p:spPr>
-      </p:pic>
-      <p:sp>
-        <p:nvSpPr>
-          <p:cNvPr id="8" name="TextBox 7">
-            <a:extLst>
-              <a:ext uri="{FF2B5EF4-FFF2-40B4-BE49-F238E27FC236}">
-                <a16:creationId xmlns="" xmlns:a16="http://schemas.microsoft.com/office/drawing/2014/main" id="{49AD39D1-E922-4599-9C41-2A3083FC6ED2}"/>
-              </a:ext>
-            </a:extLst>
-          </p:cNvPr>
-          <p:cNvSpPr txBox="1"/>
-          <p:nvPr/>
-        </p:nvSpPr>
-        <p:spPr>
-          <a:xfrm>
-            <a:off x="528765" y="3583489"/>
-            <a:ext cx="5270520" cy="2144754"/>
-          </a:xfrm>
-          <a:prstGeom prst="rect">
-            <a:avLst/>
-          </a:prstGeom>
-          <a:noFill/>
-        </p:spPr>
-        <p:txBody>
-          <a:bodyPr wrap="square" rtlCol="0" anchor="t">
-            <a:spAutoFit/>
-          </a:bodyPr>
-          <a:lstStyle/>
-          <a:p>
-            <a:pPr algn="just">
-              <a:lnSpc>
-                <a:spcPct val="120000"/>
-              </a:lnSpc>
-            </a:pPr>
-            <a:r>
-              <a:rPr lang="ko-KR" altLang="en-US" sz="1600" spc="-150" dirty="0">
-                <a:latin typeface="+mn-ea"/>
-              </a:rPr>
-              <a:t>그리워 멀리 하나에 이름과</a:t>
-            </a:r>
-            <a:r>
-              <a:rPr lang="en-US" altLang="ko-KR" sz="1600" spc="-150" dirty="0">
-                <a:latin typeface="+mn-ea"/>
-              </a:rPr>
-              <a:t>, </a:t>
-            </a:r>
-            <a:r>
-              <a:rPr lang="ko-KR" altLang="en-US" sz="1600" spc="-150" dirty="0">
-                <a:latin typeface="+mn-ea"/>
-              </a:rPr>
-              <a:t>무엇인지 별에도 어머니 이름자 </a:t>
-            </a:r>
-            <a:r>
-              <a:rPr lang="ko-KR" altLang="en-US" sz="1600" spc="-150" dirty="0" err="1">
-                <a:latin typeface="+mn-ea"/>
-              </a:rPr>
-              <a:t>거외다</a:t>
-            </a:r>
-            <a:r>
-              <a:rPr lang="en-US" altLang="ko-KR" sz="1600" spc="-150" dirty="0">
-                <a:latin typeface="+mn-ea"/>
-              </a:rPr>
-              <a:t>. </a:t>
-            </a:r>
-            <a:r>
-              <a:rPr lang="ko-KR" altLang="en-US" sz="1600" spc="-150" dirty="0">
-                <a:latin typeface="+mn-ea"/>
-              </a:rPr>
-              <a:t>하나에 슬퍼하는 너무나 위에 된 봅니다</a:t>
-            </a:r>
-            <a:r>
-              <a:rPr lang="en-US" altLang="ko-KR" sz="1600" spc="-150" dirty="0">
-                <a:latin typeface="+mn-ea"/>
-              </a:rPr>
-              <a:t>. </a:t>
-            </a:r>
-            <a:r>
-              <a:rPr lang="ko-KR" altLang="en-US" sz="1600" spc="-150" dirty="0">
-                <a:latin typeface="+mn-ea"/>
-              </a:rPr>
-              <a:t>없이 별에도 이름을 나는 풀이 </a:t>
-            </a:r>
-            <a:r>
-              <a:rPr lang="ko-KR" altLang="en-US" sz="1600" spc="-150" dirty="0" err="1">
-                <a:latin typeface="+mn-ea"/>
-              </a:rPr>
-              <a:t>거외다</a:t>
-            </a:r>
-            <a:r>
-              <a:rPr lang="en-US" altLang="ko-KR" sz="1600" spc="-150" dirty="0">
-                <a:latin typeface="+mn-ea"/>
-              </a:rPr>
-              <a:t>. </a:t>
-            </a:r>
-            <a:r>
-              <a:rPr lang="ko-KR" altLang="en-US" sz="1600" spc="-150" dirty="0">
-                <a:latin typeface="+mn-ea"/>
-              </a:rPr>
-              <a:t>부끄러운 시와 계절이 봅니다</a:t>
-            </a:r>
-            <a:r>
-              <a:rPr lang="en-US" altLang="ko-KR" sz="1600" spc="-150" dirty="0">
-                <a:latin typeface="+mn-ea"/>
-              </a:rPr>
-              <a:t>. </a:t>
-            </a:r>
-            <a:r>
-              <a:rPr lang="ko-KR" altLang="en-US" sz="1600" spc="-150" dirty="0">
-                <a:latin typeface="+mn-ea"/>
-              </a:rPr>
-              <a:t>나의 묻힌 속의 이웃 하나의 사랑과 </a:t>
-            </a:r>
-            <a:r>
-              <a:rPr lang="ko-KR" altLang="en-US" sz="1600" spc="-150" dirty="0" err="1">
-                <a:latin typeface="+mn-ea"/>
-              </a:rPr>
-              <a:t>거외다</a:t>
-            </a:r>
-            <a:r>
-              <a:rPr lang="en-US" altLang="ko-KR" sz="1600" spc="-150" dirty="0">
-                <a:latin typeface="+mn-ea"/>
-              </a:rPr>
-              <a:t>. </a:t>
-            </a:r>
-            <a:r>
-              <a:rPr lang="ko-KR" altLang="en-US" sz="1600" spc="-150" dirty="0">
-                <a:latin typeface="+mn-ea"/>
-              </a:rPr>
-              <a:t>하나에 위에 강아지</a:t>
-            </a:r>
-            <a:r>
-              <a:rPr lang="en-US" altLang="ko-KR" sz="1600" spc="-150" dirty="0">
-                <a:latin typeface="+mn-ea"/>
-              </a:rPr>
-              <a:t>, </a:t>
-            </a:r>
-            <a:r>
-              <a:rPr lang="ko-KR" altLang="en-US" sz="1600" spc="-150" dirty="0">
-                <a:latin typeface="+mn-ea"/>
-              </a:rPr>
-              <a:t>봅니다</a:t>
-            </a:r>
-            <a:r>
-              <a:rPr lang="en-US" altLang="ko-KR" sz="1600" spc="-150" dirty="0">
-                <a:latin typeface="+mn-ea"/>
-              </a:rPr>
-              <a:t>. </a:t>
-            </a:r>
-            <a:r>
-              <a:rPr lang="ko-KR" altLang="en-US" sz="1600" spc="-150" dirty="0">
-                <a:latin typeface="+mn-ea"/>
-              </a:rPr>
-              <a:t>새겨지는 별 불러 어머니</a:t>
-            </a:r>
-            <a:r>
-              <a:rPr lang="en-US" altLang="ko-KR" sz="1600" spc="-150" dirty="0">
-                <a:latin typeface="+mn-ea"/>
-              </a:rPr>
-              <a:t>, </a:t>
-            </a:r>
-            <a:r>
-              <a:rPr lang="ko-KR" altLang="en-US" sz="1600" spc="-150" dirty="0">
-                <a:latin typeface="+mn-ea"/>
-              </a:rPr>
-              <a:t>이제 것은 별들을 </a:t>
-            </a:r>
-            <a:r>
-              <a:rPr lang="ko-KR" altLang="en-US" sz="1600" spc="-150" dirty="0" err="1">
-                <a:latin typeface="+mn-ea"/>
-              </a:rPr>
-              <a:t>거외다</a:t>
-            </a:r>
-            <a:r>
-              <a:rPr lang="en-US" altLang="ko-KR" sz="1600" spc="-150" dirty="0">
-                <a:latin typeface="+mn-ea"/>
-              </a:rPr>
-              <a:t>. </a:t>
-            </a:r>
-            <a:r>
-              <a:rPr lang="ko-KR" altLang="en-US" sz="1600" spc="-150" dirty="0">
-                <a:latin typeface="+mn-ea"/>
-              </a:rPr>
-              <a:t>된 슬퍼하는 못 별 시인의 사랑과 있습니다</a:t>
-            </a:r>
-            <a:r>
-              <a:rPr lang="en-US" altLang="ko-KR" sz="1600" spc="-150" dirty="0">
-                <a:latin typeface="+mn-ea"/>
-              </a:rPr>
-              <a:t>. </a:t>
-            </a:r>
-            <a:r>
-              <a:rPr lang="ko-KR" altLang="en-US" sz="1600" spc="-150" dirty="0">
-                <a:latin typeface="+mn-ea"/>
-              </a:rPr>
-              <a:t>멀리 그러나 이런 겨울이 봅니다</a:t>
-            </a:r>
-            <a:r>
-              <a:rPr lang="en-US" altLang="ko-KR" sz="1600" spc="-150" dirty="0">
-                <a:latin typeface="+mn-ea"/>
-              </a:rPr>
-              <a:t>. </a:t>
-            </a:r>
-            <a:r>
-              <a:rPr lang="ko-KR" altLang="en-US" sz="1600" spc="-150" dirty="0">
-                <a:latin typeface="+mn-ea"/>
-              </a:rPr>
-              <a:t>하나에 풀이 별 </a:t>
-            </a:r>
-            <a:r>
-              <a:rPr lang="ko-KR" altLang="en-US" sz="1600" spc="-150" dirty="0" err="1">
-                <a:latin typeface="+mn-ea"/>
-              </a:rPr>
-              <a:t>라이너</a:t>
-            </a:r>
-            <a:r>
-              <a:rPr lang="ko-KR" altLang="en-US" sz="1600" spc="-150" dirty="0">
-                <a:latin typeface="+mn-ea"/>
-              </a:rPr>
-              <a:t> 쓸쓸함과 버리었습니다</a:t>
-            </a:r>
-            <a:r>
-              <a:rPr lang="en-US" altLang="ko-KR" sz="1600" spc="-150" dirty="0">
-                <a:latin typeface="+mn-ea"/>
-              </a:rPr>
-              <a:t>. </a:t>
-            </a:r>
-            <a:endParaRPr lang="ko-KR" altLang="en-US" sz="1600" spc="-150" dirty="0">
-              <a:latin typeface="+mn-ea"/>
-            </a:endParaRPr>
-          </a:p>
-        </p:txBody>
-      </p:sp>
-      <p:sp>
-        <p:nvSpPr>
-          <p:cNvPr id="9" name="TextBox 8">
-            <a:extLst>
-              <a:ext uri="{FF2B5EF4-FFF2-40B4-BE49-F238E27FC236}">
-                <a16:creationId xmlns="" xmlns:a16="http://schemas.microsoft.com/office/drawing/2014/main" id="{A2C8F0F1-3834-43F9-9EAF-BB8A854E7598}"/>
-              </a:ext>
-            </a:extLst>
-          </p:cNvPr>
-          <p:cNvSpPr txBox="1"/>
-          <p:nvPr/>
-        </p:nvSpPr>
-        <p:spPr>
-          <a:xfrm>
-            <a:off x="528765" y="2705686"/>
-            <a:ext cx="3493264" cy="584775"/>
-          </a:xfrm>
-          <a:prstGeom prst="rect">
-            <a:avLst/>
-          </a:prstGeom>
-          <a:noFill/>
-        </p:spPr>
-        <p:txBody>
-          <a:bodyPr wrap="none" rtlCol="0">
-            <a:spAutoFit/>
-          </a:bodyPr>
-          <a:lstStyle/>
-          <a:p>
-            <a:r>
-              <a:rPr lang="ko-KR" altLang="en-US" sz="3200" spc="-300" dirty="0">
-                <a:solidFill>
-                  <a:schemeClr val="tx1">
-                    <a:lumMod val="75000"/>
-                    <a:lumOff val="25000"/>
-                  </a:schemeClr>
-                </a:solidFill>
-                <a:latin typeface="+mj-ea"/>
-                <a:ea typeface="+mj-ea"/>
-              </a:rPr>
-              <a:t>소제목을 입력하세요</a:t>
-            </a:r>
-          </a:p>
-        </p:txBody>
-      </p:sp>
-      <p:cxnSp>
-        <p:nvCxnSpPr>
-          <p:cNvPr id="10" name="직선 연결선 9">
-            <a:extLst>
-              <a:ext uri="{FF2B5EF4-FFF2-40B4-BE49-F238E27FC236}">
-                <a16:creationId xmlns="" xmlns:a16="http://schemas.microsoft.com/office/drawing/2014/main" id="{B3A012AF-266B-4F98-B1BF-51E34CE46F69}"/>
-              </a:ext>
-            </a:extLst>
-          </p:cNvPr>
-          <p:cNvCxnSpPr>
-            <a:cxnSpLocks/>
-          </p:cNvCxnSpPr>
-          <p:nvPr/>
-        </p:nvCxnSpPr>
-        <p:spPr>
-          <a:xfrm>
-            <a:off x="528765" y="3421020"/>
-            <a:ext cx="5191551" cy="0"/>
-          </a:xfrm>
-          <a:prstGeom prst="line">
-            <a:avLst/>
-          </a:prstGeom>
-          <a:ln>
-            <a:solidFill>
-              <a:schemeClr val="tx1"/>
-            </a:solidFill>
-          </a:ln>
-        </p:spPr>
-        <p:style>
-          <a:lnRef idx="1">
-            <a:schemeClr val="accent1"/>
-          </a:lnRef>
-          <a:fillRef idx="0">
-            <a:schemeClr val="accent1"/>
-          </a:fillRef>
-          <a:effectRef idx="0">
-            <a:schemeClr val="accent1"/>
-          </a:effectRef>
-          <a:fontRef idx="minor">
-            <a:schemeClr val="tx1"/>
-          </a:fontRef>
-        </p:style>
-      </p:cxnSp>
-    </p:spTree>
-    <p:extLst>
-      <p:ext uri="{BB962C8B-B14F-4D97-AF65-F5344CB8AC3E}">
-        <p14:creationId xmlns:p14="http://schemas.microsoft.com/office/powerpoint/2010/main" val="1735041406"/>
-      </p:ext>
-    </p:extLst>
-  </p:cSld>
-  <p:clrMapOvr>
-    <a:masterClrMapping/>
-  </p:clrMapOvr>
-  <mc:AlternateContent xmlns:mc="http://schemas.openxmlformats.org/markup-compatibility/2006" xmlns:p14="http://schemas.microsoft.com/office/powerpoint/2010/main">
-    <mc:Choice Requires="p14">
-      <p:transition spd="med" p14:dur="700">
-        <p:fade/>
-      </p:transition>
-    </mc:Choice>
-    <mc:Fallback xmlns="">
-      <p:transition spd="med">
-        <p:fade/>
-      </p:transition>
-    </mc:Fallback>
-  </mc:AlternateContent>
-</p:sld>
-</file>
-
-<file path=ppt/slides/slide18.xml><?xml version="1.0" encoding="utf-8"?>
-<p:sld xmlns:a="http://schemas.openxmlformats.org/drawingml/2006/main" xmlns:r="http://schemas.openxmlformats.org/officeDocument/2006/relationships" xmlns:p="http://schemas.openxmlformats.org/presentationml/2006/main">
-  <p:cSld>
-    <p:spTree>
-      <p:nvGrpSpPr>
-        <p:cNvPr id="1" name=""/>
-        <p:cNvGrpSpPr/>
-        <p:nvPr/>
-      </p:nvGrpSpPr>
-      <p:grpSpPr>
-        <a:xfrm>
-          <a:off x="0" y="0"/>
-          <a:ext cx="0" cy="0"/>
-          <a:chOff x="0" y="0"/>
-          <a:chExt cx="0" cy="0"/>
-        </a:xfrm>
-      </p:grpSpPr>
-      <p:pic>
-        <p:nvPicPr>
-          <p:cNvPr id="3" name="그림 2" descr="실내, 테이블, 앉아있는, 와인이(가) 표시된 사진&#10;&#10;자동 생성된 설명">
-            <a:extLst>
-              <a:ext uri="{FF2B5EF4-FFF2-40B4-BE49-F238E27FC236}">
-                <a16:creationId xmlns="" xmlns:a16="http://schemas.microsoft.com/office/drawing/2014/main" id="{D518911D-6752-4A8F-B9C7-243ABA168AEF}"/>
+                <a16:creationId xmlns="" xmlns:a16="http://schemas.microsoft.com/office/drawing/2014/main" id="{119B61DF-DD71-477E-9BF0-42F785F6B370}"/>
               </a:ext>
             </a:extLst>
           </p:cNvPr>
@@ -16307,10 +17128,10 @@
       </p:pic>
       <p:sp>
         <p:nvSpPr>
-          <p:cNvPr id="4" name="TextBox 3">
+          <p:cNvPr id="5" name="TextBox 4">
             <a:extLst>
               <a:ext uri="{FF2B5EF4-FFF2-40B4-BE49-F238E27FC236}">
-                <a16:creationId xmlns="" xmlns:a16="http://schemas.microsoft.com/office/drawing/2014/main" id="{743C096D-564A-4430-BDD5-9A7467FF261F}"/>
+                <a16:creationId xmlns="" xmlns:a16="http://schemas.microsoft.com/office/drawing/2014/main" id="{676ADFEC-BB58-4D70-9FD2-B61721B1938A}"/>
               </a:ext>
             </a:extLst>
           </p:cNvPr>
@@ -16538,10 +17359,10 @@
       </p:sp>
       <p:sp>
         <p:nvSpPr>
-          <p:cNvPr id="5" name="TextBox 4">
+          <p:cNvPr id="6" name="TextBox 5">
             <a:extLst>
               <a:ext uri="{FF2B5EF4-FFF2-40B4-BE49-F238E27FC236}">
-                <a16:creationId xmlns="" xmlns:a16="http://schemas.microsoft.com/office/drawing/2014/main" id="{FD0E91BA-22DB-486F-8265-265EC65310B6}"/>
+                <a16:creationId xmlns="" xmlns:a16="http://schemas.microsoft.com/office/drawing/2014/main" id="{F7DF015D-7C45-422F-BF86-AAAD7FF491D3}"/>
               </a:ext>
             </a:extLst>
           </p:cNvPr>
@@ -16551,7 +17372,7 @@
         <p:spPr>
           <a:xfrm>
             <a:off x="6514895" y="2705686"/>
-            <a:ext cx="3493264" cy="584775"/>
+            <a:ext cx="1564852" cy="584775"/>
           </a:xfrm>
           <a:prstGeom prst="rect">
             <a:avLst/>
@@ -16565,7 +17386,7 @@
           <a:lstStyle/>
           <a:p>
             <a:r>
-              <a:rPr lang="ko-KR" altLang="en-US" sz="3200" spc="-300" dirty="0">
+              <a:rPr lang="en-US" altLang="ko-KR" sz="3200" spc="-300" dirty="0" smtClean="0">
                 <a:solidFill>
                   <a:schemeClr val="tx1">
                     <a:lumMod val="75000"/>
@@ -16575,17 +17396,27 @@
                 <a:latin typeface="+mj-ea"/>
                 <a:ea typeface="+mj-ea"/>
               </a:rPr>
-              <a:t>소제목을 입력하세요</a:t>
-            </a:r>
+              <a:t>Ticketing</a:t>
+            </a:r>
+            <a:endParaRPr lang="ko-KR" altLang="en-US" sz="3200" spc="-300" dirty="0">
+              <a:solidFill>
+                <a:schemeClr val="tx1">
+                  <a:lumMod val="75000"/>
+                  <a:lumOff val="25000"/>
+                </a:schemeClr>
+              </a:solidFill>
+              <a:latin typeface="+mj-ea"/>
+              <a:ea typeface="+mj-ea"/>
+            </a:endParaRPr>
           </a:p>
         </p:txBody>
       </p:sp>
       <p:cxnSp>
         <p:nvCxnSpPr>
-          <p:cNvPr id="6" name="직선 연결선 5">
+          <p:cNvPr id="7" name="직선 연결선 6">
             <a:extLst>
               <a:ext uri="{FF2B5EF4-FFF2-40B4-BE49-F238E27FC236}">
-                <a16:creationId xmlns="" xmlns:a16="http://schemas.microsoft.com/office/drawing/2014/main" id="{2323070E-2B31-45C3-B3CD-41AE694A1063}"/>
+                <a16:creationId xmlns="" xmlns:a16="http://schemas.microsoft.com/office/drawing/2014/main" id="{38F15EEA-547D-421E-908C-354ED5DA0C11}"/>
               </a:ext>
             </a:extLst>
           </p:cNvPr>
@@ -16623,10 +17454,244 @@
           </a:fontRef>
         </p:style>
       </p:cxnSp>
+      <p:pic>
+        <p:nvPicPr>
+          <p:cNvPr id="5122" name="Picture 2" descr="C:\Users\BIT\Downloads\커뮤니티보드+푸드캡처\푸드.PNG"/>
+          <p:cNvPicPr>
+            <a:picLocks noChangeArrowheads="1"/>
+          </p:cNvPicPr>
+          <p:nvPr/>
+        </p:nvPicPr>
+        <p:blipFill>
+          <a:blip r:embed="rId3">
+            <a:extLst>
+              <a:ext uri="{28A0092B-C50C-407E-A947-70E740481C1C}">
+                <a14:useLocalDpi xmlns:a14="http://schemas.microsoft.com/office/drawing/2010/main" val="0"/>
+              </a:ext>
+            </a:extLst>
+          </a:blip>
+          <a:srcRect/>
+          <a:stretch>
+            <a:fillRect/>
+          </a:stretch>
+        </p:blipFill>
+        <p:spPr bwMode="auto">
+          <a:xfrm>
+            <a:off x="0" y="-7980"/>
+            <a:ext cx="6094800" cy="6858000"/>
+          </a:xfrm>
+          <a:prstGeom prst="rect">
+            <a:avLst/>
+          </a:prstGeom>
+          <a:noFill/>
+          <a:ln>
+            <a:solidFill>
+              <a:schemeClr val="accent1"/>
+            </a:solidFill>
+          </a:ln>
+          <a:extLst>
+            <a:ext uri="{909E8E84-426E-40DD-AFC4-6F175D3DCCD1}">
+              <a14:hiddenFill xmlns:a14="http://schemas.microsoft.com/office/drawing/2010/main">
+                <a:solidFill>
+                  <a:srgbClr val="FFFFFF"/>
+                </a:solidFill>
+              </a14:hiddenFill>
+            </a:ext>
+          </a:extLst>
+        </p:spPr>
+      </p:pic>
+      <p:grpSp>
+        <p:nvGrpSpPr>
+          <p:cNvPr id="8" name="그룹 7"/>
+          <p:cNvGrpSpPr/>
+          <p:nvPr/>
+        </p:nvGrpSpPr>
+        <p:grpSpPr>
+          <a:xfrm>
+            <a:off x="1200" y="-7980"/>
+            <a:ext cx="6094800" cy="6858000"/>
+            <a:chOff x="0" y="-2522991"/>
+            <a:chExt cx="6574971" cy="13171941"/>
+          </a:xfrm>
+        </p:grpSpPr>
+        <p:pic>
+          <p:nvPicPr>
+            <p:cNvPr id="9" name="Picture 2" descr="C:\Users\BIT\Downloads\티켓팅디자인캡쳐\티켓팅메인.png"/>
+            <p:cNvPicPr>
+              <a:picLocks noChangeAspect="1" noChangeArrowheads="1"/>
+            </p:cNvPicPr>
+            <p:nvPr/>
+          </p:nvPicPr>
+          <p:blipFill>
+            <a:blip r:embed="rId4" cstate="screen">
+              <a:extLst>
+                <a:ext uri="{28A0092B-C50C-407E-A947-70E740481C1C}">
+                  <a14:useLocalDpi xmlns:a14="http://schemas.microsoft.com/office/drawing/2010/main" val="0"/>
+                </a:ext>
+              </a:extLst>
+            </a:blip>
+            <a:srcRect/>
+            <a:stretch>
+              <a:fillRect/>
+            </a:stretch>
+          </p:blipFill>
+          <p:spPr bwMode="auto">
+            <a:xfrm>
+              <a:off x="0" y="-2522991"/>
+              <a:ext cx="6574971" cy="4095750"/>
+            </a:xfrm>
+            <a:prstGeom prst="rect">
+              <a:avLst/>
+            </a:prstGeom>
+            <a:noFill/>
+            <a:extLst>
+              <a:ext uri="{909E8E84-426E-40DD-AFC4-6F175D3DCCD1}">
+                <a14:hiddenFill xmlns:a14="http://schemas.microsoft.com/office/drawing/2010/main">
+                  <a:solidFill>
+                    <a:srgbClr val="FFFFFF"/>
+                  </a:solidFill>
+                </a14:hiddenFill>
+              </a:ext>
+            </a:extLst>
+          </p:spPr>
+        </p:pic>
+        <p:pic>
+          <p:nvPicPr>
+            <p:cNvPr id="10" name="Picture 3" descr="C:\Users\BIT\Downloads\티켓팅디자인캡쳐\티켓팅메인2.png"/>
+            <p:cNvPicPr>
+              <a:picLocks noChangeAspect="1" noChangeArrowheads="1"/>
+            </p:cNvPicPr>
+            <p:nvPr/>
+          </p:nvPicPr>
+          <p:blipFill>
+            <a:blip r:embed="rId5">
+              <a:extLst>
+                <a:ext uri="{28A0092B-C50C-407E-A947-70E740481C1C}">
+                  <a14:useLocalDpi xmlns:a14="http://schemas.microsoft.com/office/drawing/2010/main" val="0"/>
+                </a:ext>
+              </a:extLst>
+            </a:blip>
+            <a:srcRect/>
+            <a:stretch>
+              <a:fillRect/>
+            </a:stretch>
+          </p:blipFill>
+          <p:spPr bwMode="auto">
+            <a:xfrm>
+              <a:off x="0" y="1247774"/>
+              <a:ext cx="6574971" cy="5695951"/>
+            </a:xfrm>
+            <a:prstGeom prst="rect">
+              <a:avLst/>
+            </a:prstGeom>
+            <a:noFill/>
+            <a:extLst>
+              <a:ext uri="{909E8E84-426E-40DD-AFC4-6F175D3DCCD1}">
+                <a14:hiddenFill xmlns:a14="http://schemas.microsoft.com/office/drawing/2010/main">
+                  <a:solidFill>
+                    <a:srgbClr val="FFFFFF"/>
+                  </a:solidFill>
+                </a14:hiddenFill>
+              </a:ext>
+            </a:extLst>
+          </p:spPr>
+        </p:pic>
+        <p:pic>
+          <p:nvPicPr>
+            <p:cNvPr id="11" name="Picture 4" descr="C:\Users\BIT\Downloads\티켓팅디자인캡쳐\티켓팅메인3.png"/>
+            <p:cNvPicPr>
+              <a:picLocks noChangeAspect="1" noChangeArrowheads="1"/>
+            </p:cNvPicPr>
+            <p:nvPr/>
+          </p:nvPicPr>
+          <p:blipFill>
+            <a:blip r:embed="rId6">
+              <a:extLst>
+                <a:ext uri="{28A0092B-C50C-407E-A947-70E740481C1C}">
+                  <a14:useLocalDpi xmlns:a14="http://schemas.microsoft.com/office/drawing/2010/main" val="0"/>
+                </a:ext>
+              </a:extLst>
+            </a:blip>
+            <a:srcRect/>
+            <a:stretch>
+              <a:fillRect/>
+            </a:stretch>
+          </p:blipFill>
+          <p:spPr bwMode="auto">
+            <a:xfrm>
+              <a:off x="0" y="6943725"/>
+              <a:ext cx="6574971" cy="3705225"/>
+            </a:xfrm>
+            <a:prstGeom prst="rect">
+              <a:avLst/>
+            </a:prstGeom>
+            <a:noFill/>
+            <a:extLst>
+              <a:ext uri="{909E8E84-426E-40DD-AFC4-6F175D3DCCD1}">
+                <a14:hiddenFill xmlns:a14="http://schemas.microsoft.com/office/drawing/2010/main">
+                  <a:solidFill>
+                    <a:srgbClr val="FFFFFF"/>
+                  </a:solidFill>
+                </a14:hiddenFill>
+              </a:ext>
+            </a:extLst>
+          </p:spPr>
+        </p:pic>
+      </p:grpSp>
+      <p:sp>
+        <p:nvSpPr>
+          <p:cNvPr id="12" name="TextBox 11">
+            <a:extLst>
+              <a:ext uri="{FF2B5EF4-FFF2-40B4-BE49-F238E27FC236}">
+                <a16:creationId xmlns:a16="http://schemas.microsoft.com/office/drawing/2014/main" xmlns="" id="{7FFA9BC9-96FB-4B17-AF51-48D81692F2D7}"/>
+              </a:ext>
+            </a:extLst>
+          </p:cNvPr>
+          <p:cNvSpPr txBox="1"/>
+          <p:nvPr/>
+        </p:nvSpPr>
+        <p:spPr>
+          <a:xfrm>
+            <a:off x="9643482" y="114193"/>
+            <a:ext cx="2141933" cy="584775"/>
+          </a:xfrm>
+          <a:prstGeom prst="rect">
+            <a:avLst/>
+          </a:prstGeom>
+          <a:noFill/>
+        </p:spPr>
+        <p:txBody>
+          <a:bodyPr wrap="none" rtlCol="0">
+            <a:spAutoFit/>
+          </a:bodyPr>
+          <a:lstStyle/>
+          <a:p>
+            <a:r>
+              <a:rPr lang="ko-KR" altLang="en-US" sz="3200" spc="-300" dirty="0" smtClean="0">
+                <a:solidFill>
+                  <a:schemeClr val="tx1">
+                    <a:lumMod val="85000"/>
+                    <a:lumOff val="15000"/>
+                  </a:schemeClr>
+                </a:solidFill>
+              </a:rPr>
+              <a:t>스토리 보드</a:t>
+            </a:r>
+            <a:endParaRPr lang="ko-KR" altLang="en-US" sz="3200" spc="-300" dirty="0">
+              <a:solidFill>
+                <a:schemeClr val="tx1">
+                  <a:lumMod val="85000"/>
+                  <a:lumOff val="15000"/>
+                </a:schemeClr>
+              </a:solidFill>
+            </a:endParaRPr>
+          </a:p>
+        </p:txBody>
+      </p:sp>
     </p:spTree>
     <p:extLst>
       <p:ext uri="{BB962C8B-B14F-4D97-AF65-F5344CB8AC3E}">
-        <p14:creationId xmlns:p14="http://schemas.microsoft.com/office/powerpoint/2010/main" val="1913110572"/>
+        <p14:creationId xmlns:p14="http://schemas.microsoft.com/office/powerpoint/2010/main" val="4205326487"/>
       </p:ext>
     </p:extLst>
   </p:cSld>
@@ -16645,401 +17710,13 @@
       </p:transition>
     </mc:Fallback>
   </mc:AlternateContent>
-</p:sld>
-</file>
-
-<file path=ppt/slides/slide19.xml><?xml version="1.0" encoding="utf-8"?>
-<p:sld xmlns:a="http://schemas.openxmlformats.org/drawingml/2006/main" xmlns:r="http://schemas.openxmlformats.org/officeDocument/2006/relationships" xmlns:p="http://schemas.openxmlformats.org/presentationml/2006/main">
-  <p:cSld>
-    <p:spTree>
-      <p:nvGrpSpPr>
-        <p:cNvPr id="1" name=""/>
-        <p:cNvGrpSpPr/>
-        <p:nvPr/>
-      </p:nvGrpSpPr>
-      <p:grpSpPr>
-        <a:xfrm>
-          <a:off x="0" y="0"/>
-          <a:ext cx="0" cy="0"/>
-          <a:chOff x="0" y="0"/>
-          <a:chExt cx="0" cy="0"/>
-        </a:xfrm>
-      </p:grpSpPr>
-      <p:pic>
-        <p:nvPicPr>
-          <p:cNvPr id="3" name="그림 2" descr="실외, 기차, 트랙, 건물이(가) 표시된 사진&#10;&#10;자동 생성된 설명">
-            <a:extLst>
-              <a:ext uri="{FF2B5EF4-FFF2-40B4-BE49-F238E27FC236}">
-                <a16:creationId xmlns="" xmlns:a16="http://schemas.microsoft.com/office/drawing/2014/main" id="{8CD409FB-2257-453E-B6C3-2178E1776929}"/>
-              </a:ext>
-            </a:extLst>
-          </p:cNvPr>
-          <p:cNvPicPr>
-            <a:picLocks noChangeAspect="1"/>
-          </p:cNvPicPr>
-          <p:nvPr/>
-        </p:nvPicPr>
-        <p:blipFill rotWithShape="1">
-          <a:blip r:embed="rId2" cstate="screen">
-            <a:extLst>
-              <a:ext uri="{28A0092B-C50C-407E-A947-70E740481C1C}">
-                <a14:useLocalDpi xmlns:a14="http://schemas.microsoft.com/office/drawing/2010/main" val="0"/>
-              </a:ext>
-            </a:extLst>
-          </a:blip>
-          <a:srcRect/>
-          <a:stretch/>
-        </p:blipFill>
-        <p:spPr>
-          <a:xfrm>
-            <a:off x="6096000" y="0"/>
-            <a:ext cx="6096000" cy="6858000"/>
-          </a:xfrm>
-          <a:prstGeom prst="rect">
-            <a:avLst/>
-          </a:prstGeom>
-        </p:spPr>
-      </p:pic>
-      <p:sp>
-        <p:nvSpPr>
-          <p:cNvPr id="8" name="TextBox 7">
-            <a:extLst>
-              <a:ext uri="{FF2B5EF4-FFF2-40B4-BE49-F238E27FC236}">
-                <a16:creationId xmlns="" xmlns:a16="http://schemas.microsoft.com/office/drawing/2014/main" id="{FD0ACFEB-2299-478B-951A-006725EED731}"/>
-              </a:ext>
-            </a:extLst>
-          </p:cNvPr>
-          <p:cNvSpPr txBox="1"/>
-          <p:nvPr/>
-        </p:nvSpPr>
-        <p:spPr>
-          <a:xfrm>
-            <a:off x="528765" y="3583489"/>
-            <a:ext cx="5270520" cy="2144754"/>
-          </a:xfrm>
-          <a:prstGeom prst="rect">
-            <a:avLst/>
-          </a:prstGeom>
-          <a:noFill/>
-        </p:spPr>
-        <p:txBody>
-          <a:bodyPr wrap="square" rtlCol="0" anchor="t">
-            <a:spAutoFit/>
-          </a:bodyPr>
-          <a:lstStyle/>
-          <a:p>
-            <a:pPr algn="just">
-              <a:lnSpc>
-                <a:spcPct val="120000"/>
-              </a:lnSpc>
-            </a:pPr>
-            <a:r>
-              <a:rPr lang="ko-KR" altLang="en-US" sz="1600" spc="-150" dirty="0">
-                <a:latin typeface="+mn-ea"/>
-              </a:rPr>
-              <a:t>그리워 멀리 하나에 이름과</a:t>
-            </a:r>
-            <a:r>
-              <a:rPr lang="en-US" altLang="ko-KR" sz="1600" spc="-150" dirty="0">
-                <a:latin typeface="+mn-ea"/>
-              </a:rPr>
-              <a:t>, </a:t>
-            </a:r>
-            <a:r>
-              <a:rPr lang="ko-KR" altLang="en-US" sz="1600" spc="-150" dirty="0">
-                <a:latin typeface="+mn-ea"/>
-              </a:rPr>
-              <a:t>무엇인지 별에도 어머니 이름자 </a:t>
-            </a:r>
-            <a:r>
-              <a:rPr lang="ko-KR" altLang="en-US" sz="1600" spc="-150" dirty="0" err="1">
-                <a:latin typeface="+mn-ea"/>
-              </a:rPr>
-              <a:t>거외다</a:t>
-            </a:r>
-            <a:r>
-              <a:rPr lang="en-US" altLang="ko-KR" sz="1600" spc="-150" dirty="0">
-                <a:latin typeface="+mn-ea"/>
-              </a:rPr>
-              <a:t>. </a:t>
-            </a:r>
-            <a:r>
-              <a:rPr lang="ko-KR" altLang="en-US" sz="1600" spc="-150" dirty="0">
-                <a:latin typeface="+mn-ea"/>
-              </a:rPr>
-              <a:t>하나에 슬퍼하는 너무나 위에 된 봅니다</a:t>
-            </a:r>
-            <a:r>
-              <a:rPr lang="en-US" altLang="ko-KR" sz="1600" spc="-150" dirty="0">
-                <a:latin typeface="+mn-ea"/>
-              </a:rPr>
-              <a:t>. </a:t>
-            </a:r>
-            <a:r>
-              <a:rPr lang="ko-KR" altLang="en-US" sz="1600" spc="-150" dirty="0">
-                <a:latin typeface="+mn-ea"/>
-              </a:rPr>
-              <a:t>없이 별에도 이름을 나는 풀이 </a:t>
-            </a:r>
-            <a:r>
-              <a:rPr lang="ko-KR" altLang="en-US" sz="1600" spc="-150" dirty="0" err="1">
-                <a:latin typeface="+mn-ea"/>
-              </a:rPr>
-              <a:t>거외다</a:t>
-            </a:r>
-            <a:r>
-              <a:rPr lang="en-US" altLang="ko-KR" sz="1600" spc="-150" dirty="0">
-                <a:latin typeface="+mn-ea"/>
-              </a:rPr>
-              <a:t>. </a:t>
-            </a:r>
-            <a:r>
-              <a:rPr lang="ko-KR" altLang="en-US" sz="1600" spc="-150" dirty="0">
-                <a:latin typeface="+mn-ea"/>
-              </a:rPr>
-              <a:t>부끄러운 시와 계절이 봅니다</a:t>
-            </a:r>
-            <a:r>
-              <a:rPr lang="en-US" altLang="ko-KR" sz="1600" spc="-150" dirty="0">
-                <a:latin typeface="+mn-ea"/>
-              </a:rPr>
-              <a:t>. </a:t>
-            </a:r>
-            <a:r>
-              <a:rPr lang="ko-KR" altLang="en-US" sz="1600" spc="-150" dirty="0">
-                <a:latin typeface="+mn-ea"/>
-              </a:rPr>
-              <a:t>나의 묻힌 속의 이웃 하나의 사랑과 </a:t>
-            </a:r>
-            <a:r>
-              <a:rPr lang="ko-KR" altLang="en-US" sz="1600" spc="-150" dirty="0" err="1">
-                <a:latin typeface="+mn-ea"/>
-              </a:rPr>
-              <a:t>거외다</a:t>
-            </a:r>
-            <a:r>
-              <a:rPr lang="en-US" altLang="ko-KR" sz="1600" spc="-150" dirty="0">
-                <a:latin typeface="+mn-ea"/>
-              </a:rPr>
-              <a:t>. </a:t>
-            </a:r>
-            <a:r>
-              <a:rPr lang="ko-KR" altLang="en-US" sz="1600" spc="-150" dirty="0">
-                <a:latin typeface="+mn-ea"/>
-              </a:rPr>
-              <a:t>하나에 위에 강아지</a:t>
-            </a:r>
-            <a:r>
-              <a:rPr lang="en-US" altLang="ko-KR" sz="1600" spc="-150" dirty="0">
-                <a:latin typeface="+mn-ea"/>
-              </a:rPr>
-              <a:t>, </a:t>
-            </a:r>
-            <a:r>
-              <a:rPr lang="ko-KR" altLang="en-US" sz="1600" spc="-150" dirty="0">
-                <a:latin typeface="+mn-ea"/>
-              </a:rPr>
-              <a:t>봅니다</a:t>
-            </a:r>
-            <a:r>
-              <a:rPr lang="en-US" altLang="ko-KR" sz="1600" spc="-150" dirty="0">
-                <a:latin typeface="+mn-ea"/>
-              </a:rPr>
-              <a:t>. </a:t>
-            </a:r>
-            <a:r>
-              <a:rPr lang="ko-KR" altLang="en-US" sz="1600" spc="-150" dirty="0">
-                <a:latin typeface="+mn-ea"/>
-              </a:rPr>
-              <a:t>새겨지는 별 불러 어머니</a:t>
-            </a:r>
-            <a:r>
-              <a:rPr lang="en-US" altLang="ko-KR" sz="1600" spc="-150" dirty="0">
-                <a:latin typeface="+mn-ea"/>
-              </a:rPr>
-              <a:t>, </a:t>
-            </a:r>
-            <a:r>
-              <a:rPr lang="ko-KR" altLang="en-US" sz="1600" spc="-150" dirty="0">
-                <a:latin typeface="+mn-ea"/>
-              </a:rPr>
-              <a:t>이제 것은 별들을 </a:t>
-            </a:r>
-            <a:r>
-              <a:rPr lang="ko-KR" altLang="en-US" sz="1600" spc="-150" dirty="0" err="1">
-                <a:latin typeface="+mn-ea"/>
-              </a:rPr>
-              <a:t>거외다</a:t>
-            </a:r>
-            <a:r>
-              <a:rPr lang="en-US" altLang="ko-KR" sz="1600" spc="-150" dirty="0">
-                <a:latin typeface="+mn-ea"/>
-              </a:rPr>
-              <a:t>. </a:t>
-            </a:r>
-            <a:r>
-              <a:rPr lang="ko-KR" altLang="en-US" sz="1600" spc="-150" dirty="0">
-                <a:latin typeface="+mn-ea"/>
-              </a:rPr>
-              <a:t>된 슬퍼하는 못 별 시인의 사랑과 있습니다</a:t>
-            </a:r>
-            <a:r>
-              <a:rPr lang="en-US" altLang="ko-KR" sz="1600" spc="-150" dirty="0">
-                <a:latin typeface="+mn-ea"/>
-              </a:rPr>
-              <a:t>. </a:t>
-            </a:r>
-            <a:r>
-              <a:rPr lang="ko-KR" altLang="en-US" sz="1600" spc="-150" dirty="0">
-                <a:latin typeface="+mn-ea"/>
-              </a:rPr>
-              <a:t>멀리 그러나 이런 겨울이 봅니다</a:t>
-            </a:r>
-            <a:r>
-              <a:rPr lang="en-US" altLang="ko-KR" sz="1600" spc="-150" dirty="0">
-                <a:latin typeface="+mn-ea"/>
-              </a:rPr>
-              <a:t>. </a:t>
-            </a:r>
-            <a:r>
-              <a:rPr lang="ko-KR" altLang="en-US" sz="1600" spc="-150" dirty="0">
-                <a:latin typeface="+mn-ea"/>
-              </a:rPr>
-              <a:t>하나에 풀이 별 </a:t>
-            </a:r>
-            <a:r>
-              <a:rPr lang="ko-KR" altLang="en-US" sz="1600" spc="-150" dirty="0" err="1">
-                <a:latin typeface="+mn-ea"/>
-              </a:rPr>
-              <a:t>라이너</a:t>
-            </a:r>
-            <a:r>
-              <a:rPr lang="ko-KR" altLang="en-US" sz="1600" spc="-150" dirty="0">
-                <a:latin typeface="+mn-ea"/>
-              </a:rPr>
-              <a:t> 쓸쓸함과 버리었습니다</a:t>
-            </a:r>
-            <a:r>
-              <a:rPr lang="en-US" altLang="ko-KR" sz="1600" spc="-150" dirty="0">
-                <a:latin typeface="+mn-ea"/>
-              </a:rPr>
-              <a:t>. </a:t>
-            </a:r>
-            <a:endParaRPr lang="ko-KR" altLang="en-US" sz="1600" spc="-150" dirty="0">
-              <a:latin typeface="+mn-ea"/>
-            </a:endParaRPr>
-          </a:p>
-        </p:txBody>
-      </p:sp>
-      <p:sp>
-        <p:nvSpPr>
-          <p:cNvPr id="9" name="TextBox 8">
-            <a:extLst>
-              <a:ext uri="{FF2B5EF4-FFF2-40B4-BE49-F238E27FC236}">
-                <a16:creationId xmlns="" xmlns:a16="http://schemas.microsoft.com/office/drawing/2014/main" id="{5D7A2788-7369-4216-A5F4-6E3FD9AA34EC}"/>
-              </a:ext>
-            </a:extLst>
-          </p:cNvPr>
-          <p:cNvSpPr txBox="1"/>
-          <p:nvPr/>
-        </p:nvSpPr>
-        <p:spPr>
-          <a:xfrm>
-            <a:off x="528765" y="2705686"/>
-            <a:ext cx="3493264" cy="584775"/>
-          </a:xfrm>
-          <a:prstGeom prst="rect">
-            <a:avLst/>
-          </a:prstGeom>
-          <a:noFill/>
-        </p:spPr>
-        <p:txBody>
-          <a:bodyPr wrap="none" rtlCol="0">
-            <a:spAutoFit/>
-          </a:bodyPr>
-          <a:lstStyle/>
-          <a:p>
-            <a:r>
-              <a:rPr lang="ko-KR" altLang="en-US" sz="3200" spc="-300" dirty="0">
-                <a:solidFill>
-                  <a:schemeClr val="tx1">
-                    <a:lumMod val="75000"/>
-                    <a:lumOff val="25000"/>
-                  </a:schemeClr>
-                </a:solidFill>
-                <a:latin typeface="+mj-ea"/>
-                <a:ea typeface="+mj-ea"/>
-              </a:rPr>
-              <a:t>소제목을 입력하세요</a:t>
-            </a:r>
-          </a:p>
-        </p:txBody>
-      </p:sp>
-      <p:cxnSp>
-        <p:nvCxnSpPr>
-          <p:cNvPr id="10" name="직선 연결선 9">
-            <a:extLst>
-              <a:ext uri="{FF2B5EF4-FFF2-40B4-BE49-F238E27FC236}">
-                <a16:creationId xmlns="" xmlns:a16="http://schemas.microsoft.com/office/drawing/2014/main" id="{1AE128A5-6324-45DB-9C64-010AC12B3F02}"/>
-              </a:ext>
-            </a:extLst>
-          </p:cNvPr>
-          <p:cNvCxnSpPr>
-            <a:cxnSpLocks/>
-          </p:cNvCxnSpPr>
-          <p:nvPr/>
-        </p:nvCxnSpPr>
-        <p:spPr>
-          <a:xfrm>
-            <a:off x="528765" y="3421020"/>
-            <a:ext cx="5191551" cy="0"/>
-          </a:xfrm>
-          <a:prstGeom prst="line">
-            <a:avLst/>
-          </a:prstGeom>
-          <a:ln>
-            <a:solidFill>
-              <a:schemeClr val="tx1"/>
-            </a:solidFill>
-          </a:ln>
-        </p:spPr>
-        <p:style>
-          <a:lnRef idx="1">
-            <a:schemeClr val="accent1"/>
-          </a:lnRef>
-          <a:fillRef idx="0">
-            <a:schemeClr val="accent1"/>
-          </a:fillRef>
-          <a:effectRef idx="0">
-            <a:schemeClr val="accent1"/>
-          </a:effectRef>
-          <a:fontRef idx="minor">
-            <a:schemeClr val="tx1"/>
-          </a:fontRef>
-        </p:style>
-      </p:cxnSp>
-    </p:spTree>
-    <p:extLst>
-      <p:ext uri="{BB962C8B-B14F-4D97-AF65-F5344CB8AC3E}">
-        <p14:creationId xmlns:p14="http://schemas.microsoft.com/office/powerpoint/2010/main" val="4293141657"/>
-      </p:ext>
-    </p:extLst>
-  </p:cSld>
-  <p:clrMapOvr>
-    <a:masterClrMapping/>
-  </p:clrMapOvr>
-  <mc:AlternateContent xmlns:mc="http://schemas.openxmlformats.org/markup-compatibility/2006" xmlns:p14="http://schemas.microsoft.com/office/powerpoint/2010/main">
-    <mc:Choice Requires="p14">
-      <p:transition spd="med" p14:dur="700">
-        <p:fade/>
-      </p:transition>
-    </mc:Choice>
-    <mc:Fallback xmlns="">
-      <p:transition spd="med">
-        <p:fade/>
-      </p:transition>
-    </mc:Fallback>
-  </mc:AlternateContent>
+  <p:timing>
+    <p:tnLst>
+      <p:par>
+        <p:cTn id="1" dur="indefinite" restart="never" nodeType="tmRoot"/>
+      </p:par>
+    </p:tnLst>
+  </p:timing>
 </p:sld>
 </file>
 
@@ -17103,6 +17780,58 @@
           </a:fontRef>
         </p:style>
       </p:cxnSp>
+      <p:sp>
+        <p:nvSpPr>
+          <p:cNvPr id="5" name="직사각형 4">
+            <a:extLst>
+              <a:ext uri="{FF2B5EF4-FFF2-40B4-BE49-F238E27FC236}">
+                <a16:creationId xmlns="" xmlns:a16="http://schemas.microsoft.com/office/drawing/2014/main" id="{76EF8051-9646-4552-BE57-7D95D1538BA2}"/>
+              </a:ext>
+            </a:extLst>
+          </p:cNvPr>
+          <p:cNvSpPr/>
+          <p:nvPr/>
+        </p:nvSpPr>
+        <p:spPr>
+          <a:xfrm>
+            <a:off x="0" y="0"/>
+            <a:ext cx="177800" cy="6858000"/>
+          </a:xfrm>
+          <a:prstGeom prst="rect">
+            <a:avLst/>
+          </a:prstGeom>
+          <a:solidFill>
+            <a:schemeClr val="accent1"/>
+          </a:solidFill>
+          <a:ln>
+            <a:noFill/>
+          </a:ln>
+        </p:spPr>
+        <p:style>
+          <a:lnRef idx="2">
+            <a:schemeClr val="accent1">
+              <a:shade val="50000"/>
+            </a:schemeClr>
+          </a:lnRef>
+          <a:fillRef idx="1">
+            <a:schemeClr val="accent1"/>
+          </a:fillRef>
+          <a:effectRef idx="0">
+            <a:schemeClr val="accent1"/>
+          </a:effectRef>
+          <a:fontRef idx="minor">
+            <a:schemeClr val="lt1"/>
+          </a:fontRef>
+        </p:style>
+        <p:txBody>
+          <a:bodyPr rtlCol="0" anchor="ctr"/>
+          <a:lstStyle/>
+          <a:p>
+            <a:pPr algn="ctr"/>
+            <a:endParaRPr lang="ko-KR" altLang="en-US"/>
+          </a:p>
+        </p:txBody>
+      </p:sp>
       <p:sp>
         <p:nvSpPr>
           <p:cNvPr id="9" name="TextBox 8">
@@ -17981,31 +18710,541 @@
           </a:p>
         </p:txBody>
       </p:sp>
-      <p:sp>
-        <p:nvSpPr>
-          <p:cNvPr id="34" name="직사각형 33">
+    </p:spTree>
+    <p:extLst>
+      <p:ext uri="{BB962C8B-B14F-4D97-AF65-F5344CB8AC3E}">
+        <p14:creationId xmlns:p14="http://schemas.microsoft.com/office/powerpoint/2010/main" val="2393631099"/>
+      </p:ext>
+    </p:extLst>
+  </p:cSld>
+  <p:clrMapOvr>
+    <a:masterClrMapping/>
+  </p:clrMapOvr>
+  <mc:AlternateContent xmlns:mc="http://schemas.openxmlformats.org/markup-compatibility/2006" xmlns:p14="http://schemas.microsoft.com/office/powerpoint/2010/main">
+    <mc:Choice Requires="p14">
+      <p:transition spd="med" p14:dur="700">
+        <p:fade/>
+      </p:transition>
+    </mc:Choice>
+    <mc:Fallback xmlns="">
+      <p:transition spd="med">
+        <p:fade/>
+      </p:transition>
+    </mc:Fallback>
+  </mc:AlternateContent>
+</p:sld>
+</file>
+
+<file path=ppt/slides/slide20.xml><?xml version="1.0" encoding="utf-8"?>
+<p:sld xmlns:a="http://schemas.openxmlformats.org/drawingml/2006/main" xmlns:r="http://schemas.openxmlformats.org/officeDocument/2006/relationships" xmlns:p="http://schemas.openxmlformats.org/presentationml/2006/main">
+  <p:cSld>
+    <p:spTree>
+      <p:nvGrpSpPr>
+        <p:cNvPr id="1" name=""/>
+        <p:cNvGrpSpPr/>
+        <p:nvPr/>
+      </p:nvGrpSpPr>
+      <p:grpSpPr>
+        <a:xfrm>
+          <a:off x="0" y="0"/>
+          <a:ext cx="0" cy="0"/>
+          <a:chOff x="0" y="0"/>
+          <a:chExt cx="0" cy="0"/>
+        </a:xfrm>
+      </p:grpSpPr>
+      <p:pic>
+        <p:nvPicPr>
+          <p:cNvPr id="5" name="그림 4" descr="침대, 실내, 앉아있는, 테이블이(가) 표시된 사진&#10;&#10;자동 생성된 설명">
             <a:extLst>
               <a:ext uri="{FF2B5EF4-FFF2-40B4-BE49-F238E27FC236}">
-                <a16:creationId xmlns="" xmlns:a16="http://schemas.microsoft.com/office/drawing/2014/main" id="{76EF8051-9646-4552-BE57-7D95D1538BA2}"/>
+                <a16:creationId xmlns="" xmlns:a16="http://schemas.microsoft.com/office/drawing/2014/main" id="{F83D9A3B-D483-493D-BA99-E4FB75D30D46}"/>
               </a:ext>
             </a:extLst>
           </p:cNvPr>
+          <p:cNvPicPr>
+            <a:picLocks noChangeAspect="1"/>
+          </p:cNvPicPr>
+          <p:nvPr/>
+        </p:nvPicPr>
+        <p:blipFill rotWithShape="1">
+          <a:blip r:embed="rId2" cstate="screen">
+            <a:extLst>
+              <a:ext uri="{28A0092B-C50C-407E-A947-70E740481C1C}">
+                <a14:useLocalDpi xmlns:a14="http://schemas.microsoft.com/office/drawing/2010/main" val="0"/>
+              </a:ext>
+            </a:extLst>
+          </a:blip>
+          <a:srcRect/>
+          <a:stretch/>
+        </p:blipFill>
+        <p:spPr>
+          <a:xfrm>
+            <a:off x="6096000" y="0"/>
+            <a:ext cx="6096000" cy="6858000"/>
+          </a:xfrm>
+          <a:prstGeom prst="rect">
+            <a:avLst/>
+          </a:prstGeom>
+        </p:spPr>
+      </p:pic>
+      <p:sp>
+        <p:nvSpPr>
+          <p:cNvPr id="3" name="TextBox 2">
+            <a:extLst>
+              <a:ext uri="{FF2B5EF4-FFF2-40B4-BE49-F238E27FC236}">
+                <a16:creationId xmlns="" xmlns:a16="http://schemas.microsoft.com/office/drawing/2014/main" id="{CC4EA04D-F465-4ADF-8B8E-8927B90942A0}"/>
+              </a:ext>
+            </a:extLst>
+          </p:cNvPr>
+          <p:cNvSpPr txBox="1"/>
+          <p:nvPr/>
+        </p:nvSpPr>
+        <p:spPr>
+          <a:xfrm>
+            <a:off x="528765" y="3583489"/>
+            <a:ext cx="5270520" cy="2144754"/>
+          </a:xfrm>
+          <a:prstGeom prst="rect">
+            <a:avLst/>
+          </a:prstGeom>
+          <a:noFill/>
+        </p:spPr>
+        <p:txBody>
+          <a:bodyPr wrap="square" rtlCol="0" anchor="t">
+            <a:spAutoFit/>
+          </a:bodyPr>
+          <a:lstStyle/>
+          <a:p>
+            <a:pPr algn="just">
+              <a:lnSpc>
+                <a:spcPct val="120000"/>
+              </a:lnSpc>
+            </a:pPr>
+            <a:r>
+              <a:rPr lang="ko-KR" altLang="en-US" sz="1600" spc="-150" dirty="0">
+                <a:latin typeface="+mn-ea"/>
+              </a:rPr>
+              <a:t>그리워 멀리 하나에 이름과</a:t>
+            </a:r>
+            <a:r>
+              <a:rPr lang="en-US" altLang="ko-KR" sz="1600" spc="-150" dirty="0">
+                <a:latin typeface="+mn-ea"/>
+              </a:rPr>
+              <a:t>, </a:t>
+            </a:r>
+            <a:r>
+              <a:rPr lang="ko-KR" altLang="en-US" sz="1600" spc="-150" dirty="0">
+                <a:latin typeface="+mn-ea"/>
+              </a:rPr>
+              <a:t>무엇인지 별에도 어머니 이름자 </a:t>
+            </a:r>
+            <a:r>
+              <a:rPr lang="ko-KR" altLang="en-US" sz="1600" spc="-150" dirty="0" err="1">
+                <a:latin typeface="+mn-ea"/>
+              </a:rPr>
+              <a:t>거외다</a:t>
+            </a:r>
+            <a:r>
+              <a:rPr lang="en-US" altLang="ko-KR" sz="1600" spc="-150" dirty="0">
+                <a:latin typeface="+mn-ea"/>
+              </a:rPr>
+              <a:t>. </a:t>
+            </a:r>
+            <a:r>
+              <a:rPr lang="ko-KR" altLang="en-US" sz="1600" spc="-150" dirty="0">
+                <a:latin typeface="+mn-ea"/>
+              </a:rPr>
+              <a:t>하나에 슬퍼하는 너무나 위에 된 봅니다</a:t>
+            </a:r>
+            <a:r>
+              <a:rPr lang="en-US" altLang="ko-KR" sz="1600" spc="-150" dirty="0">
+                <a:latin typeface="+mn-ea"/>
+              </a:rPr>
+              <a:t>. </a:t>
+            </a:r>
+            <a:r>
+              <a:rPr lang="ko-KR" altLang="en-US" sz="1600" spc="-150" dirty="0">
+                <a:latin typeface="+mn-ea"/>
+              </a:rPr>
+              <a:t>없이 별에도 이름을 나는 풀이 </a:t>
+            </a:r>
+            <a:r>
+              <a:rPr lang="ko-KR" altLang="en-US" sz="1600" spc="-150" dirty="0" err="1">
+                <a:latin typeface="+mn-ea"/>
+              </a:rPr>
+              <a:t>거외다</a:t>
+            </a:r>
+            <a:r>
+              <a:rPr lang="en-US" altLang="ko-KR" sz="1600" spc="-150" dirty="0">
+                <a:latin typeface="+mn-ea"/>
+              </a:rPr>
+              <a:t>. </a:t>
+            </a:r>
+            <a:r>
+              <a:rPr lang="ko-KR" altLang="en-US" sz="1600" spc="-150" dirty="0">
+                <a:latin typeface="+mn-ea"/>
+              </a:rPr>
+              <a:t>부끄러운 시와 계절이 봅니다</a:t>
+            </a:r>
+            <a:r>
+              <a:rPr lang="en-US" altLang="ko-KR" sz="1600" spc="-150" dirty="0">
+                <a:latin typeface="+mn-ea"/>
+              </a:rPr>
+              <a:t>. </a:t>
+            </a:r>
+            <a:r>
+              <a:rPr lang="ko-KR" altLang="en-US" sz="1600" spc="-150" dirty="0">
+                <a:latin typeface="+mn-ea"/>
+              </a:rPr>
+              <a:t>나의 묻힌 속의 이웃 하나의 사랑과 </a:t>
+            </a:r>
+            <a:r>
+              <a:rPr lang="ko-KR" altLang="en-US" sz="1600" spc="-150" dirty="0" err="1">
+                <a:latin typeface="+mn-ea"/>
+              </a:rPr>
+              <a:t>거외다</a:t>
+            </a:r>
+            <a:r>
+              <a:rPr lang="en-US" altLang="ko-KR" sz="1600" spc="-150" dirty="0">
+                <a:latin typeface="+mn-ea"/>
+              </a:rPr>
+              <a:t>. </a:t>
+            </a:r>
+            <a:r>
+              <a:rPr lang="ko-KR" altLang="en-US" sz="1600" spc="-150" dirty="0">
+                <a:latin typeface="+mn-ea"/>
+              </a:rPr>
+              <a:t>하나에 위에 강아지</a:t>
+            </a:r>
+            <a:r>
+              <a:rPr lang="en-US" altLang="ko-KR" sz="1600" spc="-150" dirty="0">
+                <a:latin typeface="+mn-ea"/>
+              </a:rPr>
+              <a:t>, </a:t>
+            </a:r>
+            <a:r>
+              <a:rPr lang="ko-KR" altLang="en-US" sz="1600" spc="-150" dirty="0">
+                <a:latin typeface="+mn-ea"/>
+              </a:rPr>
+              <a:t>봅니다</a:t>
+            </a:r>
+            <a:r>
+              <a:rPr lang="en-US" altLang="ko-KR" sz="1600" spc="-150" dirty="0">
+                <a:latin typeface="+mn-ea"/>
+              </a:rPr>
+              <a:t>. </a:t>
+            </a:r>
+            <a:r>
+              <a:rPr lang="ko-KR" altLang="en-US" sz="1600" spc="-150" dirty="0">
+                <a:latin typeface="+mn-ea"/>
+              </a:rPr>
+              <a:t>새겨지는 별 불러 어머니</a:t>
+            </a:r>
+            <a:r>
+              <a:rPr lang="en-US" altLang="ko-KR" sz="1600" spc="-150" dirty="0">
+                <a:latin typeface="+mn-ea"/>
+              </a:rPr>
+              <a:t>, </a:t>
+            </a:r>
+            <a:r>
+              <a:rPr lang="ko-KR" altLang="en-US" sz="1600" spc="-150" dirty="0">
+                <a:latin typeface="+mn-ea"/>
+              </a:rPr>
+              <a:t>이제 것은 별들을 </a:t>
+            </a:r>
+            <a:r>
+              <a:rPr lang="ko-KR" altLang="en-US" sz="1600" spc="-150" dirty="0" err="1">
+                <a:latin typeface="+mn-ea"/>
+              </a:rPr>
+              <a:t>거외다</a:t>
+            </a:r>
+            <a:r>
+              <a:rPr lang="en-US" altLang="ko-KR" sz="1600" spc="-150" dirty="0">
+                <a:latin typeface="+mn-ea"/>
+              </a:rPr>
+              <a:t>. </a:t>
+            </a:r>
+            <a:r>
+              <a:rPr lang="ko-KR" altLang="en-US" sz="1600" spc="-150" dirty="0">
+                <a:latin typeface="+mn-ea"/>
+              </a:rPr>
+              <a:t>된 슬퍼하는 못 별 시인의 사랑과 있습니다</a:t>
+            </a:r>
+            <a:r>
+              <a:rPr lang="en-US" altLang="ko-KR" sz="1600" spc="-150" dirty="0">
+                <a:latin typeface="+mn-ea"/>
+              </a:rPr>
+              <a:t>. </a:t>
+            </a:r>
+            <a:r>
+              <a:rPr lang="ko-KR" altLang="en-US" sz="1600" spc="-150" dirty="0">
+                <a:latin typeface="+mn-ea"/>
+              </a:rPr>
+              <a:t>멀리 그러나 이런 겨울이 봅니다</a:t>
+            </a:r>
+            <a:r>
+              <a:rPr lang="en-US" altLang="ko-KR" sz="1600" spc="-150" dirty="0">
+                <a:latin typeface="+mn-ea"/>
+              </a:rPr>
+              <a:t>. </a:t>
+            </a:r>
+            <a:r>
+              <a:rPr lang="ko-KR" altLang="en-US" sz="1600" spc="-150" dirty="0">
+                <a:latin typeface="+mn-ea"/>
+              </a:rPr>
+              <a:t>하나에 풀이 별 </a:t>
+            </a:r>
+            <a:r>
+              <a:rPr lang="ko-KR" altLang="en-US" sz="1600" spc="-150" dirty="0" err="1">
+                <a:latin typeface="+mn-ea"/>
+              </a:rPr>
+              <a:t>라이너</a:t>
+            </a:r>
+            <a:r>
+              <a:rPr lang="ko-KR" altLang="en-US" sz="1600" spc="-150" dirty="0">
+                <a:latin typeface="+mn-ea"/>
+              </a:rPr>
+              <a:t> 쓸쓸함과 버리었습니다</a:t>
+            </a:r>
+            <a:r>
+              <a:rPr lang="en-US" altLang="ko-KR" sz="1600" spc="-150" dirty="0">
+                <a:latin typeface="+mn-ea"/>
+              </a:rPr>
+              <a:t>. </a:t>
+            </a:r>
+            <a:endParaRPr lang="ko-KR" altLang="en-US" sz="1600" spc="-150" dirty="0">
+              <a:latin typeface="+mn-ea"/>
+            </a:endParaRPr>
+          </a:p>
+        </p:txBody>
+      </p:sp>
+      <p:sp>
+        <p:nvSpPr>
+          <p:cNvPr id="4" name="TextBox 3">
+            <a:extLst>
+              <a:ext uri="{FF2B5EF4-FFF2-40B4-BE49-F238E27FC236}">
+                <a16:creationId xmlns="" xmlns:a16="http://schemas.microsoft.com/office/drawing/2014/main" id="{4DA083EC-6D70-48BC-AE74-3FF5273F0364}"/>
+              </a:ext>
+            </a:extLst>
+          </p:cNvPr>
+          <p:cNvSpPr txBox="1"/>
+          <p:nvPr/>
+        </p:nvSpPr>
+        <p:spPr>
+          <a:xfrm>
+            <a:off x="528765" y="2705686"/>
+            <a:ext cx="3248005" cy="584775"/>
+          </a:xfrm>
+          <a:prstGeom prst="rect">
+            <a:avLst/>
+          </a:prstGeom>
+          <a:noFill/>
+        </p:spPr>
+        <p:txBody>
+          <a:bodyPr wrap="none" rtlCol="0">
+            <a:spAutoFit/>
+          </a:bodyPr>
+          <a:lstStyle/>
+          <a:p>
+            <a:r>
+              <a:rPr lang="en-US" altLang="ko-KR" sz="3200" spc="-300" dirty="0" smtClean="0">
+                <a:solidFill>
+                  <a:schemeClr val="tx1">
+                    <a:lumMod val="75000"/>
+                    <a:lumOff val="25000"/>
+                  </a:schemeClr>
+                </a:solidFill>
+                <a:latin typeface="+mj-ea"/>
+                <a:ea typeface="+mj-ea"/>
+              </a:rPr>
+              <a:t>Ticketing</a:t>
+            </a:r>
+            <a:r>
+              <a:rPr lang="ko-KR" altLang="en-US" sz="3200" spc="-300" dirty="0" smtClean="0">
+                <a:solidFill>
+                  <a:schemeClr val="tx1">
+                    <a:lumMod val="75000"/>
+                    <a:lumOff val="25000"/>
+                  </a:schemeClr>
+                </a:solidFill>
+                <a:latin typeface="+mj-ea"/>
+                <a:ea typeface="+mj-ea"/>
+              </a:rPr>
+              <a:t> 상세 정보</a:t>
+            </a:r>
+            <a:endParaRPr lang="ko-KR" altLang="en-US" sz="3200" spc="-300" dirty="0">
+              <a:solidFill>
+                <a:schemeClr val="tx1">
+                  <a:lumMod val="75000"/>
+                  <a:lumOff val="25000"/>
+                </a:schemeClr>
+              </a:solidFill>
+              <a:latin typeface="+mj-ea"/>
+              <a:ea typeface="+mj-ea"/>
+            </a:endParaRPr>
+          </a:p>
+        </p:txBody>
+      </p:sp>
+      <p:cxnSp>
+        <p:nvCxnSpPr>
+          <p:cNvPr id="6" name="직선 연결선 5">
+            <a:extLst>
+              <a:ext uri="{FF2B5EF4-FFF2-40B4-BE49-F238E27FC236}">
+                <a16:creationId xmlns="" xmlns:a16="http://schemas.microsoft.com/office/drawing/2014/main" id="{9E12C1BE-4F1E-4F18-B068-5A8D61623AEC}"/>
+              </a:ext>
+            </a:extLst>
+          </p:cNvPr>
+          <p:cNvCxnSpPr>
+            <a:cxnSpLocks/>
+          </p:cNvCxnSpPr>
+          <p:nvPr/>
+        </p:nvCxnSpPr>
+        <p:spPr>
+          <a:xfrm>
+            <a:off x="528765" y="3421020"/>
+            <a:ext cx="5191551" cy="0"/>
+          </a:xfrm>
+          <a:prstGeom prst="line">
+            <a:avLst/>
+          </a:prstGeom>
+          <a:ln>
+            <a:solidFill>
+              <a:schemeClr val="tx1"/>
+            </a:solidFill>
+          </a:ln>
+        </p:spPr>
+        <p:style>
+          <a:lnRef idx="1">
+            <a:schemeClr val="accent1"/>
+          </a:lnRef>
+          <a:fillRef idx="0">
+            <a:schemeClr val="accent1"/>
+          </a:fillRef>
+          <a:effectRef idx="0">
+            <a:schemeClr val="accent1"/>
+          </a:effectRef>
+          <a:fontRef idx="minor">
+            <a:schemeClr val="tx1"/>
+          </a:fontRef>
+        </p:style>
+      </p:cxnSp>
+      <p:pic>
+        <p:nvPicPr>
+          <p:cNvPr id="3074" name="Picture 2" descr="C:\Users\BIT\Downloads\커뮤니티보드+푸드캡처\커뮤니티보드글정보.png"/>
+          <p:cNvPicPr>
+            <a:picLocks noChangeArrowheads="1"/>
+          </p:cNvPicPr>
+          <p:nvPr/>
+        </p:nvPicPr>
+        <p:blipFill>
+          <a:blip r:embed="rId3" cstate="screen">
+            <a:extLst>
+              <a:ext uri="{28A0092B-C50C-407E-A947-70E740481C1C}">
+                <a14:useLocalDpi xmlns:a14="http://schemas.microsoft.com/office/drawing/2010/main" val="0"/>
+              </a:ext>
+            </a:extLst>
+          </a:blip>
+          <a:srcRect/>
+          <a:stretch>
+            <a:fillRect/>
+          </a:stretch>
+        </p:blipFill>
+        <p:spPr bwMode="auto">
+          <a:xfrm>
+            <a:off x="6096000" y="4720"/>
+            <a:ext cx="6094800" cy="6858000"/>
+          </a:xfrm>
+          <a:prstGeom prst="rect">
+            <a:avLst/>
+          </a:prstGeom>
+          <a:noFill/>
+          <a:ln>
+            <a:solidFill>
+              <a:schemeClr val="accent1"/>
+            </a:solidFill>
+          </a:ln>
+          <a:extLst>
+            <a:ext uri="{909E8E84-426E-40DD-AFC4-6F175D3DCCD1}">
+              <a14:hiddenFill xmlns:a14="http://schemas.microsoft.com/office/drawing/2010/main">
+                <a:solidFill>
+                  <a:srgbClr val="FFFFFF"/>
+                </a:solidFill>
+              </a14:hiddenFill>
+            </a:ext>
+          </a:extLst>
+        </p:spPr>
+      </p:pic>
+      <p:sp>
+        <p:nvSpPr>
+          <p:cNvPr id="7" name="TextBox 6">
+            <a:extLst>
+              <a:ext uri="{FF2B5EF4-FFF2-40B4-BE49-F238E27FC236}">
+                <a16:creationId xmlns:a16="http://schemas.microsoft.com/office/drawing/2014/main" xmlns="" id="{7FFA9BC9-96FB-4B17-AF51-48D81692F2D7}"/>
+              </a:ext>
+            </a:extLst>
+          </p:cNvPr>
+          <p:cNvSpPr txBox="1"/>
+          <p:nvPr/>
+        </p:nvSpPr>
+        <p:spPr>
+          <a:xfrm>
+            <a:off x="329610" y="111525"/>
+            <a:ext cx="2141933" cy="584775"/>
+          </a:xfrm>
+          <a:prstGeom prst="rect">
+            <a:avLst/>
+          </a:prstGeom>
+          <a:noFill/>
+        </p:spPr>
+        <p:txBody>
+          <a:bodyPr wrap="none" rtlCol="0">
+            <a:spAutoFit/>
+          </a:bodyPr>
+          <a:lstStyle/>
+          <a:p>
+            <a:r>
+              <a:rPr lang="ko-KR" altLang="en-US" sz="3200" spc="-300" dirty="0" smtClean="0">
+                <a:solidFill>
+                  <a:schemeClr val="tx1">
+                    <a:lumMod val="85000"/>
+                    <a:lumOff val="15000"/>
+                  </a:schemeClr>
+                </a:solidFill>
+              </a:rPr>
+              <a:t>스토리 보드</a:t>
+            </a:r>
+            <a:endParaRPr lang="ko-KR" altLang="en-US" sz="3200" spc="-300" dirty="0">
+              <a:solidFill>
+                <a:schemeClr val="tx1">
+                  <a:lumMod val="85000"/>
+                  <a:lumOff val="15000"/>
+                </a:schemeClr>
+              </a:solidFill>
+            </a:endParaRPr>
+          </a:p>
+        </p:txBody>
+      </p:sp>
+      <p:sp>
+        <p:nvSpPr>
+          <p:cNvPr id="2" name="직사각형 1"/>
           <p:cNvSpPr/>
           <p:nvPr/>
         </p:nvSpPr>
         <p:spPr>
           <a:xfrm>
-            <a:off x="0" y="0"/>
-            <a:ext cx="177800" cy="6858000"/>
+            <a:off x="11335265" y="403911"/>
+            <a:ext cx="642551" cy="5848607"/>
           </a:xfrm>
           <a:prstGeom prst="rect">
             <a:avLst/>
           </a:prstGeom>
           <a:solidFill>
-            <a:schemeClr val="accent1"/>
+            <a:schemeClr val="bg1"/>
           </a:solidFill>
           <a:ln>
-            <a:noFill/>
+            <a:solidFill>
+              <a:schemeClr val="bg1"/>
+            </a:solidFill>
           </a:ln>
         </p:spPr>
         <p:style>
@@ -18033,10 +19272,51 @@
           </a:p>
         </p:txBody>
       </p:sp>
+      <p:pic>
+        <p:nvPicPr>
+          <p:cNvPr id="7170" name="Picture 2" descr="C:\Users\BIT\Downloads\티켓팅디자인캡쳐\티켓팅정보.png"/>
+          <p:cNvPicPr>
+            <a:picLocks noChangeArrowheads="1"/>
+          </p:cNvPicPr>
+          <p:nvPr/>
+        </p:nvPicPr>
+        <p:blipFill>
+          <a:blip r:embed="rId4">
+            <a:extLst>
+              <a:ext uri="{28A0092B-C50C-407E-A947-70E740481C1C}">
+                <a14:useLocalDpi xmlns:a14="http://schemas.microsoft.com/office/drawing/2010/main" val="0"/>
+              </a:ext>
+            </a:extLst>
+          </a:blip>
+          <a:srcRect/>
+          <a:stretch>
+            <a:fillRect/>
+          </a:stretch>
+        </p:blipFill>
+        <p:spPr bwMode="auto">
+          <a:xfrm>
+            <a:off x="6097200" y="-7980"/>
+            <a:ext cx="6094800" cy="6858000"/>
+          </a:xfrm>
+          <a:prstGeom prst="rect">
+            <a:avLst/>
+          </a:prstGeom>
+          <a:noFill/>
+          <a:extLst>
+            <a:ext uri="{909E8E84-426E-40DD-AFC4-6F175D3DCCD1}">
+              <a14:hiddenFill xmlns:a14="http://schemas.microsoft.com/office/drawing/2010/main">
+                <a:solidFill>
+                  <a:srgbClr val="FFFFFF"/>
+                </a:solidFill>
+              </a14:hiddenFill>
+            </a:ext>
+          </a:extLst>
+        </p:spPr>
+      </p:pic>
     </p:spTree>
     <p:extLst>
       <p:ext uri="{BB962C8B-B14F-4D97-AF65-F5344CB8AC3E}">
-        <p14:creationId xmlns:p14="http://schemas.microsoft.com/office/powerpoint/2010/main" val="2393631099"/>
+        <p14:creationId xmlns:p14="http://schemas.microsoft.com/office/powerpoint/2010/main" val="1395187275"/>
       </p:ext>
     </p:extLst>
   </p:cSld>
@@ -18055,10 +19335,17 @@
       </p:transition>
     </mc:Fallback>
   </mc:AlternateContent>
+  <p:timing>
+    <p:tnLst>
+      <p:par>
+        <p:cTn id="1" dur="indefinite" restart="never" nodeType="tmRoot"/>
+      </p:par>
+    </p:tnLst>
+  </p:timing>
 </p:sld>
 </file>
 
-<file path=ppt/slides/slide20.xml><?xml version="1.0" encoding="utf-8"?>
+<file path=ppt/slides/slide21.xml><?xml version="1.0" encoding="utf-8"?>
 <p:sld xmlns:a="http://schemas.openxmlformats.org/drawingml/2006/main" xmlns:r="http://schemas.openxmlformats.org/officeDocument/2006/relationships" xmlns:p="http://schemas.openxmlformats.org/presentationml/2006/main">
   <p:cSld>
     <p:spTree>
@@ -18191,6 +19478,13 @@
       </p:transition>
     </mc:Fallback>
   </mc:AlternateContent>
+  <p:timing>
+    <p:tnLst>
+      <p:par>
+        <p:cTn id="1" dur="indefinite" restart="never" nodeType="tmRoot"/>
+      </p:par>
+    </p:tnLst>
+  </p:timing>
 </p:sld>
 </file>
 
@@ -18487,14 +19781,14 @@
             <a:p>
               <a:pPr algn="ctr"/>
               <a:r>
-                <a:rPr lang="ko-KR" altLang="en-US" dirty="0" smtClean="0">
+                <a:rPr lang="ko-KR" altLang="en-US" dirty="0">
                   <a:solidFill>
                     <a:schemeClr val="tx1"/>
                   </a:solidFill>
                 </a:rPr>
                 <a:t>외국인을 위한</a:t>
               </a:r>
-              <a:endParaRPr lang="en-US" altLang="ko-KR" dirty="0" smtClean="0">
+              <a:endParaRPr lang="en-US" altLang="ko-KR" dirty="0">
                 <a:solidFill>
                   <a:schemeClr val="tx1"/>
                 </a:solidFill>
@@ -18503,7 +19797,7 @@
             <a:p>
               <a:pPr algn="ctr"/>
               <a:r>
-                <a:rPr lang="ko-KR" altLang="en-US" dirty="0" smtClean="0">
+                <a:rPr lang="ko-KR" altLang="en-US" dirty="0">
                   <a:solidFill>
                     <a:schemeClr val="tx1"/>
                   </a:solidFill>
@@ -18511,7 +19805,7 @@
                 <a:t>여행 </a:t>
               </a:r>
               <a:r>
-                <a:rPr lang="ko-KR" altLang="en-US" dirty="0" err="1" smtClean="0">
+                <a:rPr lang="ko-KR" altLang="en-US" dirty="0" err="1">
                   <a:solidFill>
                     <a:schemeClr val="tx1"/>
                   </a:solidFill>
@@ -18519,18 +19813,22 @@
                 <a:t>플래너</a:t>
               </a:r>
               <a:r>
-                <a:rPr lang="ko-KR" altLang="en-US" dirty="0" smtClean="0">
+                <a:rPr lang="ko-KR" altLang="en-US" dirty="0">
                   <a:solidFill>
                     <a:schemeClr val="tx1"/>
                   </a:solidFill>
                 </a:rPr>
                 <a:t> 만들기</a:t>
               </a:r>
-              <a:endParaRPr lang="en-US" altLang="ko-KR" dirty="0" smtClean="0">
+              <a:endParaRPr lang="en-US" altLang="ko-KR" dirty="0">
                 <a:solidFill>
                   <a:schemeClr val="tx1"/>
                 </a:solidFill>
               </a:endParaRPr>
+            </a:p>
+            <a:p>
+              <a:pPr algn="ctr"/>
+              <a:endParaRPr lang="ko-KR" altLang="en-US" dirty="0"/>
             </a:p>
           </p:txBody>
         </p:sp>
@@ -18582,7 +19880,11 @@
             <a:lstStyle/>
             <a:p>
               <a:pPr algn="ctr"/>
-              <a:endParaRPr lang="ko-KR" altLang="en-US"/>
+              <a:r>
+                <a:rPr lang="ko-KR" altLang="en-US" dirty="0" smtClean="0"/>
+                <a:t>언어</a:t>
+              </a:r>
+              <a:endParaRPr lang="ko-KR" altLang="en-US" dirty="0"/>
             </a:p>
           </p:txBody>
         </p:sp>
@@ -18666,7 +19968,7 @@
             <a:p>
               <a:pPr algn="ctr"/>
               <a:r>
-                <a:rPr lang="ko-KR" altLang="en-US" dirty="0" smtClean="0">
+                <a:rPr lang="ko-KR" altLang="en-US" dirty="0">
                   <a:solidFill>
                     <a:schemeClr val="tx1"/>
                   </a:solidFill>
@@ -18674,7 +19976,7 @@
                 <a:t>다양한 </a:t>
               </a:r>
               <a:r>
-                <a:rPr lang="ko-KR" altLang="en-US" dirty="0" err="1" smtClean="0">
+                <a:rPr lang="ko-KR" altLang="en-US" dirty="0" err="1">
                   <a:solidFill>
                     <a:schemeClr val="tx1"/>
                   </a:solidFill>
@@ -18690,7 +19992,7 @@
             <a:p>
               <a:pPr algn="ctr"/>
               <a:r>
-                <a:rPr lang="ko-KR" altLang="en-US" dirty="0" smtClean="0">
+                <a:rPr lang="ko-KR" altLang="en-US" dirty="0">
                   <a:solidFill>
                     <a:schemeClr val="tx1"/>
                   </a:solidFill>
@@ -18706,18 +20008,22 @@
                 <a:t> </a:t>
               </a:r>
               <a:r>
-                <a:rPr lang="ko-KR" altLang="en-US" dirty="0" smtClean="0">
+                <a:rPr lang="ko-KR" altLang="en-US" dirty="0">
                   <a:solidFill>
                     <a:schemeClr val="tx1"/>
                   </a:solidFill>
                 </a:rPr>
                 <a:t>및 공유</a:t>
               </a:r>
-              <a:endParaRPr lang="en-US" altLang="ko-KR" dirty="0" smtClean="0">
+              <a:endParaRPr lang="en-US" altLang="ko-KR" dirty="0">
                 <a:solidFill>
                   <a:schemeClr val="tx1"/>
                 </a:solidFill>
               </a:endParaRPr>
+            </a:p>
+            <a:p>
+              <a:pPr algn="ctr"/>
+              <a:endParaRPr lang="ko-KR" altLang="en-US" dirty="0"/>
             </a:p>
           </p:txBody>
         </p:sp>
@@ -18769,7 +20075,11 @@
             <a:lstStyle/>
             <a:p>
               <a:pPr algn="ctr"/>
-              <a:endParaRPr lang="ko-KR" altLang="en-US"/>
+              <a:r>
+                <a:rPr lang="ko-KR" altLang="en-US" dirty="0" smtClean="0"/>
+                <a:t>다양성</a:t>
+              </a:r>
+              <a:endParaRPr lang="ko-KR" altLang="en-US" dirty="0"/>
             </a:p>
           </p:txBody>
         </p:sp>
@@ -18853,14 +20163,14 @@
             <a:p>
               <a:pPr algn="ctr"/>
               <a:r>
-                <a:rPr lang="ko-KR" altLang="en-US" dirty="0" smtClean="0">
+                <a:rPr lang="ko-KR" altLang="en-US" dirty="0">
                   <a:solidFill>
                     <a:schemeClr val="tx1"/>
                   </a:solidFill>
                 </a:rPr>
                 <a:t>통계 자료 제공으로</a:t>
               </a:r>
-              <a:endParaRPr lang="en-US" altLang="ko-KR" dirty="0" smtClean="0">
+              <a:endParaRPr lang="en-US" altLang="ko-KR" dirty="0">
                 <a:solidFill>
                   <a:schemeClr val="tx1"/>
                 </a:solidFill>
@@ -18869,7 +20179,7 @@
             <a:p>
               <a:pPr algn="ctr"/>
               <a:r>
-                <a:rPr lang="ko-KR" altLang="en-US" dirty="0" smtClean="0">
+                <a:rPr lang="ko-KR" altLang="en-US" dirty="0">
                   <a:solidFill>
                     <a:schemeClr val="tx1"/>
                   </a:solidFill>
@@ -18877,7 +20187,7 @@
                 <a:t>쉬운 </a:t>
               </a:r>
               <a:r>
-                <a:rPr lang="ko-KR" altLang="en-US" dirty="0" err="1" smtClean="0">
+                <a:rPr lang="ko-KR" altLang="en-US" dirty="0" err="1">
                   <a:solidFill>
                     <a:schemeClr val="tx1"/>
                   </a:solidFill>
@@ -18885,18 +20195,22 @@
                 <a:t>플래너</a:t>
               </a:r>
               <a:r>
-                <a:rPr lang="ko-KR" altLang="en-US" dirty="0" smtClean="0">
+                <a:rPr lang="ko-KR" altLang="en-US" dirty="0">
                   <a:solidFill>
                     <a:schemeClr val="tx1"/>
                   </a:solidFill>
                 </a:rPr>
                 <a:t> 작성</a:t>
               </a:r>
-              <a:endParaRPr lang="en-US" altLang="ko-KR" dirty="0" smtClean="0">
+              <a:endParaRPr lang="en-US" altLang="ko-KR" dirty="0">
                 <a:solidFill>
                   <a:schemeClr val="tx1"/>
                 </a:solidFill>
               </a:endParaRPr>
+            </a:p>
+            <a:p>
+              <a:pPr algn="ctr"/>
+              <a:endParaRPr lang="ko-KR" altLang="en-US" dirty="0"/>
             </a:p>
           </p:txBody>
         </p:sp>
@@ -18948,7 +20262,11 @@
             <a:lstStyle/>
             <a:p>
               <a:pPr algn="ctr"/>
-              <a:endParaRPr lang="ko-KR" altLang="en-US"/>
+              <a:r>
+                <a:rPr lang="ko-KR" altLang="en-US" dirty="0" smtClean="0"/>
+                <a:t>통계</a:t>
+              </a:r>
+              <a:endParaRPr lang="ko-KR" altLang="en-US" dirty="0"/>
             </a:p>
           </p:txBody>
         </p:sp>
@@ -19096,47 +20414,6 @@
           <a:p>
             <a:pPr algn="ctr"/>
             <a:endParaRPr lang="ko-KR" altLang="en-US"/>
-          </a:p>
-        </p:txBody>
-      </p:sp>
-      <p:sp>
-        <p:nvSpPr>
-          <p:cNvPr id="3" name="TextBox 2">
-            <a:extLst>
-              <a:ext uri="{FF2B5EF4-FFF2-40B4-BE49-F238E27FC236}">
-                <a16:creationId xmlns="" xmlns:a16="http://schemas.microsoft.com/office/drawing/2014/main" id="{90C0895B-7B4E-4FB6-95D6-6192E6C6C6FE}"/>
-              </a:ext>
-            </a:extLst>
-          </p:cNvPr>
-          <p:cNvSpPr txBox="1"/>
-          <p:nvPr/>
-        </p:nvSpPr>
-        <p:spPr>
-          <a:xfrm>
-            <a:off x="4640200" y="2021840"/>
-            <a:ext cx="2967479" cy="369332"/>
-          </a:xfrm>
-          <a:prstGeom prst="rect">
-            <a:avLst/>
-          </a:prstGeom>
-          <a:noFill/>
-        </p:spPr>
-        <p:txBody>
-          <a:bodyPr wrap="none" rtlCol="0">
-            <a:spAutoFit/>
-          </a:bodyPr>
-          <a:lstStyle/>
-          <a:p>
-            <a:pPr algn="ctr"/>
-            <a:r>
-              <a:rPr lang="ko-KR" altLang="en-US" dirty="0"/>
-              <a:t>어디에 중점을 두실 건가요</a:t>
-            </a:r>
-            <a:r>
-              <a:rPr lang="en-US" altLang="ko-KR" dirty="0"/>
-              <a:t>?</a:t>
-            </a:r>
-            <a:endParaRPr lang="ko-KR" altLang="en-US" dirty="0"/>
           </a:p>
         </p:txBody>
       </p:sp>
@@ -22584,6 +23861,13 @@
       </p:transition>
     </mc:Fallback>
   </mc:AlternateContent>
+  <p:timing>
+    <p:tnLst>
+      <p:par>
+        <p:cTn id="1" dur="indefinite" restart="never" nodeType="tmRoot"/>
+      </p:par>
+    </p:tnLst>
+  </p:timing>
 </p:sld>
 </file>
 
